--- a/Slides/Module 09 React Hooks.pptx
+++ b/Slides/Module 09 React Hooks.pptx
@@ -3521,6 +3521,13 @@
             <a:ext cx="6096000" cy="3429000"/>
           </a:xfrm>
         </p:spPr>
+        <p:txBody>
+          <a:bodyPr/>
+          <a:lstStyle/>
+          <a:p>
+            <a:endParaRPr lang="en-US"/>
+          </a:p>
+        </p:txBody>
       </p:sp>
       <p:sp>
         <p:nvSpPr>
@@ -3568,7 +3575,13 @@
   <p:cSld>
     <p:spTree>
       <p:nvGrpSpPr>
-        <p:cNvPr id="1" name=""/>
+        <p:cNvPr id="1" name="">
+          <a:extLst>
+            <a:ext uri="{FF2B5EF4-FFF2-40B4-BE49-F238E27FC236}">
+              <a16:creationId xmlns:a16="http://schemas.microsoft.com/office/drawing/2014/main" id="{8E21BBA0-0798-01A7-8D7C-CA992E4A763B}"/>
+            </a:ext>
+          </a:extLst>
+        </p:cNvPr>
         <p:cNvGrpSpPr/>
         <p:nvPr/>
       </p:nvGrpSpPr>
@@ -3582,7 +3595,13 @@
       </p:grpSpPr>
       <p:sp>
         <p:nvSpPr>
-          <p:cNvPr id="2" name="Slide Image Placeholder 1"/>
+          <p:cNvPr id="2" name="Slide Image Placeholder 1">
+            <a:extLst>
+              <a:ext uri="{FF2B5EF4-FFF2-40B4-BE49-F238E27FC236}">
+                <a16:creationId xmlns:a16="http://schemas.microsoft.com/office/drawing/2014/main" id="{CCEBCD53-2C87-F7C1-6E19-AA7A3D8C146B}"/>
+              </a:ext>
+            </a:extLst>
+          </p:cNvPr>
           <p:cNvSpPr>
             <a:spLocks noGrp="1" noRot="1" noChangeAspect="1"/>
           </p:cNvSpPr>
@@ -3596,10 +3615,23 @@
             <a:ext cx="6096000" cy="3429000"/>
           </a:xfrm>
         </p:spPr>
+        <p:txBody>
+          <a:bodyPr/>
+          <a:lstStyle/>
+          <a:p>
+            <a:endParaRPr lang="en-US"/>
+          </a:p>
+        </p:txBody>
       </p:sp>
       <p:sp>
         <p:nvSpPr>
-          <p:cNvPr id="3" name="Notes Placeholder 2"/>
+          <p:cNvPr id="3" name="Notes Placeholder 2">
+            <a:extLst>
+              <a:ext uri="{FF2B5EF4-FFF2-40B4-BE49-F238E27FC236}">
+                <a16:creationId xmlns:a16="http://schemas.microsoft.com/office/drawing/2014/main" id="{E319735F-BE30-74F0-5FEF-DC93FD11E599}"/>
+              </a:ext>
+            </a:extLst>
+          </p:cNvPr>
           <p:cNvSpPr>
             <a:spLocks noGrp="1"/>
           </p:cNvSpPr>
@@ -3614,31 +3646,61 @@
           <a:p>
             <a:r>
               <a:rPr lang="en-US" dirty="0"/>
-              <a:t>And finally, here's where the display is actually generated.  We have an </a:t>
-            </a:r>
+              <a:t>Here we create a listener, which, when called, increments the local time.  Following the pattern on Slide 5, we use `useEffect` to add the listener to the clock when the page first mounts, and we remove it when the page dismounts. We'll also add some log commands so we can watch it in the browser console.</a:t>
+            </a:r>
+          </a:p>
+          <a:p>
+            <a:endParaRPr lang="en-US" dirty="0"/>
+          </a:p>
+          <a:p>
             <a:r>
               <a:rPr lang="en-US" dirty="0" err="1"/>
-              <a:t>hstack</a:t>
+              <a:t>ClockDisplay</a:t>
             </a:r>
             <a:r>
               <a:rPr lang="en-US" dirty="0"/>
-              <a:t> that shows the clock's name, its local time, a button for asking its parent to delete it, and a button for asking its parent to create a new </a:t>
+              <a:t> takes props for </a:t>
             </a:r>
             <a:r>
               <a:rPr lang="en-US" dirty="0" err="1"/>
-              <a:t>clockdisplay</a:t>
+              <a:t>handleDelete</a:t>
             </a:r>
             <a:r>
               <a:rPr lang="en-US" dirty="0"/>
-              <a:t>.</a:t>
-            </a:r>
+              <a:t> and </a:t>
+            </a:r>
+            <a:r>
+              <a:rPr lang="en-US" dirty="0" err="1"/>
+              <a:t>handleAdd</a:t>
+            </a:r>
+            <a:r>
+              <a:rPr lang="en-US" dirty="0"/>
+              <a:t>, but &lt;</a:t>
+            </a:r>
+            <a:r>
+              <a:rPr lang="en-US" dirty="0" err="1"/>
+              <a:t>ClockDisplayApp</a:t>
+            </a:r>
+            <a:r>
+              <a:rPr lang="en-US" dirty="0"/>
+              <a:t>&gt; provides them with a function that does nothing.  So the trash can and the little plus sign don’t do anything right now.</a:t>
+            </a:r>
+          </a:p>
+          <a:p>
+            <a:endParaRPr lang="en-US" dirty="0"/>
+          </a:p>
+          <a:p>
+            <a:endParaRPr lang="en-US" dirty="0"/>
+          </a:p>
+          <a:p>
+            <a:endParaRPr lang="en-US" dirty="0"/>
           </a:p>
         </p:txBody>
       </p:sp>
     </p:spTree>
     <p:extLst>
       <p:ext uri="{BB962C8B-B14F-4D97-AF65-F5344CB8AC3E}">
-        <p14:creationId xmlns:p14="http://schemas.microsoft.com/office/powerpoint/2010/main" val="3924830816"/>
+        <p14:creationId xmlns:p14="http://schemas.microsoft.com/office/powerpoint/2010/main" val="3144401495"/>
       </p:ext>
     </p:extLst>
   </p:cSld>
@@ -3681,6 +3743,13 @@
             <a:ext cx="6096000" cy="3429000"/>
           </a:xfrm>
         </p:spPr>
+        <p:txBody>
+          <a:bodyPr/>
+          <a:lstStyle/>
+          <a:p>
+            <a:endParaRPr lang="en-US"/>
+          </a:p>
+        </p:txBody>
       </p:sp>
       <p:sp>
         <p:nvSpPr>
@@ -3699,16 +3768,23 @@
           <a:p>
             <a:r>
               <a:rPr lang="en-US" dirty="0"/>
-              <a:t>Here we went to localhost:3000, started the console with C-S-I, and hit "reload" to get the display from the beginning.</a:t>
-            </a:r>
-          </a:p>
-          <a:p>
-            <a:endParaRPr lang="en-US" dirty="0"/>
-          </a:p>
-          <a:p>
+              <a:t>And finally, here's where the display is actually generated.  We have an </a:t>
+            </a:r>
+            <a:r>
+              <a:rPr lang="en-US" dirty="0" err="1"/>
+              <a:t>hstack</a:t>
+            </a:r>
             <a:r>
               <a:rPr lang="en-US" dirty="0"/>
-              <a:t>We can't do anything else with this app right now, but we'll come back to it a little later.</a:t>
+              <a:t> that shows the clock's name, its local time, a button for asking its parent to delete it, and a button for asking its parent to create a new </a:t>
+            </a:r>
+            <a:r>
+              <a:rPr lang="en-US" dirty="0" err="1"/>
+              <a:t>clockdisplay</a:t>
+            </a:r>
+            <a:r>
+              <a:rPr lang="en-US" dirty="0"/>
+              <a:t>.</a:t>
             </a:r>
           </a:p>
         </p:txBody>
@@ -3716,7 +3792,7 @@
     </p:spTree>
     <p:extLst>
       <p:ext uri="{BB962C8B-B14F-4D97-AF65-F5344CB8AC3E}">
-        <p14:creationId xmlns:p14="http://schemas.microsoft.com/office/powerpoint/2010/main" val="1274186311"/>
+        <p14:creationId xmlns:p14="http://schemas.microsoft.com/office/powerpoint/2010/main" val="3924830816"/>
       </p:ext>
     </p:extLst>
   </p:cSld>
@@ -3759,6 +3835,13 @@
             <a:ext cx="6096000" cy="3429000"/>
           </a:xfrm>
         </p:spPr>
+        <p:txBody>
+          <a:bodyPr/>
+          <a:lstStyle/>
+          <a:p>
+            <a:endParaRPr lang="en-US"/>
+          </a:p>
+        </p:txBody>
       </p:sp>
       <p:sp>
         <p:nvSpPr>
@@ -3777,7 +3860,16 @@
           <a:p>
             <a:r>
               <a:rPr lang="en-US" dirty="0"/>
-              <a:t>Next, let's look at the dependency array in more detail.  &lt;read slide&gt;</a:t>
+              <a:t>Here we went to localhost:3000, started the console with C-S-I, and hit "reload" to get the display from the beginning.</a:t>
+            </a:r>
+          </a:p>
+          <a:p>
+            <a:endParaRPr lang="en-US" dirty="0"/>
+          </a:p>
+          <a:p>
+            <a:r>
+              <a:rPr lang="en-US" dirty="0"/>
+              <a:t>We can't do anything else with this app right now, but we'll come back to it a little later.</a:t>
             </a:r>
           </a:p>
         </p:txBody>
@@ -3785,7 +3877,7 @@
     </p:spTree>
     <p:extLst>
       <p:ext uri="{BB962C8B-B14F-4D97-AF65-F5344CB8AC3E}">
-        <p14:creationId xmlns:p14="http://schemas.microsoft.com/office/powerpoint/2010/main" val="2145125702"/>
+        <p14:creationId xmlns:p14="http://schemas.microsoft.com/office/powerpoint/2010/main" val="1274186311"/>
       </p:ext>
     </p:extLst>
   </p:cSld>
@@ -3828,6 +3920,13 @@
             <a:ext cx="6096000" cy="3429000"/>
           </a:xfrm>
         </p:spPr>
+        <p:txBody>
+          <a:bodyPr/>
+          <a:lstStyle/>
+          <a:p>
+            <a:endParaRPr lang="en-US"/>
+          </a:p>
+        </p:txBody>
       </p:sp>
       <p:sp>
         <p:nvSpPr>
@@ -3846,83 +3945,7 @@
           <a:p>
             <a:r>
               <a:rPr lang="en-US" dirty="0"/>
-              <a:t>Here's an example with two state variables, n and m, and a bunch of </a:t>
-            </a:r>
-            <a:r>
-              <a:rPr lang="en-US" dirty="0" err="1"/>
-              <a:t>useEffects</a:t>
-            </a:r>
-            <a:r>
-              <a:rPr lang="en-US" dirty="0"/>
-              <a:t>, with different dependency arrays.  The log messages tell us when each of the </a:t>
-            </a:r>
-            <a:r>
-              <a:rPr lang="en-US" dirty="0" err="1"/>
-              <a:t>useEffects</a:t>
-            </a:r>
-            <a:r>
-              <a:rPr lang="en-US" dirty="0"/>
-              <a:t> run:</a:t>
-            </a:r>
-          </a:p>
-          <a:p>
-            <a:endParaRPr lang="en-US" dirty="0"/>
-          </a:p>
-          <a:p>
-            <a:r>
-              <a:rPr lang="en-US" dirty="0" err="1"/>
-              <a:t>useEffect</a:t>
-            </a:r>
-            <a:r>
-              <a:rPr lang="en-US" dirty="0"/>
-              <a:t> #1 has an empty dependency array, so it is run only on first render</a:t>
-            </a:r>
-          </a:p>
-          <a:p>
-            <a:r>
-              <a:rPr lang="en-US" dirty="0" err="1"/>
-              <a:t>useEffect</a:t>
-            </a:r>
-            <a:r>
-              <a:rPr lang="en-US" dirty="0"/>
-              <a:t> #2N has a dependency array with just n, so it is run only when n changes.</a:t>
-            </a:r>
-          </a:p>
-          <a:p>
-            <a:r>
-              <a:rPr lang="en-US" dirty="0" err="1"/>
-              <a:t>useEffect</a:t>
-            </a:r>
-            <a:r>
-              <a:rPr lang="en-US" dirty="0"/>
-              <a:t> #2M has a dependency array with just m, so it is run only when m changes.</a:t>
-            </a:r>
-          </a:p>
-          <a:p>
-            <a:r>
-              <a:rPr lang="en-US" dirty="0" err="1"/>
-              <a:t>useEffects</a:t>
-            </a:r>
-            <a:r>
-              <a:rPr lang="en-US" dirty="0"/>
-              <a:t> #3A, B and C (on next slide) have no second argument, so they are run on every render.  We'll see that these are run in the order they appear in the file.</a:t>
-            </a:r>
-          </a:p>
-          <a:p>
-            <a:endParaRPr lang="en-US" dirty="0"/>
-          </a:p>
-          <a:p>
-            <a:r>
-              <a:rPr lang="en-US" dirty="0"/>
-              <a:t>NOTE: when you load the component, these hooks may run twice in development mode (</a:t>
-            </a:r>
-            <a:r>
-              <a:rPr lang="en-US" dirty="0" err="1"/>
-              <a:t>npm</a:t>
-            </a:r>
-            <a:r>
-              <a:rPr lang="en-US" dirty="0"/>
-              <a:t> run dev), but they will only run once on subsequent redisplays, and (most importantly) in production.</a:t>
+              <a:t>Next, let's look at the dependency array in more detail.  &lt;read slide&gt;</a:t>
             </a:r>
           </a:p>
         </p:txBody>
@@ -3930,7 +3953,7 @@
     </p:spTree>
     <p:extLst>
       <p:ext uri="{BB962C8B-B14F-4D97-AF65-F5344CB8AC3E}">
-        <p14:creationId xmlns:p14="http://schemas.microsoft.com/office/powerpoint/2010/main" val="686638407"/>
+        <p14:creationId xmlns:p14="http://schemas.microsoft.com/office/powerpoint/2010/main" val="2145125702"/>
       </p:ext>
     </p:extLst>
   </p:cSld>
@@ -3973,6 +3996,13 @@
             <a:ext cx="6096000" cy="3429000"/>
           </a:xfrm>
         </p:spPr>
+        <p:txBody>
+          <a:bodyPr/>
+          <a:lstStyle/>
+          <a:p>
+            <a:endParaRPr lang="en-US"/>
+          </a:p>
+        </p:txBody>
       </p:sp>
       <p:sp>
         <p:nvSpPr>
@@ -3991,7 +4021,23 @@
           <a:p>
             <a:r>
               <a:rPr lang="en-US" dirty="0"/>
-              <a:t>We'll create two buttons, each of which increments n or m, and logs itself in the console.</a:t>
+              <a:t>Here's an example with two state variables, n and m, and a bunch of </a:t>
+            </a:r>
+            <a:r>
+              <a:rPr lang="en-US" dirty="0" err="1"/>
+              <a:t>useEffects</a:t>
+            </a:r>
+            <a:r>
+              <a:rPr lang="en-US" dirty="0"/>
+              <a:t>, with different dependency arrays.  The log messages tell us when each of the </a:t>
+            </a:r>
+            <a:r>
+              <a:rPr lang="en-US" dirty="0" err="1"/>
+              <a:t>useEffects</a:t>
+            </a:r>
+            <a:r>
+              <a:rPr lang="en-US" dirty="0"/>
+              <a:t> run:</a:t>
             </a:r>
           </a:p>
           <a:p>
@@ -4000,13 +4046,46 @@
           <a:p>
             <a:r>
               <a:rPr lang="en-US" dirty="0"/>
-              <a:t>Let's watch.  </a:t>
+              <a:t>useEffect #1 has an empty dependency array, so it is run only on first render</a:t>
             </a:r>
           </a:p>
           <a:p>
             <a:r>
               <a:rPr lang="en-US" dirty="0"/>
-              <a:t>&lt;Demo; display console with Control-I&gt;</a:t>
+              <a:t>useEffect #2N has a dependency array with just n, so it is run only when n changes.</a:t>
+            </a:r>
+          </a:p>
+          <a:p>
+            <a:r>
+              <a:rPr lang="en-US" dirty="0"/>
+              <a:t>useEffect #2M has a dependency array with just m, so it is run only when m changes.</a:t>
+            </a:r>
+          </a:p>
+          <a:p>
+            <a:r>
+              <a:rPr lang="en-US" dirty="0" err="1"/>
+              <a:t>useEffects</a:t>
+            </a:r>
+            <a:r>
+              <a:rPr lang="en-US" dirty="0"/>
+              <a:t> #3A, B and C (on next slide) have no second argument, so they are run on every render.  We'll see that these are run in the order they appear in the file.</a:t>
+            </a:r>
+          </a:p>
+          <a:p>
+            <a:endParaRPr lang="en-US" dirty="0"/>
+          </a:p>
+          <a:p>
+            <a:r>
+              <a:rPr lang="en-US" dirty="0"/>
+              <a:t>NOTE: when you load the component, these hooks may run twice in development mode (</a:t>
+            </a:r>
+            <a:r>
+              <a:rPr lang="en-US" dirty="0" err="1"/>
+              <a:t>npm</a:t>
+            </a:r>
+            <a:r>
+              <a:rPr lang="en-US" dirty="0"/>
+              <a:t> run dev), but they will only run once on subsequent redisplays, and (most importantly) in production.</a:t>
             </a:r>
           </a:p>
         </p:txBody>
@@ -4014,7 +4093,7 @@
     </p:spTree>
     <p:extLst>
       <p:ext uri="{BB962C8B-B14F-4D97-AF65-F5344CB8AC3E}">
-        <p14:creationId xmlns:p14="http://schemas.microsoft.com/office/powerpoint/2010/main" val="1472379758"/>
+        <p14:creationId xmlns:p14="http://schemas.microsoft.com/office/powerpoint/2010/main" val="686638407"/>
       </p:ext>
     </p:extLst>
   </p:cSld>
@@ -4057,6 +4136,13 @@
             <a:ext cx="6096000" cy="3429000"/>
           </a:xfrm>
         </p:spPr>
+        <p:txBody>
+          <a:bodyPr/>
+          <a:lstStyle/>
+          <a:p>
+            <a:endParaRPr lang="en-US"/>
+          </a:p>
+        </p:txBody>
       </p:sp>
       <p:sp>
         <p:nvSpPr>
@@ -4075,7 +4161,22 @@
           <a:p>
             <a:r>
               <a:rPr lang="en-US" dirty="0"/>
-              <a:t>&lt;explain slide, or demo &amp; explain as you go&gt;</a:t>
+              <a:t>We'll create two buttons, each of which increments n or m, and logs itself in the console.</a:t>
+            </a:r>
+          </a:p>
+          <a:p>
+            <a:endParaRPr lang="en-US" dirty="0"/>
+          </a:p>
+          <a:p>
+            <a:r>
+              <a:rPr lang="en-US" dirty="0"/>
+              <a:t>Let's watch.  </a:t>
+            </a:r>
+          </a:p>
+          <a:p>
+            <a:r>
+              <a:rPr lang="en-US" dirty="0"/>
+              <a:t>&lt;Demo; display console with Control-I&gt;</a:t>
             </a:r>
           </a:p>
         </p:txBody>
@@ -4083,7 +4184,7 @@
     </p:spTree>
     <p:extLst>
       <p:ext uri="{BB962C8B-B14F-4D97-AF65-F5344CB8AC3E}">
-        <p14:creationId xmlns:p14="http://schemas.microsoft.com/office/powerpoint/2010/main" val="2234812935"/>
+        <p14:creationId xmlns:p14="http://schemas.microsoft.com/office/powerpoint/2010/main" val="1472379758"/>
       </p:ext>
     </p:extLst>
   </p:cSld>
@@ -4126,6 +4227,13 @@
             <a:ext cx="6096000" cy="3429000"/>
           </a:xfrm>
         </p:spPr>
+        <p:txBody>
+          <a:bodyPr/>
+          <a:lstStyle/>
+          <a:p>
+            <a:endParaRPr lang="en-US"/>
+          </a:p>
+        </p:txBody>
       </p:sp>
       <p:sp>
         <p:nvSpPr>
@@ -4144,42 +4252,7 @@
           <a:p>
             <a:r>
               <a:rPr lang="en-US" dirty="0"/>
-              <a:t>&lt;Read slide&gt;</a:t>
-            </a:r>
-          </a:p>
-          <a:p>
-            <a:r>
-              <a:rPr lang="en-US" dirty="0"/>
-              <a:t>&lt;Demo: Apps/</a:t>
-            </a:r>
-            <a:r>
-              <a:rPr lang="en-US" dirty="0" err="1"/>
-              <a:t>ArrayOfClocksApp.tsx</a:t>
-            </a:r>
-            <a:r>
-              <a:rPr lang="en-US" dirty="0"/>
-              <a:t> &gt;  </a:t>
-            </a:r>
-          </a:p>
-          <a:p>
-            <a:r>
-              <a:rPr lang="en-US" dirty="0"/>
-              <a:t>Observe that the number of listeners is decremented whenever you delete a clock display.</a:t>
-            </a:r>
-          </a:p>
-          <a:p>
-            <a:r>
-              <a:rPr lang="en-US" dirty="0"/>
-              <a:t>This tells us that the cleanup code is running.  And you can watch this in the console log also.</a:t>
-            </a:r>
-          </a:p>
-          <a:p>
-            <a:endParaRPr lang="en-US" dirty="0"/>
-          </a:p>
-          <a:p>
-            <a:r>
-              <a:rPr lang="en-US" dirty="0"/>
-              <a:t>Let's look at the code for this:</a:t>
+              <a:t>&lt;explain slide, or demo &amp; explain as you go&gt;</a:t>
             </a:r>
           </a:p>
         </p:txBody>
@@ -4187,7 +4260,7 @@
     </p:spTree>
     <p:extLst>
       <p:ext uri="{BB962C8B-B14F-4D97-AF65-F5344CB8AC3E}">
-        <p14:creationId xmlns:p14="http://schemas.microsoft.com/office/powerpoint/2010/main" val="3955276847"/>
+        <p14:creationId xmlns:p14="http://schemas.microsoft.com/office/powerpoint/2010/main" val="2234812935"/>
       </p:ext>
     </p:extLst>
   </p:cSld>
@@ -4230,6 +4303,13 @@
             <a:ext cx="6096000" cy="3429000"/>
           </a:xfrm>
         </p:spPr>
+        <p:txBody>
+          <a:bodyPr/>
+          <a:lstStyle/>
+          <a:p>
+            <a:endParaRPr lang="en-US"/>
+          </a:p>
+        </p:txBody>
       </p:sp>
       <p:sp>
         <p:nvSpPr>
@@ -4248,15 +4328,33 @@
           <a:p>
             <a:r>
               <a:rPr lang="en-US" dirty="0"/>
-              <a:t>Here we've taken our </a:t>
+              <a:t>&lt;Read slide&gt;</a:t>
+            </a:r>
+          </a:p>
+          <a:p>
+            <a:r>
+              <a:rPr lang="en-US" dirty="0"/>
+              <a:t>&lt;Demo: Apps/</a:t>
             </a:r>
             <a:r>
               <a:rPr lang="en-US" dirty="0" err="1"/>
-              <a:t>useEffect</a:t>
+              <a:t>ArrayOfClocksApp.tsx</a:t>
             </a:r>
             <a:r>
               <a:rPr lang="en-US" dirty="0"/>
-              <a:t> demo and instrumented it to make the execution of the cleanup functions visible.</a:t>
+              <a:t> &gt;  </a:t>
+            </a:r>
+          </a:p>
+          <a:p>
+            <a:r>
+              <a:rPr lang="en-US" dirty="0"/>
+              <a:t>Observe that the number of listeners is decremented whenever you delete a clock display.</a:t>
+            </a:r>
+          </a:p>
+          <a:p>
+            <a:r>
+              <a:rPr lang="en-US" dirty="0"/>
+              <a:t>This tells us that the cleanup code is running.  And you can watch this in the console log also.</a:t>
             </a:r>
           </a:p>
           <a:p>
@@ -4265,50 +4363,7 @@
           <a:p>
             <a:r>
               <a:rPr lang="en-US" dirty="0"/>
-              <a:t>To do this, we've defined a function `cleanup` that takes a string and returns a 0-argument function that is suitable to use as a return value from </a:t>
-            </a:r>
-            <a:r>
-              <a:rPr lang="en-US" dirty="0" err="1"/>
-              <a:t>useEffect</a:t>
-            </a:r>
-            <a:r>
-              <a:rPr lang="en-US" dirty="0"/>
-              <a:t>.</a:t>
-            </a:r>
-          </a:p>
-          <a:p>
-            <a:endParaRPr lang="en-US" dirty="0"/>
-          </a:p>
-          <a:p>
-            <a:r>
-              <a:rPr lang="en-US" dirty="0"/>
-              <a:t>Then we've taken each </a:t>
-            </a:r>
-            <a:r>
-              <a:rPr lang="en-US" dirty="0" err="1"/>
-              <a:t>useEffect</a:t>
-            </a:r>
-            <a:r>
-              <a:rPr lang="en-US" dirty="0"/>
-              <a:t> and modified it to return a suitably labelled cleanup function.</a:t>
-            </a:r>
-          </a:p>
-          <a:p>
-            <a:endParaRPr lang="en-US" dirty="0"/>
-          </a:p>
-          <a:p>
-            <a:r>
-              <a:rPr lang="en-US" dirty="0"/>
-              <a:t>Last, we've modified the "Increment n" and "Increment m" buttons to log a message to the console when they are clicked (not shown on slide).</a:t>
-            </a:r>
-          </a:p>
-          <a:p>
-            <a:endParaRPr lang="en-US" dirty="0"/>
-          </a:p>
-          <a:p>
-            <a:r>
-              <a:rPr lang="en-US" dirty="0"/>
-              <a:t>Let's watch this in action </a:t>
+              <a:t>Let's look at the code for this:</a:t>
             </a:r>
           </a:p>
         </p:txBody>
@@ -4316,7 +4371,7 @@
     </p:spTree>
     <p:extLst>
       <p:ext uri="{BB962C8B-B14F-4D97-AF65-F5344CB8AC3E}">
-        <p14:creationId xmlns:p14="http://schemas.microsoft.com/office/powerpoint/2010/main" val="3476374481"/>
+        <p14:creationId xmlns:p14="http://schemas.microsoft.com/office/powerpoint/2010/main" val="3955276847"/>
       </p:ext>
     </p:extLst>
   </p:cSld>
@@ -4359,6 +4414,13 @@
             <a:ext cx="6096000" cy="3429000"/>
           </a:xfrm>
         </p:spPr>
+        <p:txBody>
+          <a:bodyPr/>
+          <a:lstStyle/>
+          <a:p>
+            <a:endParaRPr lang="en-US"/>
+          </a:p>
+        </p:txBody>
       </p:sp>
       <p:sp>
         <p:nvSpPr>
@@ -4377,19 +4439,25 @@
           <a:p>
             <a:r>
               <a:rPr lang="en-US" dirty="0"/>
-              <a:t>Here we've hit Reload.  Observe that effects #1, 2N, 3A, and 3B are run.</a:t>
-            </a:r>
+              <a:t>Here we've taken our useEffect demo and instrumented it to make the execution of the cleanup functions visible.</a:t>
+            </a:r>
+          </a:p>
+          <a:p>
+            <a:endParaRPr lang="en-US" dirty="0"/>
           </a:p>
           <a:p>
             <a:r>
               <a:rPr lang="en-US" dirty="0"/>
-              <a:t>Then we clicked 'n'.</a:t>
-            </a:r>
+              <a:t>To do this, we've defined a function `cleanup` that takes a string and returns a 0-argument function that is suitable to use as a return value from useEffect.</a:t>
+            </a:r>
+          </a:p>
+          <a:p>
+            <a:endParaRPr lang="en-US" dirty="0"/>
           </a:p>
           <a:p>
             <a:r>
               <a:rPr lang="en-US" dirty="0"/>
-              <a:t>We will need to run 2N, 3A, and 3B again.  So first, the cleanups for 2N, 3A, and 3B are run, and then 2N, 3A, and 3B are run.</a:t>
+              <a:t>Then we've taken each useEffect and modified it to return a suitably labelled cleanup function.</a:t>
             </a:r>
           </a:p>
           <a:p>
@@ -4398,49 +4466,24 @@
           <a:p>
             <a:r>
               <a:rPr lang="en-US" dirty="0"/>
-              <a:t>(As we said, the cleanups are guaranteed to be run before the next execution of the </a:t>
-            </a:r>
-            <a:r>
-              <a:rPr lang="en-US" dirty="0" err="1"/>
-              <a:t>useEffect</a:t>
-            </a:r>
+              <a:t>Last, we've modified the "Increment n" and "Increment m" buttons to log a message to the console when they are clicked (not shown on slide).</a:t>
+            </a:r>
+          </a:p>
+          <a:p>
+            <a:endParaRPr lang="en-US" dirty="0"/>
+          </a:p>
+          <a:p>
             <a:r>
               <a:rPr lang="en-US" dirty="0"/>
-              <a:t>).</a:t>
-            </a:r>
-          </a:p>
-          <a:p>
-            <a:endParaRPr lang="en-US" dirty="0"/>
-          </a:p>
-          <a:p>
-            <a:r>
-              <a:rPr lang="en-US" dirty="0"/>
-              <a:t>What about </a:t>
-            </a:r>
-            <a:r>
-              <a:rPr lang="en-US" dirty="0" err="1"/>
-              <a:t>useEffect</a:t>
-            </a:r>
-            <a:r>
-              <a:rPr lang="en-US" dirty="0"/>
-              <a:t> #1, which is only run on the first render.  We could create an example that would demonstrate that, but it would take more effort to create and explain than it would be worth </a:t>
-            </a:r>
-            <a:r>
-              <a:rPr lang="en-US" dirty="0">
-                <a:sym typeface="Wingdings" panose="05000000000000000000" pitchFamily="2" charset="2"/>
-              </a:rPr>
-              <a:t></a:t>
-            </a:r>
-          </a:p>
-          <a:p>
-            <a:endParaRPr lang="en-US" dirty="0"/>
+              <a:t>Let's watch this in action </a:t>
+            </a:r>
           </a:p>
         </p:txBody>
       </p:sp>
     </p:spTree>
     <p:extLst>
       <p:ext uri="{BB962C8B-B14F-4D97-AF65-F5344CB8AC3E}">
-        <p14:creationId xmlns:p14="http://schemas.microsoft.com/office/powerpoint/2010/main" val="574450238"/>
+        <p14:creationId xmlns:p14="http://schemas.microsoft.com/office/powerpoint/2010/main" val="3476374481"/>
       </p:ext>
     </p:extLst>
   </p:cSld>
@@ -4483,6 +4526,13 @@
             <a:ext cx="6096000" cy="3429000"/>
           </a:xfrm>
         </p:spPr>
+        <p:txBody>
+          <a:bodyPr/>
+          <a:lstStyle/>
+          <a:p>
+            <a:endParaRPr lang="en-US"/>
+          </a:p>
+        </p:txBody>
       </p:sp>
       <p:sp>
         <p:nvSpPr>
@@ -4501,15 +4551,54 @@
           <a:p>
             <a:r>
               <a:rPr lang="en-US" dirty="0"/>
-              <a:t>&lt;Read slide&gt;</a:t>
-            </a:r>
+              <a:t>Here we've hit Reload.  Observe that effects #1, 2N, 3A, and 3B are run.</a:t>
+            </a:r>
+          </a:p>
+          <a:p>
+            <a:r>
+              <a:rPr lang="en-US" dirty="0"/>
+              <a:t>Then we clicked 'n'.</a:t>
+            </a:r>
+          </a:p>
+          <a:p>
+            <a:r>
+              <a:rPr lang="en-US" dirty="0"/>
+              <a:t>We will need to run 2N, 3A, and 3B again.  So first, the cleanups for 2N, 3A, and 3B are run, and then 2N, 3A, and 3B are run.</a:t>
+            </a:r>
+          </a:p>
+          <a:p>
+            <a:endParaRPr lang="en-US" dirty="0"/>
+          </a:p>
+          <a:p>
+            <a:r>
+              <a:rPr lang="en-US" dirty="0"/>
+              <a:t>(As we said, the cleanups are guaranteed to be run before the next execution of the useEffect).</a:t>
+            </a:r>
+          </a:p>
+          <a:p>
+            <a:endParaRPr lang="en-US" dirty="0"/>
+          </a:p>
+          <a:p>
+            <a:r>
+              <a:rPr lang="en-US" dirty="0"/>
+              <a:t>What about useEffect #1, which is only run on the first render.  We could create an example that would demonstrate that, but it would take more effort to create and explain than it would be worth </a:t>
+            </a:r>
+            <a:r>
+              <a:rPr lang="en-US" dirty="0">
+                <a:sym typeface="Wingdings" panose="05000000000000000000" pitchFamily="2" charset="2"/>
+              </a:rPr>
+              <a:t></a:t>
+            </a:r>
+          </a:p>
+          <a:p>
+            <a:endParaRPr lang="en-US" dirty="0"/>
           </a:p>
         </p:txBody>
       </p:sp>
     </p:spTree>
     <p:extLst>
       <p:ext uri="{BB962C8B-B14F-4D97-AF65-F5344CB8AC3E}">
-        <p14:creationId xmlns:p14="http://schemas.microsoft.com/office/powerpoint/2010/main" val="596009424"/>
+        <p14:creationId xmlns:p14="http://schemas.microsoft.com/office/powerpoint/2010/main" val="574450238"/>
       </p:ext>
     </p:extLst>
   </p:cSld>
@@ -4552,6 +4641,13 @@
             <a:ext cx="6096000" cy="3429000"/>
           </a:xfrm>
         </p:spPr>
+        <p:txBody>
+          <a:bodyPr/>
+          <a:lstStyle/>
+          <a:p>
+            <a:endParaRPr lang="en-US"/>
+          </a:p>
+        </p:txBody>
       </p:sp>
       <p:sp>
         <p:nvSpPr>
@@ -4621,6 +4717,13 @@
             <a:ext cx="6096000" cy="3429000"/>
           </a:xfrm>
         </p:spPr>
+        <p:txBody>
+          <a:bodyPr/>
+          <a:lstStyle/>
+          <a:p>
+            <a:endParaRPr lang="en-US"/>
+          </a:p>
+        </p:txBody>
       </p:sp>
       <p:sp>
         <p:nvSpPr>
@@ -4639,6 +4742,82 @@
           <a:p>
             <a:r>
               <a:rPr lang="en-US" dirty="0"/>
+              <a:t>&lt;Read slide&gt;</a:t>
+            </a:r>
+          </a:p>
+        </p:txBody>
+      </p:sp>
+    </p:spTree>
+    <p:extLst>
+      <p:ext uri="{BB962C8B-B14F-4D97-AF65-F5344CB8AC3E}">
+        <p14:creationId xmlns:p14="http://schemas.microsoft.com/office/powerpoint/2010/main" val="596009424"/>
+      </p:ext>
+    </p:extLst>
+  </p:cSld>
+  <p:clrMapOvr>
+    <a:masterClrMapping/>
+  </p:clrMapOvr>
+</p:notes>
+</file>
+
+<file path=ppt/notesSlides/notesSlide21.xml><?xml version="1.0" encoding="utf-8"?>
+<p:notes xmlns:a="http://schemas.openxmlformats.org/drawingml/2006/main" xmlns:r="http://schemas.openxmlformats.org/officeDocument/2006/relationships" xmlns:p="http://schemas.openxmlformats.org/presentationml/2006/main">
+  <p:cSld>
+    <p:spTree>
+      <p:nvGrpSpPr>
+        <p:cNvPr id="1" name=""/>
+        <p:cNvGrpSpPr/>
+        <p:nvPr/>
+      </p:nvGrpSpPr>
+      <p:grpSpPr>
+        <a:xfrm>
+          <a:off x="0" y="0"/>
+          <a:ext cx="0" cy="0"/>
+          <a:chOff x="0" y="0"/>
+          <a:chExt cx="0" cy="0"/>
+        </a:xfrm>
+      </p:grpSpPr>
+      <p:sp>
+        <p:nvSpPr>
+          <p:cNvPr id="2" name="Slide Image Placeholder 1"/>
+          <p:cNvSpPr>
+            <a:spLocks noGrp="1" noRot="1" noChangeAspect="1"/>
+          </p:cNvSpPr>
+          <p:nvPr>
+            <p:ph type="sldImg"/>
+          </p:nvPr>
+        </p:nvSpPr>
+        <p:spPr>
+          <a:xfrm>
+            <a:off x="381000" y="685800"/>
+            <a:ext cx="6096000" cy="3429000"/>
+          </a:xfrm>
+        </p:spPr>
+        <p:txBody>
+          <a:bodyPr/>
+          <a:lstStyle/>
+          <a:p>
+            <a:endParaRPr lang="en-US"/>
+          </a:p>
+        </p:txBody>
+      </p:sp>
+      <p:sp>
+        <p:nvSpPr>
+          <p:cNvPr id="3" name="Notes Placeholder 2"/>
+          <p:cNvSpPr>
+            <a:spLocks noGrp="1"/>
+          </p:cNvSpPr>
+          <p:nvPr>
+            <p:ph type="body" idx="1"/>
+          </p:nvPr>
+        </p:nvSpPr>
+        <p:spPr/>
+        <p:txBody>
+          <a:bodyPr/>
+          <a:lstStyle/>
+          <a:p>
+            <a:r>
+              <a:rPr lang="en-US" dirty="0"/>
               <a:t>Here’s our old friend </a:t>
             </a:r>
             <a:r>
@@ -4743,7 +4922,7 @@
 </p:notes>
 </file>
 
-<file path=ppt/notesSlides/notesSlide21.xml><?xml version="1.0" encoding="utf-8"?>
+<file path=ppt/notesSlides/notesSlide22.xml><?xml version="1.0" encoding="utf-8"?>
 <p:notes xmlns:a="http://schemas.openxmlformats.org/drawingml/2006/main" xmlns:r="http://schemas.openxmlformats.org/officeDocument/2006/relationships" xmlns:p="http://schemas.openxmlformats.org/presentationml/2006/main">
   <p:cSld>
     <p:spTree>
@@ -4827,75 +5006,6 @@
     <p:extLst>
       <p:ext uri="{BB962C8B-B14F-4D97-AF65-F5344CB8AC3E}">
         <p14:creationId xmlns:p14="http://schemas.microsoft.com/office/powerpoint/2010/main" val="1530624716"/>
-      </p:ext>
-    </p:extLst>
-  </p:cSld>
-  <p:clrMapOvr>
-    <a:masterClrMapping/>
-  </p:clrMapOvr>
-</p:notes>
-</file>
-
-<file path=ppt/notesSlides/notesSlide22.xml><?xml version="1.0" encoding="utf-8"?>
-<p:notes xmlns:a="http://schemas.openxmlformats.org/drawingml/2006/main" xmlns:r="http://schemas.openxmlformats.org/officeDocument/2006/relationships" xmlns:p="http://schemas.openxmlformats.org/presentationml/2006/main">
-  <p:cSld>
-    <p:spTree>
-      <p:nvGrpSpPr>
-        <p:cNvPr id="1" name=""/>
-        <p:cNvGrpSpPr/>
-        <p:nvPr/>
-      </p:nvGrpSpPr>
-      <p:grpSpPr>
-        <a:xfrm>
-          <a:off x="0" y="0"/>
-          <a:ext cx="0" cy="0"/>
-          <a:chOff x="0" y="0"/>
-          <a:chExt cx="0" cy="0"/>
-        </a:xfrm>
-      </p:grpSpPr>
-      <p:sp>
-        <p:nvSpPr>
-          <p:cNvPr id="2" name="Slide Image Placeholder 1"/>
-          <p:cNvSpPr>
-            <a:spLocks noGrp="1" noRot="1" noChangeAspect="1"/>
-          </p:cNvSpPr>
-          <p:nvPr>
-            <p:ph type="sldImg"/>
-          </p:nvPr>
-        </p:nvSpPr>
-        <p:spPr>
-          <a:xfrm>
-            <a:off x="381000" y="685800"/>
-            <a:ext cx="6096000" cy="3429000"/>
-          </a:xfrm>
-        </p:spPr>
-      </p:sp>
-      <p:sp>
-        <p:nvSpPr>
-          <p:cNvPr id="3" name="Notes Placeholder 2"/>
-          <p:cNvSpPr>
-            <a:spLocks noGrp="1"/>
-          </p:cNvSpPr>
-          <p:nvPr>
-            <p:ph type="body" idx="1"/>
-          </p:nvPr>
-        </p:nvSpPr>
-        <p:spPr/>
-        <p:txBody>
-          <a:bodyPr/>
-          <a:lstStyle/>
-          <a:p>
-            <a:r>
-              <a:rPr lang="en-US" dirty="0"/>
-              <a:t>That is the end of Module 8, Part 1.   In Part 2, we'll talk about how one could use automated testing on components of React and similar systems.</a:t>
-            </a:r>
-          </a:p>
-        </p:txBody>
-      </p:sp>
-    </p:spTree>
-    <p:extLst>
-      <p:ext uri="{BB962C8B-B14F-4D97-AF65-F5344CB8AC3E}">
-        <p14:creationId xmlns:p14="http://schemas.microsoft.com/office/powerpoint/2010/main" val="1634834818"/>
       </p:ext>
     </p:extLst>
   </p:cSld>
@@ -4938,6 +5048,13 @@
             <a:ext cx="6096000" cy="3429000"/>
           </a:xfrm>
         </p:spPr>
+        <p:txBody>
+          <a:bodyPr/>
+          <a:lstStyle/>
+          <a:p>
+            <a:endParaRPr lang="en-US"/>
+          </a:p>
+        </p:txBody>
       </p:sp>
       <p:sp>
         <p:nvSpPr>
@@ -4954,43 +5071,9 @@
           <a:bodyPr/>
           <a:lstStyle/>
           <a:p>
-            <a:pPr marL="171450" indent="-171450">
-              <a:buFontTx/>
-              <a:buChar char="-"/>
-            </a:pPr>
             <a:r>
               <a:rPr lang="en-US" dirty="0"/>
-              <a:t>The example is a snippet from a custom hook in the ip2 starter code</a:t>
-            </a:r>
-          </a:p>
-          <a:p>
-            <a:pPr marL="171450" indent="-171450">
-              <a:buFontTx/>
-              <a:buChar char="-"/>
-            </a:pPr>
-            <a:r>
-              <a:rPr lang="en-US" dirty="0"/>
-              <a:t>The hook is responsible for retrieving answer-related data from the answer REST service</a:t>
-            </a:r>
-          </a:p>
-          <a:p>
-            <a:pPr marL="171450" indent="-171450">
-              <a:buFontTx/>
-              <a:buChar char="-"/>
-            </a:pPr>
-            <a:r>
-              <a:rPr lang="en-US" dirty="0"/>
-              <a:t>This slide shows the state variables used to manage the component where the hook will be used</a:t>
-            </a:r>
-          </a:p>
-          <a:p>
-            <a:pPr marL="171450" indent="-171450">
-              <a:buFontTx/>
-              <a:buChar char="-"/>
-            </a:pPr>
-            <a:r>
-              <a:rPr lang="en-US" dirty="0"/>
-              <a:t>Next slide shows how the effect is added to interact with the external answer service</a:t>
+              <a:t>That is the end of Module 8, Part 1.   In Part 2, we'll talk about how one could use automated testing on components of React and similar systems.</a:t>
             </a:r>
           </a:p>
         </p:txBody>
@@ -4998,7 +5081,7 @@
     </p:spTree>
     <p:extLst>
       <p:ext uri="{BB962C8B-B14F-4D97-AF65-F5344CB8AC3E}">
-        <p14:creationId xmlns:p14="http://schemas.microsoft.com/office/powerpoint/2010/main" val="2536481166"/>
+        <p14:creationId xmlns:p14="http://schemas.microsoft.com/office/powerpoint/2010/main" val="1634834818"/>
       </p:ext>
     </p:extLst>
   </p:cSld>
@@ -5041,6 +5124,13 @@
             <a:ext cx="6096000" cy="3429000"/>
           </a:xfrm>
         </p:spPr>
+        <p:txBody>
+          <a:bodyPr/>
+          <a:lstStyle/>
+          <a:p>
+            <a:endParaRPr lang="en-US"/>
+          </a:p>
+        </p:txBody>
       </p:sp>
       <p:sp>
         <p:nvSpPr>
@@ -5057,50 +5147,33 @@
           <a:bodyPr/>
           <a:lstStyle/>
           <a:p>
+            <a:pPr marL="0" indent="0">
+              <a:buFontTx/>
+              <a:buNone/>
+            </a:pPr>
             <a:r>
               <a:rPr lang="en-US" dirty="0"/>
-              <a:t>The effect is inside the custom hook. It makes a call to a async function that connects to the REST service.</a:t>
-            </a:r>
-          </a:p>
-          <a:p>
-            <a:endParaRPr lang="en-US" dirty="0"/>
-          </a:p>
-          <a:p>
+              <a:t>The example is a snippet from a custom hook in the ip2 starter code: The hook is responsible for retrieving answer-related data from the answer REST service.</a:t>
+            </a:r>
+          </a:p>
+          <a:p>
+            <a:pPr marL="0" indent="0">
+              <a:buFontTx/>
+              <a:buNone/>
+            </a:pPr>
             <a:r>
               <a:rPr lang="en-US" dirty="0"/>
-              <a:t>The effect does not run on every render, but only when the variables in the dependency array change.</a:t>
-            </a:r>
-          </a:p>
-          <a:p>
-            <a:endParaRPr lang="en-US" dirty="0"/>
-          </a:p>
-          <a:p>
+              <a:t>This slide shows the state variables used to manage the component where the hook will be used</a:t>
+            </a:r>
+          </a:p>
+          <a:p>
+            <a:pPr marL="171450" indent="-171450">
+              <a:buFontTx/>
+              <a:buChar char="-"/>
+            </a:pPr>
             <a:r>
               <a:rPr lang="en-US" dirty="0"/>
-              <a:t>Notice the catch block with </a:t>
-            </a:r>
-            <a:r>
-              <a:rPr lang="en-US" dirty="0" err="1"/>
-              <a:t>fetchData</a:t>
-            </a:r>
-            <a:r>
-              <a:rPr lang="en-US" dirty="0"/>
-              <a:t>(). Ask why is it written that way?</a:t>
-            </a:r>
-            <a:br>
-              <a:rPr lang="en-US" dirty="0"/>
-            </a:br>
-            <a:r>
-              <a:rPr lang="en-US" dirty="0"/>
-              <a:t>- because </a:t>
-            </a:r>
-            <a:r>
-              <a:rPr lang="en-US" dirty="0" err="1"/>
-              <a:t>fetchData</a:t>
-            </a:r>
-            <a:r>
-              <a:rPr lang="en-US" dirty="0"/>
-              <a:t>() returns a promise.</a:t>
+              <a:t>Next slide shows how the effect is added to interact with the external answer service</a:t>
             </a:r>
           </a:p>
         </p:txBody>
@@ -5108,7 +5181,7 @@
     </p:spTree>
     <p:extLst>
       <p:ext uri="{BB962C8B-B14F-4D97-AF65-F5344CB8AC3E}">
-        <p14:creationId xmlns:p14="http://schemas.microsoft.com/office/powerpoint/2010/main" val="3542214749"/>
+        <p14:creationId xmlns:p14="http://schemas.microsoft.com/office/powerpoint/2010/main" val="2536481166"/>
       </p:ext>
     </p:extLst>
   </p:cSld>
@@ -5151,6 +5224,13 @@
             <a:ext cx="6096000" cy="3429000"/>
           </a:xfrm>
         </p:spPr>
+        <p:txBody>
+          <a:bodyPr/>
+          <a:lstStyle/>
+          <a:p>
+            <a:endParaRPr lang="en-US"/>
+          </a:p>
+        </p:txBody>
       </p:sp>
       <p:sp>
         <p:nvSpPr>
@@ -5167,31 +5247,34 @@
           <a:bodyPr/>
           <a:lstStyle/>
           <a:p>
-            <a:pPr marL="171450" indent="-171450">
-              <a:buFontTx/>
-              <a:buChar char="-"/>
-            </a:pPr>
             <a:r>
               <a:rPr lang="en-US" dirty="0"/>
-              <a:t>This is the function that actually calls the REST API</a:t>
-            </a:r>
-          </a:p>
-          <a:p>
-            <a:pPr marL="171450" indent="-171450">
-              <a:buFontTx/>
-              <a:buChar char="-"/>
-            </a:pPr>
+              <a:t>The effect is inside the custom hook. It makes a call to a async function that connects to the REST service.</a:t>
+            </a:r>
+          </a:p>
+          <a:p>
+            <a:endParaRPr lang="en-US" dirty="0"/>
+          </a:p>
+          <a:p>
             <a:r>
               <a:rPr lang="en-US" dirty="0"/>
-              <a:t>This is the same function that was called from the </a:t>
-            </a:r>
-            <a:r>
-              <a:rPr lang="en-US" dirty="0" err="1"/>
-              <a:t>useEffect</a:t>
-            </a:r>
+              <a:t>The effect does not run on every render, but only when the variables in the dependency array change.</a:t>
+            </a:r>
+          </a:p>
+          <a:p>
+            <a:endParaRPr lang="en-US" dirty="0"/>
+          </a:p>
+          <a:p>
             <a:r>
               <a:rPr lang="en-US" dirty="0"/>
-              <a:t> in the custom hook</a:t>
+              <a:t>Notice the catch block with fetchData(). Ask why is it written that way?</a:t>
+            </a:r>
+            <a:br>
+              <a:rPr lang="en-US" dirty="0"/>
+            </a:br>
+            <a:r>
+              <a:rPr lang="en-US" dirty="0"/>
+              <a:t>- because fetchData() returns a promise.</a:t>
             </a:r>
           </a:p>
         </p:txBody>
@@ -5199,7 +5282,7 @@
     </p:spTree>
     <p:extLst>
       <p:ext uri="{BB962C8B-B14F-4D97-AF65-F5344CB8AC3E}">
-        <p14:creationId xmlns:p14="http://schemas.microsoft.com/office/powerpoint/2010/main" val="2191211556"/>
+        <p14:creationId xmlns:p14="http://schemas.microsoft.com/office/powerpoint/2010/main" val="3542214749"/>
       </p:ext>
     </p:extLst>
   </p:cSld>
@@ -5242,6 +5325,13 @@
             <a:ext cx="6096000" cy="3429000"/>
           </a:xfrm>
         </p:spPr>
+        <p:txBody>
+          <a:bodyPr/>
+          <a:lstStyle/>
+          <a:p>
+            <a:endParaRPr lang="en-US"/>
+          </a:p>
+        </p:txBody>
       </p:sp>
       <p:sp>
         <p:nvSpPr>
@@ -5258,15 +5348,23 @@
           <a:bodyPr/>
           <a:lstStyle/>
           <a:p>
+            <a:pPr marL="171450" indent="-171450">
+              <a:buFontTx/>
+              <a:buChar char="-"/>
+            </a:pPr>
             <a:r>
               <a:rPr lang="en-US" dirty="0"/>
-              <a:t>- The example shows a snippet from the component that uses the custom hook.</a:t>
-            </a:r>
-          </a:p>
-          <a:p>
+              <a:t>This is the function that actually calls the REST API</a:t>
+            </a:r>
+          </a:p>
+          <a:p>
+            <a:pPr marL="171450" indent="-171450">
+              <a:buFontTx/>
+              <a:buChar char="-"/>
+            </a:pPr>
             <a:r>
               <a:rPr lang="en-US" dirty="0"/>
-              <a:t>- The custom hook defines the effect that calls the REST service for answers.</a:t>
+              <a:t>This is the same function that was called from the useEffect in the custom hook</a:t>
             </a:r>
           </a:p>
         </p:txBody>
@@ -5274,7 +5372,7 @@
     </p:spTree>
     <p:extLst>
       <p:ext uri="{BB962C8B-B14F-4D97-AF65-F5344CB8AC3E}">
-        <p14:creationId xmlns:p14="http://schemas.microsoft.com/office/powerpoint/2010/main" val="369799696"/>
+        <p14:creationId xmlns:p14="http://schemas.microsoft.com/office/powerpoint/2010/main" val="2191211556"/>
       </p:ext>
     </p:extLst>
   </p:cSld>
@@ -5317,6 +5415,13 @@
             <a:ext cx="6096000" cy="3429000"/>
           </a:xfrm>
         </p:spPr>
+        <p:txBody>
+          <a:bodyPr/>
+          <a:lstStyle/>
+          <a:p>
+            <a:endParaRPr lang="en-US"/>
+          </a:p>
+        </p:txBody>
       </p:sp>
       <p:sp>
         <p:nvSpPr>
@@ -5335,32 +5440,13 @@
           <a:p>
             <a:r>
               <a:rPr lang="en-US" dirty="0"/>
-              <a:t>We can test React components by building a test double for the react system. The test double render </a:t>
-            </a:r>
-            <a:r>
-              <a:rPr lang="en-US" dirty="0" err="1"/>
-              <a:t>scomponents</a:t>
-            </a:r>
+              <a:t>- The example shows a snippet from the component that uses the custom hook.</a:t>
+            </a:r>
+          </a:p>
+          <a:p>
             <a:r>
               <a:rPr lang="en-US" dirty="0"/>
-              <a:t> into a "virtual </a:t>
-            </a:r>
-            <a:r>
-              <a:rPr lang="en-US" dirty="0" err="1"/>
-              <a:t>dom</a:t>
-            </a:r>
-            <a:r>
-              <a:rPr lang="en-US" dirty="0"/>
-              <a:t>" just like the browser's DOM.  We can interact with the test by firing events just like a user would, and then we should be able to inspect the virtual DOM to see what happened.</a:t>
-            </a:r>
-          </a:p>
-          <a:p>
-            <a:endParaRPr lang="en-US" dirty="0"/>
-          </a:p>
-          <a:p>
-            <a:r>
-              <a:rPr lang="en-US" dirty="0"/>
-              <a:t>This can all be done using a package called "testing-library", which is compatible not only with React and Jest, but with many UI libraries and testing frameworks.</a:t>
+              <a:t>- The custom hook defines the effect that calls the REST service for answers.</a:t>
             </a:r>
           </a:p>
         </p:txBody>
@@ -5368,7 +5454,7 @@
     </p:spTree>
     <p:extLst>
       <p:ext uri="{BB962C8B-B14F-4D97-AF65-F5344CB8AC3E}">
-        <p14:creationId xmlns:p14="http://schemas.microsoft.com/office/powerpoint/2010/main" val="1433288861"/>
+        <p14:creationId xmlns:p14="http://schemas.microsoft.com/office/powerpoint/2010/main" val="369799696"/>
       </p:ext>
     </p:extLst>
   </p:cSld>
@@ -5411,6 +5497,13 @@
             <a:ext cx="6096000" cy="3429000"/>
           </a:xfrm>
         </p:spPr>
+        <p:txBody>
+          <a:bodyPr/>
+          <a:lstStyle/>
+          <a:p>
+            <a:endParaRPr lang="en-US"/>
+          </a:p>
+        </p:txBody>
       </p:sp>
       <p:sp>
         <p:nvSpPr>
@@ -5427,14 +5520,42 @@
           <a:bodyPr/>
           <a:lstStyle/>
           <a:p>
+            <a:r>
+              <a:rPr lang="en-US" dirty="0"/>
+              <a:t>We can test React components by building a test double for the react system. The test double render </a:t>
+            </a:r>
+            <a:r>
+              <a:rPr lang="en-US" dirty="0" err="1"/>
+              <a:t>scomponents</a:t>
+            </a:r>
+            <a:r>
+              <a:rPr lang="en-US" dirty="0"/>
+              <a:t> into a "virtual </a:t>
+            </a:r>
+            <a:r>
+              <a:rPr lang="en-US" dirty="0" err="1"/>
+              <a:t>dom</a:t>
+            </a:r>
+            <a:r>
+              <a:rPr lang="en-US" dirty="0"/>
+              <a:t>" just like the browser's DOM.  We can interact with the test by firing events just like a user would, and then we should be able to inspect the virtual DOM to see what happened.</a:t>
+            </a:r>
+          </a:p>
+          <a:p>
             <a:endParaRPr lang="en-US" dirty="0"/>
+          </a:p>
+          <a:p>
+            <a:r>
+              <a:rPr lang="en-US" dirty="0"/>
+              <a:t>This can all be done using a package called "testing-library", which is compatible not only with React and Jest, but with many UI libraries and testing frameworks.</a:t>
+            </a:r>
           </a:p>
         </p:txBody>
       </p:sp>
     </p:spTree>
     <p:extLst>
       <p:ext uri="{BB962C8B-B14F-4D97-AF65-F5344CB8AC3E}">
-        <p14:creationId xmlns:p14="http://schemas.microsoft.com/office/powerpoint/2010/main" val="4227374671"/>
+        <p14:creationId xmlns:p14="http://schemas.microsoft.com/office/powerpoint/2010/main" val="1433288861"/>
       </p:ext>
     </p:extLst>
   </p:cSld>
@@ -5477,6 +5598,13 @@
             <a:ext cx="6096000" cy="3429000"/>
           </a:xfrm>
         </p:spPr>
+        <p:txBody>
+          <a:bodyPr/>
+          <a:lstStyle/>
+          <a:p>
+            <a:endParaRPr lang="en-US"/>
+          </a:p>
+        </p:txBody>
       </p:sp>
       <p:sp>
         <p:nvSpPr>
@@ -5493,282 +5621,14 @@
           <a:bodyPr/>
           <a:lstStyle/>
           <a:p>
-            <a:r>
-              <a:rPr lang="en-US" b="0" i="0" dirty="0">
-                <a:solidFill>
-                  <a:srgbClr val="5C5962"/>
-                </a:solidFill>
-                <a:effectLst/>
-                <a:latin typeface="Calibri" panose="020F0502020204030204" pitchFamily="34" charset="0"/>
-              </a:rPr>
-              <a:t>Remember this example from Module 3:   &lt;review text if needed&gt;</a:t>
-            </a:r>
-          </a:p>
-          <a:p>
-            <a:endParaRPr lang="en-US" b="0" i="0" dirty="0">
-              <a:solidFill>
-                <a:srgbClr val="5C5962"/>
-              </a:solidFill>
-              <a:effectLst/>
-              <a:latin typeface="Calibri" panose="020F0502020204030204" pitchFamily="34" charset="0"/>
-            </a:endParaRPr>
-          </a:p>
-          <a:p>
-            <a:r>
-              <a:rPr lang="en-US" b="0" i="0" dirty="0">
-                <a:solidFill>
-                  <a:srgbClr val="5C5962"/>
-                </a:solidFill>
-                <a:effectLst/>
-                <a:latin typeface="Calibri" panose="020F0502020204030204" pitchFamily="34" charset="0"/>
-              </a:rPr>
-              <a:t>In order to run a test, we need to first ASSEMBLE it. This may include creating instances of classes/variables, setting up test data for inputs, etc.  We should always check to see that we’ve set it up correctly.  In this example most of the work has already been done in a </a:t>
-            </a:r>
-            <a:r>
-              <a:rPr lang="en-US" b="0" i="0" dirty="0" err="1">
-                <a:solidFill>
-                  <a:srgbClr val="5C5962"/>
-                </a:solidFill>
-                <a:effectLst/>
-                <a:latin typeface="Calibri" panose="020F0502020204030204" pitchFamily="34" charset="0"/>
-              </a:rPr>
-              <a:t>beforeEach</a:t>
-            </a:r>
-            <a:r>
-              <a:rPr lang="en-US" b="0" i="0" dirty="0">
-                <a:solidFill>
-                  <a:srgbClr val="5C5962"/>
-                </a:solidFill>
-                <a:effectLst/>
-                <a:latin typeface="Calibri" panose="020F0502020204030204" pitchFamily="34" charset="0"/>
-              </a:rPr>
-              <a:t> block (not shown here)</a:t>
-            </a:r>
-          </a:p>
-          <a:p>
-            <a:endParaRPr lang="en-US" b="0" i="0" dirty="0">
-              <a:solidFill>
-                <a:srgbClr val="5C5962"/>
-              </a:solidFill>
-              <a:effectLst/>
-              <a:latin typeface="Calibri" panose="020F0502020204030204" pitchFamily="34" charset="0"/>
-            </a:endParaRPr>
-          </a:p>
-          <a:p>
-            <a:r>
-              <a:rPr lang="en-US" b="0" i="0" dirty="0">
-                <a:solidFill>
-                  <a:srgbClr val="5C5962"/>
-                </a:solidFill>
-                <a:effectLst/>
-                <a:latin typeface="Calibri" panose="020F0502020204030204" pitchFamily="34" charset="0"/>
-              </a:rPr>
-              <a:t>Then we ACT: we do the action under test.</a:t>
-            </a:r>
-          </a:p>
-          <a:p>
-            <a:endParaRPr lang="en-US" b="0" i="0" dirty="0">
-              <a:solidFill>
-                <a:srgbClr val="5C5962"/>
-              </a:solidFill>
-              <a:effectLst/>
-              <a:latin typeface="Calibri" panose="020F0502020204030204" pitchFamily="34" charset="0"/>
-            </a:endParaRPr>
-          </a:p>
-          <a:p>
-            <a:r>
-              <a:rPr lang="en-US" b="0" i="0" dirty="0">
-                <a:solidFill>
-                  <a:srgbClr val="5C5962"/>
-                </a:solidFill>
-                <a:effectLst/>
-                <a:latin typeface="Calibri" panose="020F0502020204030204" pitchFamily="34" charset="0"/>
-              </a:rPr>
-              <a:t>Last, we ASSESS: we check to see that the response was acceptable.  In Jest, this is done by the </a:t>
-            </a:r>
-            <a:r>
-              <a:rPr lang="en-US" b="1" i="0" dirty="0">
-                <a:solidFill>
-                  <a:srgbClr val="5C5962"/>
-                </a:solidFill>
-                <a:effectLst/>
-                <a:latin typeface="Calibri" panose="020F0502020204030204" pitchFamily="34" charset="0"/>
-              </a:rPr>
-              <a:t>expect</a:t>
-            </a:r>
-            <a:r>
-              <a:rPr lang="en-US" b="0" i="0" dirty="0">
-                <a:solidFill>
-                  <a:srgbClr val="5C5962"/>
-                </a:solidFill>
-                <a:effectLst/>
-                <a:latin typeface="Calibri" panose="020F0502020204030204" pitchFamily="34" charset="0"/>
-              </a:rPr>
-              <a:t> function; in other testing frameworks this is called </a:t>
-            </a:r>
-            <a:r>
-              <a:rPr lang="en-US" b="1" i="0" dirty="0">
-                <a:solidFill>
-                  <a:srgbClr val="5C5962"/>
-                </a:solidFill>
-                <a:effectLst/>
-                <a:latin typeface="Calibri" panose="020F0502020204030204" pitchFamily="34" charset="0"/>
-              </a:rPr>
-              <a:t>assert</a:t>
-            </a:r>
-            <a:r>
-              <a:rPr lang="en-US" b="0" i="0" dirty="0">
-                <a:solidFill>
-                  <a:srgbClr val="5C5962"/>
-                </a:solidFill>
-                <a:effectLst/>
-                <a:latin typeface="Calibri" panose="020F0502020204030204" pitchFamily="34" charset="0"/>
-              </a:rPr>
-              <a:t>.  Note that the test uses some methods other than the one we’re testing; we’ll write tests for </a:t>
-            </a:r>
-            <a:r>
-              <a:rPr lang="en-US" b="1" i="0" dirty="0" err="1">
-                <a:solidFill>
-                  <a:srgbClr val="5C5962"/>
-                </a:solidFill>
-                <a:effectLst/>
-                <a:latin typeface="Calibri" panose="020F0502020204030204" pitchFamily="34" charset="0"/>
-              </a:rPr>
-              <a:t>nameToIDs</a:t>
-            </a:r>
-            <a:r>
-              <a:rPr lang="en-US" b="0" i="0" dirty="0">
-                <a:solidFill>
-                  <a:srgbClr val="5C5962"/>
-                </a:solidFill>
-                <a:effectLst/>
-                <a:latin typeface="Calibri" panose="020F0502020204030204" pitchFamily="34" charset="0"/>
-              </a:rPr>
-              <a:t> separately.</a:t>
-            </a:r>
-          </a:p>
-          <a:p>
-            <a:endParaRPr lang="en-US" b="0" i="0" dirty="0">
-              <a:solidFill>
-                <a:srgbClr val="5C5962"/>
-              </a:solidFill>
-              <a:effectLst/>
-              <a:latin typeface="Calibri" panose="020F0502020204030204" pitchFamily="34" charset="0"/>
-            </a:endParaRPr>
-          </a:p>
-          <a:p>
-            <a:r>
-              <a:rPr lang="en-US" b="0" i="0" dirty="0">
-                <a:solidFill>
-                  <a:srgbClr val="5C5962"/>
-                </a:solidFill>
-                <a:effectLst/>
-                <a:latin typeface="Calibri" panose="020F0502020204030204" pitchFamily="34" charset="0"/>
-              </a:rPr>
-              <a:t>Another way of looking at this is that this test is not just about </a:t>
-            </a:r>
-            <a:r>
-              <a:rPr lang="en-US" b="1" i="0" dirty="0" err="1">
-                <a:solidFill>
-                  <a:srgbClr val="5C5962"/>
-                </a:solidFill>
-                <a:effectLst/>
-                <a:latin typeface="Calibri" panose="020F0502020204030204" pitchFamily="34" charset="0"/>
-              </a:rPr>
-              <a:t>addStudent</a:t>
-            </a:r>
-            <a:r>
-              <a:rPr lang="en-US" b="0" i="0" dirty="0">
-                <a:solidFill>
-                  <a:srgbClr val="5C5962"/>
-                </a:solidFill>
-                <a:effectLst/>
-                <a:latin typeface="Calibri" panose="020F0502020204030204" pitchFamily="34" charset="0"/>
-              </a:rPr>
-              <a:t>; it’s making sure that </a:t>
-            </a:r>
-            <a:r>
-              <a:rPr lang="en-US" b="1" i="0" dirty="0" err="1">
-                <a:solidFill>
-                  <a:srgbClr val="5C5962"/>
-                </a:solidFill>
-                <a:effectLst/>
-                <a:latin typeface="Calibri" panose="020F0502020204030204" pitchFamily="34" charset="0"/>
-              </a:rPr>
-              <a:t>addStudent</a:t>
-            </a:r>
-            <a:r>
-              <a:rPr lang="en-US" b="0" i="0" dirty="0">
-                <a:solidFill>
-                  <a:srgbClr val="5C5962"/>
-                </a:solidFill>
-                <a:effectLst/>
-                <a:latin typeface="Calibri" panose="020F0502020204030204" pitchFamily="34" charset="0"/>
-              </a:rPr>
-              <a:t> and </a:t>
-            </a:r>
-            <a:r>
-              <a:rPr lang="en-US" b="1" i="0" dirty="0" err="1">
-                <a:solidFill>
-                  <a:srgbClr val="5C5962"/>
-                </a:solidFill>
-                <a:effectLst/>
-                <a:latin typeface="Calibri" panose="020F0502020204030204" pitchFamily="34" charset="0"/>
-              </a:rPr>
-              <a:t>nameToIDs</a:t>
-            </a:r>
-            <a:r>
-              <a:rPr lang="en-US" b="0" i="0" dirty="0">
-                <a:solidFill>
-                  <a:srgbClr val="5C5962"/>
-                </a:solidFill>
-                <a:effectLst/>
-                <a:latin typeface="Calibri" panose="020F0502020204030204" pitchFamily="34" charset="0"/>
-              </a:rPr>
-              <a:t> cooperate (or conspire) together to produce the desired behavior.</a:t>
-            </a:r>
-          </a:p>
-          <a:p>
-            <a:endParaRPr lang="en-US" b="0" i="0" dirty="0">
-              <a:solidFill>
-                <a:srgbClr val="5C5962"/>
-              </a:solidFill>
-              <a:effectLst/>
-              <a:latin typeface="Calibri" panose="020F0502020204030204" pitchFamily="34" charset="0"/>
-            </a:endParaRPr>
-          </a:p>
-          <a:p>
             <a:endParaRPr lang="en-US" dirty="0"/>
-          </a:p>
-        </p:txBody>
-      </p:sp>
-      <p:sp>
-        <p:nvSpPr>
-          <p:cNvPr id="4" name="Slide Number Placeholder 3"/>
-          <p:cNvSpPr>
-            <a:spLocks noGrp="1"/>
-          </p:cNvSpPr>
-          <p:nvPr>
-            <p:ph type="sldNum" sz="quarter" idx="5"/>
-          </p:nvPr>
-        </p:nvSpPr>
-        <p:spPr/>
-        <p:txBody>
-          <a:bodyPr/>
-          <a:lstStyle/>
-          <a:p>
-            <a:fld id="{07937F07-1250-4CCE-B198-1B2887014F41}" type="slidenum">
-              <a:rPr lang="en-US" smtClean="0"/>
-              <a:t>41</a:t>
-            </a:fld>
-            <a:endParaRPr lang="en-US"/>
           </a:p>
         </p:txBody>
       </p:sp>
     </p:spTree>
     <p:extLst>
       <p:ext uri="{BB962C8B-B14F-4D97-AF65-F5344CB8AC3E}">
-        <p14:creationId xmlns:p14="http://schemas.microsoft.com/office/powerpoint/2010/main" val="2805912206"/>
+        <p14:creationId xmlns:p14="http://schemas.microsoft.com/office/powerpoint/2010/main" val="4227374671"/>
       </p:ext>
     </p:extLst>
   </p:cSld>
@@ -5829,142 +5689,31 @@
           <a:p>
             <a:r>
               <a:rPr lang="en-US" dirty="0"/>
-              <a:t>The fundamental job of </a:t>
+              <a:t>David </a:t>
             </a:r>
             <a:r>
               <a:rPr lang="en-US" dirty="0" err="1"/>
-              <a:t>useEffect</a:t>
+              <a:t>Khourshid</a:t>
             </a:r>
             <a:r>
               <a:rPr lang="en-US" dirty="0"/>
-              <a:t> is to coordinate your component with some system external to REACT.   Here’s an example, where we want to connect to an imaginary external clock.  Let's look at the different pieces  of the </a:t>
+              <a:t> (Microsoft developer) said that perhaps ‘useEffect’ should have been called ‘</a:t>
             </a:r>
             <a:r>
               <a:rPr lang="en-US" dirty="0" err="1"/>
-              <a:t>useEffect</a:t>
+              <a:t>useSynchronize</a:t>
             </a:r>
             <a:r>
               <a:rPr lang="en-US" dirty="0"/>
-              <a:t>.</a:t>
-            </a:r>
-          </a:p>
-          <a:p>
-            <a:endParaRPr lang="en-US" dirty="0"/>
-          </a:p>
-          <a:p>
-            <a:r>
-              <a:rPr lang="en-US" dirty="0"/>
-              <a:t>&lt;click&gt;</a:t>
-            </a:r>
-          </a:p>
-          <a:p>
-            <a:r>
-              <a:rPr lang="en-US" dirty="0"/>
-              <a:t>First is the </a:t>
-            </a:r>
-            <a:r>
-              <a:rPr lang="en-US" i="1" dirty="0"/>
-              <a:t>dependency array</a:t>
-            </a:r>
-            <a:r>
-              <a:rPr lang="en-US" i="0" dirty="0"/>
-              <a:t>. This controls when the </a:t>
-            </a:r>
-            <a:r>
-              <a:rPr lang="en-US" i="0" dirty="0" err="1"/>
-              <a:t>useEffect</a:t>
-            </a:r>
-            <a:r>
-              <a:rPr lang="en-US" i="0" dirty="0"/>
-              <a:t> is executed.  Here we've put in an empty array, which specifies that this </a:t>
-            </a:r>
-            <a:r>
-              <a:rPr lang="en-US" i="0" dirty="0" err="1"/>
-              <a:t>useEffect</a:t>
-            </a:r>
-            <a:r>
-              <a:rPr lang="en-US" i="0" dirty="0"/>
-              <a:t> is to be run on the first render only.  There are other possibilities, which we'll talk about later.</a:t>
-            </a:r>
-          </a:p>
-          <a:p>
-            <a:endParaRPr lang="en-US" i="0" dirty="0"/>
-          </a:p>
-          <a:p>
-            <a:r>
-              <a:rPr lang="en-US" i="0" dirty="0"/>
-              <a:t>&lt;click&gt;</a:t>
-            </a:r>
-          </a:p>
-          <a:p>
-            <a:r>
-              <a:rPr lang="en-US" i="0" dirty="0"/>
-              <a:t>Next is the </a:t>
-            </a:r>
-            <a:r>
-              <a:rPr lang="en-US" i="1" dirty="0"/>
-              <a:t>hook function. </a:t>
-            </a:r>
-            <a:r>
-              <a:rPr lang="en-US" i="0" dirty="0"/>
-              <a:t>This is the function that is run when the </a:t>
-            </a:r>
-            <a:r>
-              <a:rPr lang="en-US" i="0" dirty="0" err="1"/>
-              <a:t>useEffect</a:t>
-            </a:r>
-            <a:r>
-              <a:rPr lang="en-US" i="0" dirty="0"/>
-              <a:t> is executed-- in this case, on the first render.  Here, we create a connection to the external clock.</a:t>
-            </a:r>
-          </a:p>
-          <a:p>
-            <a:endParaRPr lang="en-US" i="0" dirty="0"/>
-          </a:p>
-          <a:p>
-            <a:r>
-              <a:rPr lang="en-US" i="0" dirty="0"/>
-              <a:t>&lt;click&gt;</a:t>
-            </a:r>
-          </a:p>
-          <a:p>
-            <a:r>
-              <a:rPr lang="en-US" i="0" dirty="0"/>
-              <a:t>Last is the </a:t>
-            </a:r>
-            <a:r>
-              <a:rPr lang="en-US" i="1" dirty="0"/>
-              <a:t>cleanup function</a:t>
-            </a:r>
-            <a:r>
-              <a:rPr lang="en-US" i="0" dirty="0"/>
-              <a:t>.  In the </a:t>
-            </a:r>
-            <a:r>
-              <a:rPr lang="en-US" i="0" dirty="0" err="1"/>
-              <a:t>useEffect</a:t>
-            </a:r>
-            <a:r>
-              <a:rPr lang="en-US" i="0" dirty="0"/>
-              <a:t> design, this is the value returned by the hook function-- look at the 'return'.  Because this hook is run only when the component mounts, the cleanup function is run only when the component dismounts.  In this case, the cleanup function releases the connection to the external clock.  This is the polite thing to do, as it eliminates possible resource leaks. We'll talk about other possibilities later. </a:t>
-            </a:r>
-          </a:p>
-          <a:p>
-            <a:endParaRPr lang="en-US" i="0" dirty="0"/>
-          </a:p>
-          <a:p>
-            <a:r>
-              <a:rPr lang="en-US" i="0" dirty="0"/>
-              <a:t>Did you notice that this example is unrealistic?  Why do you think so?  &lt;Ans: no way for the rest of the component to refer to the connection&gt;.  We'll study a working example in a minute.</a:t>
-            </a:r>
-            <a:endParaRPr lang="en-US" dirty="0"/>
+              <a:t>’</a:t>
+            </a:r>
           </a:p>
         </p:txBody>
       </p:sp>
     </p:spTree>
     <p:extLst>
       <p:ext uri="{BB962C8B-B14F-4D97-AF65-F5344CB8AC3E}">
-        <p14:creationId xmlns:p14="http://schemas.microsoft.com/office/powerpoint/2010/main" val="1821095051"/>
+        <p14:creationId xmlns:p14="http://schemas.microsoft.com/office/powerpoint/2010/main" val="4048777814"/>
       </p:ext>
     </p:extLst>
   </p:cSld>
@@ -6007,6 +5756,354 @@
             <a:ext cx="6096000" cy="3429000"/>
           </a:xfrm>
         </p:spPr>
+        <p:txBody>
+          <a:bodyPr/>
+          <a:lstStyle/>
+          <a:p>
+            <a:endParaRPr lang="en-US"/>
+          </a:p>
+        </p:txBody>
+      </p:sp>
+      <p:sp>
+        <p:nvSpPr>
+          <p:cNvPr id="3" name="Notes Placeholder 2"/>
+          <p:cNvSpPr>
+            <a:spLocks noGrp="1"/>
+          </p:cNvSpPr>
+          <p:nvPr>
+            <p:ph type="body" idx="1"/>
+          </p:nvPr>
+        </p:nvSpPr>
+        <p:spPr/>
+        <p:txBody>
+          <a:bodyPr/>
+          <a:lstStyle/>
+          <a:p>
+            <a:r>
+              <a:rPr lang="en-US" b="0" i="0" dirty="0">
+                <a:solidFill>
+                  <a:srgbClr val="5C5962"/>
+                </a:solidFill>
+                <a:effectLst/>
+                <a:latin typeface="Calibri" panose="020F0502020204030204" pitchFamily="34" charset="0"/>
+              </a:rPr>
+              <a:t>Remember this example from Module 3:   &lt;review text if needed&gt;</a:t>
+            </a:r>
+          </a:p>
+          <a:p>
+            <a:endParaRPr lang="en-US" b="0" i="0" dirty="0">
+              <a:solidFill>
+                <a:srgbClr val="5C5962"/>
+              </a:solidFill>
+              <a:effectLst/>
+              <a:latin typeface="Calibri" panose="020F0502020204030204" pitchFamily="34" charset="0"/>
+            </a:endParaRPr>
+          </a:p>
+          <a:p>
+            <a:r>
+              <a:rPr lang="en-US" b="0" i="0" dirty="0">
+                <a:solidFill>
+                  <a:srgbClr val="5C5962"/>
+                </a:solidFill>
+                <a:effectLst/>
+                <a:latin typeface="Calibri" panose="020F0502020204030204" pitchFamily="34" charset="0"/>
+              </a:rPr>
+              <a:t>In order to run a test, we need to first ASSEMBLE it. This may include creating instances of classes/variables, setting up test data for inputs, etc.  We should always check to see that we’ve set it up correctly.  In this example most of the work has already been done in a </a:t>
+            </a:r>
+            <a:r>
+              <a:rPr lang="en-US" b="0" i="0" dirty="0" err="1">
+                <a:solidFill>
+                  <a:srgbClr val="5C5962"/>
+                </a:solidFill>
+                <a:effectLst/>
+                <a:latin typeface="Calibri" panose="020F0502020204030204" pitchFamily="34" charset="0"/>
+              </a:rPr>
+              <a:t>beforeEach</a:t>
+            </a:r>
+            <a:r>
+              <a:rPr lang="en-US" b="0" i="0" dirty="0">
+                <a:solidFill>
+                  <a:srgbClr val="5C5962"/>
+                </a:solidFill>
+                <a:effectLst/>
+                <a:latin typeface="Calibri" panose="020F0502020204030204" pitchFamily="34" charset="0"/>
+              </a:rPr>
+              <a:t> block (not shown here)</a:t>
+            </a:r>
+          </a:p>
+          <a:p>
+            <a:endParaRPr lang="en-US" b="0" i="0" dirty="0">
+              <a:solidFill>
+                <a:srgbClr val="5C5962"/>
+              </a:solidFill>
+              <a:effectLst/>
+              <a:latin typeface="Calibri" panose="020F0502020204030204" pitchFamily="34" charset="0"/>
+            </a:endParaRPr>
+          </a:p>
+          <a:p>
+            <a:r>
+              <a:rPr lang="en-US" b="0" i="0" dirty="0">
+                <a:solidFill>
+                  <a:srgbClr val="5C5962"/>
+                </a:solidFill>
+                <a:effectLst/>
+                <a:latin typeface="Calibri" panose="020F0502020204030204" pitchFamily="34" charset="0"/>
+              </a:rPr>
+              <a:t>Then we ACT: we do the action under test.</a:t>
+            </a:r>
+          </a:p>
+          <a:p>
+            <a:endParaRPr lang="en-US" b="0" i="0" dirty="0">
+              <a:solidFill>
+                <a:srgbClr val="5C5962"/>
+              </a:solidFill>
+              <a:effectLst/>
+              <a:latin typeface="Calibri" panose="020F0502020204030204" pitchFamily="34" charset="0"/>
+            </a:endParaRPr>
+          </a:p>
+          <a:p>
+            <a:r>
+              <a:rPr lang="en-US" b="0" i="0" dirty="0">
+                <a:solidFill>
+                  <a:srgbClr val="5C5962"/>
+                </a:solidFill>
+                <a:effectLst/>
+                <a:latin typeface="Calibri" panose="020F0502020204030204" pitchFamily="34" charset="0"/>
+              </a:rPr>
+              <a:t>Last, we ASSESS: we check to see that the response was acceptable.  In Jest, this is done by the </a:t>
+            </a:r>
+            <a:r>
+              <a:rPr lang="en-US" b="1" i="0" dirty="0">
+                <a:solidFill>
+                  <a:srgbClr val="5C5962"/>
+                </a:solidFill>
+                <a:effectLst/>
+                <a:latin typeface="Calibri" panose="020F0502020204030204" pitchFamily="34" charset="0"/>
+              </a:rPr>
+              <a:t>expect</a:t>
+            </a:r>
+            <a:r>
+              <a:rPr lang="en-US" b="0" i="0" dirty="0">
+                <a:solidFill>
+                  <a:srgbClr val="5C5962"/>
+                </a:solidFill>
+                <a:effectLst/>
+                <a:latin typeface="Calibri" panose="020F0502020204030204" pitchFamily="34" charset="0"/>
+              </a:rPr>
+              <a:t> function; in other testing frameworks this is called </a:t>
+            </a:r>
+            <a:r>
+              <a:rPr lang="en-US" b="1" i="0" dirty="0">
+                <a:solidFill>
+                  <a:srgbClr val="5C5962"/>
+                </a:solidFill>
+                <a:effectLst/>
+                <a:latin typeface="Calibri" panose="020F0502020204030204" pitchFamily="34" charset="0"/>
+              </a:rPr>
+              <a:t>assert</a:t>
+            </a:r>
+            <a:r>
+              <a:rPr lang="en-US" b="0" i="0" dirty="0">
+                <a:solidFill>
+                  <a:srgbClr val="5C5962"/>
+                </a:solidFill>
+                <a:effectLst/>
+                <a:latin typeface="Calibri" panose="020F0502020204030204" pitchFamily="34" charset="0"/>
+              </a:rPr>
+              <a:t>.  Note that the test uses some methods other than the one we’re testing; we’ll write tests for </a:t>
+            </a:r>
+            <a:r>
+              <a:rPr lang="en-US" b="1" i="0" dirty="0" err="1">
+                <a:solidFill>
+                  <a:srgbClr val="5C5962"/>
+                </a:solidFill>
+                <a:effectLst/>
+                <a:latin typeface="Calibri" panose="020F0502020204030204" pitchFamily="34" charset="0"/>
+              </a:rPr>
+              <a:t>nameToIDs</a:t>
+            </a:r>
+            <a:r>
+              <a:rPr lang="en-US" b="0" i="0" dirty="0">
+                <a:solidFill>
+                  <a:srgbClr val="5C5962"/>
+                </a:solidFill>
+                <a:effectLst/>
+                <a:latin typeface="Calibri" panose="020F0502020204030204" pitchFamily="34" charset="0"/>
+              </a:rPr>
+              <a:t> separately.</a:t>
+            </a:r>
+          </a:p>
+          <a:p>
+            <a:endParaRPr lang="en-US" b="0" i="0" dirty="0">
+              <a:solidFill>
+                <a:srgbClr val="5C5962"/>
+              </a:solidFill>
+              <a:effectLst/>
+              <a:latin typeface="Calibri" panose="020F0502020204030204" pitchFamily="34" charset="0"/>
+            </a:endParaRPr>
+          </a:p>
+          <a:p>
+            <a:r>
+              <a:rPr lang="en-US" b="0" i="0" dirty="0">
+                <a:solidFill>
+                  <a:srgbClr val="5C5962"/>
+                </a:solidFill>
+                <a:effectLst/>
+                <a:latin typeface="Calibri" panose="020F0502020204030204" pitchFamily="34" charset="0"/>
+              </a:rPr>
+              <a:t>Another way of looking at this is that this test is not just about </a:t>
+            </a:r>
+            <a:r>
+              <a:rPr lang="en-US" b="1" i="0" dirty="0" err="1">
+                <a:solidFill>
+                  <a:srgbClr val="5C5962"/>
+                </a:solidFill>
+                <a:effectLst/>
+                <a:latin typeface="Calibri" panose="020F0502020204030204" pitchFamily="34" charset="0"/>
+              </a:rPr>
+              <a:t>addStudent</a:t>
+            </a:r>
+            <a:r>
+              <a:rPr lang="en-US" b="0" i="0" dirty="0">
+                <a:solidFill>
+                  <a:srgbClr val="5C5962"/>
+                </a:solidFill>
+                <a:effectLst/>
+                <a:latin typeface="Calibri" panose="020F0502020204030204" pitchFamily="34" charset="0"/>
+              </a:rPr>
+              <a:t>; it’s making sure that </a:t>
+            </a:r>
+            <a:r>
+              <a:rPr lang="en-US" b="1" i="0" dirty="0" err="1">
+                <a:solidFill>
+                  <a:srgbClr val="5C5962"/>
+                </a:solidFill>
+                <a:effectLst/>
+                <a:latin typeface="Calibri" panose="020F0502020204030204" pitchFamily="34" charset="0"/>
+              </a:rPr>
+              <a:t>addStudent</a:t>
+            </a:r>
+            <a:r>
+              <a:rPr lang="en-US" b="0" i="0" dirty="0">
+                <a:solidFill>
+                  <a:srgbClr val="5C5962"/>
+                </a:solidFill>
+                <a:effectLst/>
+                <a:latin typeface="Calibri" panose="020F0502020204030204" pitchFamily="34" charset="0"/>
+              </a:rPr>
+              <a:t> and </a:t>
+            </a:r>
+            <a:r>
+              <a:rPr lang="en-US" b="1" i="0" dirty="0" err="1">
+                <a:solidFill>
+                  <a:srgbClr val="5C5962"/>
+                </a:solidFill>
+                <a:effectLst/>
+                <a:latin typeface="Calibri" panose="020F0502020204030204" pitchFamily="34" charset="0"/>
+              </a:rPr>
+              <a:t>nameToIDs</a:t>
+            </a:r>
+            <a:r>
+              <a:rPr lang="en-US" b="0" i="0" dirty="0">
+                <a:solidFill>
+                  <a:srgbClr val="5C5962"/>
+                </a:solidFill>
+                <a:effectLst/>
+                <a:latin typeface="Calibri" panose="020F0502020204030204" pitchFamily="34" charset="0"/>
+              </a:rPr>
+              <a:t> cooperate (or conspire) together to produce the desired behavior.</a:t>
+            </a:r>
+          </a:p>
+          <a:p>
+            <a:endParaRPr lang="en-US" b="0" i="0" dirty="0">
+              <a:solidFill>
+                <a:srgbClr val="5C5962"/>
+              </a:solidFill>
+              <a:effectLst/>
+              <a:latin typeface="Calibri" panose="020F0502020204030204" pitchFamily="34" charset="0"/>
+            </a:endParaRPr>
+          </a:p>
+          <a:p>
+            <a:endParaRPr lang="en-US" dirty="0"/>
+          </a:p>
+        </p:txBody>
+      </p:sp>
+      <p:sp>
+        <p:nvSpPr>
+          <p:cNvPr id="4" name="Slide Number Placeholder 3"/>
+          <p:cNvSpPr>
+            <a:spLocks noGrp="1"/>
+          </p:cNvSpPr>
+          <p:nvPr>
+            <p:ph type="sldNum" sz="quarter" idx="5"/>
+          </p:nvPr>
+        </p:nvSpPr>
+        <p:spPr/>
+        <p:txBody>
+          <a:bodyPr/>
+          <a:lstStyle/>
+          <a:p>
+            <a:fld id="{07937F07-1250-4CCE-B198-1B2887014F41}" type="slidenum">
+              <a:rPr lang="en-US" smtClean="0"/>
+              <a:t>41</a:t>
+            </a:fld>
+            <a:endParaRPr lang="en-US"/>
+          </a:p>
+        </p:txBody>
+      </p:sp>
+    </p:spTree>
+    <p:extLst>
+      <p:ext uri="{BB962C8B-B14F-4D97-AF65-F5344CB8AC3E}">
+        <p14:creationId xmlns:p14="http://schemas.microsoft.com/office/powerpoint/2010/main" val="2805912206"/>
+      </p:ext>
+    </p:extLst>
+  </p:cSld>
+  <p:clrMapOvr>
+    <a:masterClrMapping/>
+  </p:clrMapOvr>
+</p:notes>
+</file>
+
+<file path=ppt/notesSlides/notesSlide31.xml><?xml version="1.0" encoding="utf-8"?>
+<p:notes xmlns:a="http://schemas.openxmlformats.org/drawingml/2006/main" xmlns:r="http://schemas.openxmlformats.org/officeDocument/2006/relationships" xmlns:p="http://schemas.openxmlformats.org/presentationml/2006/main">
+  <p:cSld>
+    <p:spTree>
+      <p:nvGrpSpPr>
+        <p:cNvPr id="1" name=""/>
+        <p:cNvGrpSpPr/>
+        <p:nvPr/>
+      </p:nvGrpSpPr>
+      <p:grpSpPr>
+        <a:xfrm>
+          <a:off x="0" y="0"/>
+          <a:ext cx="0" cy="0"/>
+          <a:chOff x="0" y="0"/>
+          <a:chExt cx="0" cy="0"/>
+        </a:xfrm>
+      </p:grpSpPr>
+      <p:sp>
+        <p:nvSpPr>
+          <p:cNvPr id="2" name="Slide Image Placeholder 1"/>
+          <p:cNvSpPr>
+            <a:spLocks noGrp="1" noRot="1" noChangeAspect="1"/>
+          </p:cNvSpPr>
+          <p:nvPr>
+            <p:ph type="sldImg"/>
+          </p:nvPr>
+        </p:nvSpPr>
+        <p:spPr>
+          <a:xfrm>
+            <a:off x="381000" y="685800"/>
+            <a:ext cx="6096000" cy="3429000"/>
+          </a:xfrm>
+        </p:spPr>
+        <p:txBody>
+          <a:bodyPr/>
+          <a:lstStyle/>
+          <a:p>
+            <a:endParaRPr lang="en-US"/>
+          </a:p>
+        </p:txBody>
       </p:sp>
       <p:sp>
         <p:nvSpPr>
@@ -6073,6 +6170,13 @@
             <a:ext cx="6096000" cy="3429000"/>
           </a:xfrm>
         </p:spPr>
+        <p:txBody>
+          <a:bodyPr/>
+          <a:lstStyle/>
+          <a:p>
+            <a:endParaRPr lang="en-US"/>
+          </a:p>
+        </p:txBody>
       </p:sp>
       <p:sp>
         <p:nvSpPr>
@@ -6091,15 +6195,94 @@
           <a:p>
             <a:r>
               <a:rPr lang="en-US" dirty="0"/>
-              <a:t>What do we mean by an "external system"? &lt;read slide&gt;</a:t>
-            </a:r>
+              <a:t>The fundamental job of useEffect is to coordinate your component with some system external to REACT.   Here’s an example, where we want to connect to an imaginary external clock.  Let's look at the different pieces  of the useEffect.</a:t>
+            </a:r>
+          </a:p>
+          <a:p>
+            <a:endParaRPr lang="en-US" dirty="0"/>
+          </a:p>
+          <a:p>
+            <a:r>
+              <a:rPr lang="en-US" dirty="0"/>
+              <a:t>&lt;click&gt;</a:t>
+            </a:r>
+          </a:p>
+          <a:p>
+            <a:r>
+              <a:rPr lang="en-US" dirty="0"/>
+              <a:t>First is the </a:t>
+            </a:r>
+            <a:r>
+              <a:rPr lang="en-US" i="1" dirty="0"/>
+              <a:t>dependency array</a:t>
+            </a:r>
+            <a:r>
+              <a:rPr lang="en-US" i="0" dirty="0"/>
+              <a:t>. This controls when the useEffect is executed.  Here we've put in an empty array, which specifies that this useEffect is to be run on the first render only.  There are other possibilities, which we'll talk about later.</a:t>
+            </a:r>
+          </a:p>
+          <a:p>
+            <a:endParaRPr lang="en-US" i="0" dirty="0"/>
+          </a:p>
+          <a:p>
+            <a:r>
+              <a:rPr lang="en-US" i="0" dirty="0"/>
+              <a:t>&lt;click&gt;</a:t>
+            </a:r>
+          </a:p>
+          <a:p>
+            <a:r>
+              <a:rPr lang="en-US" i="0" dirty="0"/>
+              <a:t>Next is the </a:t>
+            </a:r>
+            <a:r>
+              <a:rPr lang="en-US" i="1" dirty="0"/>
+              <a:t>hook function. </a:t>
+            </a:r>
+            <a:r>
+              <a:rPr lang="en-US" i="0" dirty="0"/>
+              <a:t>This is the function that is run when the useEffect is executed-- in this case, on the first render.  Here, we create a connection to the external clock.</a:t>
+            </a:r>
+          </a:p>
+          <a:p>
+            <a:endParaRPr lang="en-US" i="0" dirty="0"/>
+          </a:p>
+          <a:p>
+            <a:r>
+              <a:rPr lang="en-US" i="0" dirty="0"/>
+              <a:t>&lt;click&gt;</a:t>
+            </a:r>
+          </a:p>
+          <a:p>
+            <a:r>
+              <a:rPr lang="en-US" i="0" dirty="0"/>
+              <a:t>Last is the </a:t>
+            </a:r>
+            <a:r>
+              <a:rPr lang="en-US" i="1" dirty="0"/>
+              <a:t>cleanup function</a:t>
+            </a:r>
+            <a:r>
+              <a:rPr lang="en-US" i="0" dirty="0"/>
+              <a:t>.  In the useEffect design, this is the value returned by the hook function-- look at the 'return'.  Because this hook is run only when the component mounts, the cleanup function is run only when the component dismounts.  In this case, the cleanup function releases the connection to the external clock.  This is the polite thing to do, as it eliminates possible resource leaks. We'll talk about other possibilities later. </a:t>
+            </a:r>
+          </a:p>
+          <a:p>
+            <a:endParaRPr lang="en-US" i="0" dirty="0"/>
+          </a:p>
+          <a:p>
+            <a:r>
+              <a:rPr lang="en-US" i="0" dirty="0"/>
+              <a:t>Did you notice that this example is unrealistic?  Why do you think so?  &lt;Ans: no way for the rest of the component to refer to the connection&gt;.  We'll study a working example in a minute.</a:t>
+            </a:r>
+            <a:endParaRPr lang="en-US" dirty="0"/>
           </a:p>
         </p:txBody>
       </p:sp>
     </p:spTree>
     <p:extLst>
       <p:ext uri="{BB962C8B-B14F-4D97-AF65-F5344CB8AC3E}">
-        <p14:creationId xmlns:p14="http://schemas.microsoft.com/office/powerpoint/2010/main" val="575429464"/>
+        <p14:creationId xmlns:p14="http://schemas.microsoft.com/office/powerpoint/2010/main" val="1821095051"/>
       </p:ext>
     </p:extLst>
   </p:cSld>
@@ -6142,6 +6325,13 @@
             <a:ext cx="6096000" cy="3429000"/>
           </a:xfrm>
         </p:spPr>
+        <p:txBody>
+          <a:bodyPr/>
+          <a:lstStyle/>
+          <a:p>
+            <a:endParaRPr lang="en-US"/>
+          </a:p>
+        </p:txBody>
       </p:sp>
       <p:sp>
         <p:nvSpPr>
@@ -6160,24 +6350,7 @@
           <a:p>
             <a:r>
               <a:rPr lang="en-US" dirty="0"/>
-              <a:t>Here's a real example.  We build a listener.   Then, the first time this component is displayed, we add this listener to the clock, thereby connecting the component.  The rest of the component can see the local time by checking the '</a:t>
-            </a:r>
-            <a:r>
-              <a:rPr lang="en-US" dirty="0" err="1"/>
-              <a:t>localTime</a:t>
-            </a:r>
-            <a:r>
-              <a:rPr lang="en-US" dirty="0"/>
-              <a:t>' variable.</a:t>
-            </a:r>
-          </a:p>
-          <a:p>
-            <a:endParaRPr lang="en-US" dirty="0"/>
-          </a:p>
-          <a:p>
-            <a:r>
-              <a:rPr lang="en-US" dirty="0"/>
-              <a:t>When the component dismounts, we tell the clock to release the listener.  </a:t>
+              <a:t>What do we mean by an "external system"? &lt;read slide&gt;</a:t>
             </a:r>
           </a:p>
         </p:txBody>
@@ -6185,7 +6358,7 @@
     </p:spTree>
     <p:extLst>
       <p:ext uri="{BB962C8B-B14F-4D97-AF65-F5344CB8AC3E}">
-        <p14:creationId xmlns:p14="http://schemas.microsoft.com/office/powerpoint/2010/main" val="550864972"/>
+        <p14:creationId xmlns:p14="http://schemas.microsoft.com/office/powerpoint/2010/main" val="575429464"/>
       </p:ext>
     </p:extLst>
   </p:cSld>
@@ -6228,6 +6401,13 @@
             <a:ext cx="6096000" cy="3429000"/>
           </a:xfrm>
         </p:spPr>
+        <p:txBody>
+          <a:bodyPr/>
+          <a:lstStyle/>
+          <a:p>
+            <a:endParaRPr lang="en-US"/>
+          </a:p>
+        </p:txBody>
       </p:sp>
       <p:sp>
         <p:nvSpPr>
@@ -6246,13 +6426,15 @@
           <a:p>
             <a:r>
               <a:rPr lang="en-US" dirty="0"/>
-              <a:t>Let's look at this in action.</a:t>
-            </a:r>
-          </a:p>
-          <a:p>
+              <a:t>Here's a real example.  We build a listener.   Then, the first time this component is displayed, we add this listener to the clock, thereby connecting the component.  The rest of the component can see the local time by checking the '</a:t>
+            </a:r>
+            <a:r>
+              <a:rPr lang="en-US" dirty="0" err="1"/>
+              <a:t>localTime</a:t>
+            </a:r>
             <a:r>
               <a:rPr lang="en-US" dirty="0"/>
-              <a:t>&lt;Demo&gt; Observe that the clocks agree about the time and they count by themselves.  </a:t>
+              <a:t>' variable.</a:t>
             </a:r>
           </a:p>
           <a:p>
@@ -6261,7 +6443,7 @@
           <a:p>
             <a:r>
               <a:rPr lang="en-US" dirty="0"/>
-              <a:t>Let’s see how this is accomplished.</a:t>
+              <a:t>When the component dismounts, we tell the clock to release the listener.  </a:t>
             </a:r>
           </a:p>
         </p:txBody>
@@ -6269,7 +6451,7 @@
     </p:spTree>
     <p:extLst>
       <p:ext uri="{BB962C8B-B14F-4D97-AF65-F5344CB8AC3E}">
-        <p14:creationId xmlns:p14="http://schemas.microsoft.com/office/powerpoint/2010/main" val="1078673987"/>
+        <p14:creationId xmlns:p14="http://schemas.microsoft.com/office/powerpoint/2010/main" val="550864972"/>
       </p:ext>
     </p:extLst>
   </p:cSld>
@@ -6312,6 +6494,13 @@
             <a:ext cx="6096000" cy="3429000"/>
           </a:xfrm>
         </p:spPr>
+        <p:txBody>
+          <a:bodyPr/>
+          <a:lstStyle/>
+          <a:p>
+            <a:endParaRPr lang="en-US"/>
+          </a:p>
+        </p:txBody>
       </p:sp>
       <p:sp>
         <p:nvSpPr>
@@ -6330,7 +6519,13 @@
           <a:p>
             <a:r>
               <a:rPr lang="en-US" dirty="0"/>
-              <a:t>Our clock will use a listener pattern.   In this version of the pattern, the listener is a function that takes no arguments and returns void.  Presumably calling a listener has some side-effect.  This clock is very bare-bones: it doesn’t even keep track of the time itself: It just calls all its listeners every `interval` milliseconds.</a:t>
+              <a:t>Let's look at this in action.</a:t>
+            </a:r>
+          </a:p>
+          <a:p>
+            <a:r>
+              <a:rPr lang="en-US" dirty="0"/>
+              <a:t>&lt;Demo&gt; Observe that the clocks agree about the time and they count by themselves.  </a:t>
             </a:r>
           </a:p>
           <a:p>
@@ -6339,7 +6534,7 @@
           <a:p>
             <a:r>
               <a:rPr lang="en-US" dirty="0"/>
-              <a:t>In the OO world, this organization of a listener is sometimes called a “delegate”.</a:t>
+              <a:t>Let’s see how this is accomplished.</a:t>
             </a:r>
           </a:p>
         </p:txBody>
@@ -6347,7 +6542,7 @@
     </p:spTree>
     <p:extLst>
       <p:ext uri="{BB962C8B-B14F-4D97-AF65-F5344CB8AC3E}">
-        <p14:creationId xmlns:p14="http://schemas.microsoft.com/office/powerpoint/2010/main" val="1819516252"/>
+        <p14:creationId xmlns:p14="http://schemas.microsoft.com/office/powerpoint/2010/main" val="1078673987"/>
       </p:ext>
     </p:extLst>
   </p:cSld>
@@ -6390,6 +6585,13 @@
             <a:ext cx="6096000" cy="3429000"/>
           </a:xfrm>
         </p:spPr>
+        <p:txBody>
+          <a:bodyPr/>
+          <a:lstStyle/>
+          <a:p>
+            <a:endParaRPr lang="en-US"/>
+          </a:p>
+        </p:txBody>
       </p:sp>
       <p:sp>
         <p:nvSpPr>
@@ -6408,7 +6610,16 @@
           <a:p>
             <a:r>
               <a:rPr lang="en-US" dirty="0"/>
-              <a:t>We'll make the clock into a singleton, just like we did back in Module 05.</a:t>
+              <a:t>Our clock will use a listener pattern.   In this version of the pattern, the listener is a function that takes no arguments and returns void.  Presumably calling a listener has some side-effect.  This clock is very bare-bones: it doesn’t even keep track of the time itself: It just calls all its listeners every `interval` milliseconds.</a:t>
+            </a:r>
+          </a:p>
+          <a:p>
+            <a:endParaRPr lang="en-US" dirty="0"/>
+          </a:p>
+          <a:p>
+            <a:r>
+              <a:rPr lang="en-US" dirty="0"/>
+              <a:t>In the OO world, this organization of a listener is sometimes called a “delegate”.</a:t>
             </a:r>
           </a:p>
         </p:txBody>
@@ -6416,7 +6627,7 @@
     </p:spTree>
     <p:extLst>
       <p:ext uri="{BB962C8B-B14F-4D97-AF65-F5344CB8AC3E}">
-        <p14:creationId xmlns:p14="http://schemas.microsoft.com/office/powerpoint/2010/main" val="1041089081"/>
+        <p14:creationId xmlns:p14="http://schemas.microsoft.com/office/powerpoint/2010/main" val="1819516252"/>
       </p:ext>
     </p:extLst>
   </p:cSld>
@@ -6431,13 +6642,7 @@
   <p:cSld>
     <p:spTree>
       <p:nvGrpSpPr>
-        <p:cNvPr id="1" name="">
-          <a:extLst>
-            <a:ext uri="{FF2B5EF4-FFF2-40B4-BE49-F238E27FC236}">
-              <a16:creationId xmlns:a16="http://schemas.microsoft.com/office/drawing/2014/main" id="{8E21BBA0-0798-01A7-8D7C-CA992E4A763B}"/>
-            </a:ext>
-          </a:extLst>
-        </p:cNvPr>
+        <p:cNvPr id="1" name=""/>
         <p:cNvGrpSpPr/>
         <p:nvPr/>
       </p:nvGrpSpPr>
@@ -6451,13 +6656,7 @@
       </p:grpSpPr>
       <p:sp>
         <p:nvSpPr>
-          <p:cNvPr id="2" name="Slide Image Placeholder 1">
-            <a:extLst>
-              <a:ext uri="{FF2B5EF4-FFF2-40B4-BE49-F238E27FC236}">
-                <a16:creationId xmlns:a16="http://schemas.microsoft.com/office/drawing/2014/main" id="{CCEBCD53-2C87-F7C1-6E19-AA7A3D8C146B}"/>
-              </a:ext>
-            </a:extLst>
-          </p:cNvPr>
+          <p:cNvPr id="2" name="Slide Image Placeholder 1"/>
           <p:cNvSpPr>
             <a:spLocks noGrp="1" noRot="1" noChangeAspect="1"/>
           </p:cNvSpPr>
@@ -6471,16 +6670,17 @@
             <a:ext cx="6096000" cy="3429000"/>
           </a:xfrm>
         </p:spPr>
+        <p:txBody>
+          <a:bodyPr/>
+          <a:lstStyle/>
+          <a:p>
+            <a:endParaRPr lang="en-US"/>
+          </a:p>
+        </p:txBody>
       </p:sp>
       <p:sp>
         <p:nvSpPr>
-          <p:cNvPr id="3" name="Notes Placeholder 2">
-            <a:extLst>
-              <a:ext uri="{FF2B5EF4-FFF2-40B4-BE49-F238E27FC236}">
-                <a16:creationId xmlns:a16="http://schemas.microsoft.com/office/drawing/2014/main" id="{E319735F-BE30-74F0-5FEF-DC93FD11E599}"/>
-              </a:ext>
-            </a:extLst>
-          </p:cNvPr>
+          <p:cNvPr id="3" name="Notes Placeholder 2"/>
           <p:cNvSpPr>
             <a:spLocks noGrp="1"/>
           </p:cNvSpPr>
@@ -6495,69 +6695,15 @@
           <a:p>
             <a:r>
               <a:rPr lang="en-US" dirty="0"/>
-              <a:t>Here we create a listener, which, when called, increments the local time.  Following the pattern on Slide 5, we use `</a:t>
-            </a:r>
-            <a:r>
-              <a:rPr lang="en-US" dirty="0" err="1"/>
-              <a:t>useEffect</a:t>
-            </a:r>
-            <a:r>
-              <a:rPr lang="en-US" dirty="0"/>
-              <a:t>` to add the listener to the clock when the page first mounts, and we remove it when the page dismounts. We'll also add some log commands so we can watch it in the browser console.</a:t>
-            </a:r>
-          </a:p>
-          <a:p>
-            <a:endParaRPr lang="en-US" dirty="0"/>
-          </a:p>
-          <a:p>
-            <a:r>
-              <a:rPr lang="en-US" dirty="0" err="1"/>
-              <a:t>ClockDisplay</a:t>
-            </a:r>
-            <a:r>
-              <a:rPr lang="en-US" dirty="0"/>
-              <a:t> takes props for </a:t>
-            </a:r>
-            <a:r>
-              <a:rPr lang="en-US" dirty="0" err="1"/>
-              <a:t>handleDelete</a:t>
-            </a:r>
-            <a:r>
-              <a:rPr lang="en-US" dirty="0"/>
-              <a:t> and </a:t>
-            </a:r>
-            <a:r>
-              <a:rPr lang="en-US" dirty="0" err="1"/>
-              <a:t>handleAdd</a:t>
-            </a:r>
-            <a:r>
-              <a:rPr lang="en-US" dirty="0"/>
-              <a:t>, but &lt;</a:t>
-            </a:r>
-            <a:r>
-              <a:rPr lang="en-US" dirty="0" err="1"/>
-              <a:t>ClockDisplayApp</a:t>
-            </a:r>
-            <a:r>
-              <a:rPr lang="en-US" dirty="0"/>
-              <a:t>&gt; provides them with a function that does nothing.  So the trash can and the little plus sign don’t do anything right now.</a:t>
-            </a:r>
-          </a:p>
-          <a:p>
-            <a:endParaRPr lang="en-US" dirty="0"/>
-          </a:p>
-          <a:p>
-            <a:endParaRPr lang="en-US" dirty="0"/>
-          </a:p>
-          <a:p>
-            <a:endParaRPr lang="en-US" dirty="0"/>
+              <a:t>We'll make the clock into a singleton, just like we did back in Module 05.</a:t>
+            </a:r>
           </a:p>
         </p:txBody>
       </p:sp>
     </p:spTree>
     <p:extLst>
       <p:ext uri="{BB962C8B-B14F-4D97-AF65-F5344CB8AC3E}">
-        <p14:creationId xmlns:p14="http://schemas.microsoft.com/office/powerpoint/2010/main" val="3144401495"/>
+        <p14:creationId xmlns:p14="http://schemas.microsoft.com/office/powerpoint/2010/main" val="1041089081"/>
       </p:ext>
     </p:extLst>
   </p:cSld>
@@ -6931,7 +7077,7 @@
           <a:p>
             <a:fld id="{07C7BFD4-467E-4EDE-93EA-052F5B39A4E5}" type="datetime1">
               <a:rPr lang="en-US" smtClean="0"/>
-              <a:t>9/29/25</a:t>
+              <a:t>10/1/2025</a:t>
             </a:fld>
             <a:endParaRPr lang="en-US"/>
           </a:p>
@@ -8391,7 +8537,7 @@
           </a:ln>
           <a:extLst>
             <a:ext uri="{C572A759-6A51-4108-AA02-DFA0A04FC94B}">
-              <ma14:wrappingTextBoxFlag xmlns:ma14="http://schemas.microsoft.com/office/mac/drawingml/2011/main" xmlns:a14="http://schemas.microsoft.com/office/drawing/2010/main" xmlns:m="http://schemas.openxmlformats.org/officeDocument/2006/math" xmlns="" val="1"/>
+              <ma14:wrappingTextBoxFlag xmlns="" xmlns:m="http://schemas.openxmlformats.org/officeDocument/2006/math" xmlns:a14="http://schemas.microsoft.com/office/drawing/2010/main" xmlns:ma14="http://schemas.microsoft.com/office/mac/drawingml/2011/main" val="1"/>
             </a:ext>
           </a:extLst>
         </p:spPr>
@@ -8502,7 +8648,7 @@
           </a:ln>
           <a:extLst>
             <a:ext uri="{C572A759-6A51-4108-AA02-DFA0A04FC94B}">
-              <ma14:wrappingTextBoxFlag xmlns:ma14="http://schemas.microsoft.com/office/mac/drawingml/2011/main" xmlns:a14="http://schemas.microsoft.com/office/drawing/2010/main" xmlns:m="http://schemas.openxmlformats.org/officeDocument/2006/math" xmlns="" val="1"/>
+              <ma14:wrappingTextBoxFlag xmlns="" xmlns:m="http://schemas.openxmlformats.org/officeDocument/2006/math" xmlns:a14="http://schemas.microsoft.com/office/drawing/2010/main" xmlns:ma14="http://schemas.microsoft.com/office/mac/drawingml/2011/main" val="1"/>
             </a:ext>
           </a:extLst>
         </p:spPr>
@@ -9393,7 +9539,7 @@
           </a:prstGeom>
           <a:extLst>
             <a:ext uri="{C572A759-6A51-4108-AA02-DFA0A04FC94B}">
-              <ma14:wrappingTextBoxFlag xmlns:ma14="http://schemas.microsoft.com/office/mac/drawingml/2011/main" xmlns:a14="http://schemas.microsoft.com/office/drawing/2010/main" xmlns:m="http://schemas.openxmlformats.org/officeDocument/2006/math" xmlns="" val="1"/>
+              <ma14:wrappingTextBoxFlag xmlns="" xmlns:m="http://schemas.openxmlformats.org/officeDocument/2006/math" xmlns:a14="http://schemas.microsoft.com/office/drawing/2010/main" xmlns:ma14="http://schemas.microsoft.com/office/mac/drawingml/2011/main" val="1"/>
             </a:ext>
           </a:extLst>
         </p:spPr>
@@ -9428,7 +9574,7 @@
           </a:ln>
           <a:extLst>
             <a:ext uri="{C572A759-6A51-4108-AA02-DFA0A04FC94B}">
-              <ma14:wrappingTextBoxFlag xmlns:ma14="http://schemas.microsoft.com/office/mac/drawingml/2011/main" xmlns:a14="http://schemas.microsoft.com/office/drawing/2010/main" xmlns:m="http://schemas.openxmlformats.org/officeDocument/2006/math" xmlns="" val="1"/>
+              <ma14:wrappingTextBoxFlag xmlns="" xmlns:m="http://schemas.openxmlformats.org/officeDocument/2006/math" xmlns:a14="http://schemas.microsoft.com/office/drawing/2010/main" xmlns:ma14="http://schemas.microsoft.com/office/mac/drawingml/2011/main" val="1"/>
             </a:ext>
           </a:extLst>
         </p:spPr>
@@ -10015,7 +10161,59 @@
                 <a:effectLst/>
                 <a:latin typeface="Consolas" panose="020B0609020204030204" pitchFamily="49" charset="0"/>
               </a:rPr>
-              <a:t>] = </a:t>
+              <a:t>] = useState(</a:t>
+            </a:r>
+            <a:r>
+              <a:rPr lang="en-US" b="0" dirty="0">
+                <a:solidFill>
+                  <a:srgbClr val="098658"/>
+                </a:solidFill>
+                <a:effectLst/>
+                <a:latin typeface="Consolas" panose="020B0609020204030204" pitchFamily="49" charset="0"/>
+              </a:rPr>
+              <a:t>0</a:t>
+            </a:r>
+            <a:r>
+              <a:rPr lang="en-US" b="0" dirty="0">
+                <a:solidFill>
+                  <a:srgbClr val="000000"/>
+                </a:solidFill>
+                <a:effectLst/>
+                <a:latin typeface="Consolas" panose="020B0609020204030204" pitchFamily="49" charset="0"/>
+              </a:rPr>
+              <a:t>);</a:t>
+            </a:r>
+          </a:p>
+          <a:p>
+            <a:r>
+              <a:rPr lang="en-US" b="0" dirty="0">
+                <a:solidFill>
+                  <a:srgbClr val="000000"/>
+                </a:solidFill>
+                <a:effectLst/>
+                <a:latin typeface="Consolas" panose="020B0609020204030204" pitchFamily="49" charset="0"/>
+              </a:rPr>
+              <a:t>  </a:t>
+            </a:r>
+            <a:r>
+              <a:rPr lang="en-US" b="0" dirty="0">
+                <a:solidFill>
+                  <a:srgbClr val="0000FF"/>
+                </a:solidFill>
+                <a:effectLst/>
+                <a:latin typeface="Consolas" panose="020B0609020204030204" pitchFamily="49" charset="0"/>
+              </a:rPr>
+              <a:t>const</a:t>
+            </a:r>
+            <a:r>
+              <a:rPr lang="en-US" b="0" dirty="0">
+                <a:solidFill>
+                  <a:srgbClr val="000000"/>
+                </a:solidFill>
+                <a:effectLst/>
+                <a:latin typeface="Consolas" panose="020B0609020204030204" pitchFamily="49" charset="0"/>
+              </a:rPr>
+              <a:t> </a:t>
             </a:r>
             <a:r>
               <a:rPr lang="en-US" b="0" dirty="0" err="1">
@@ -10025,17 +10223,117 @@
                 <a:effectLst/>
                 <a:latin typeface="Consolas" panose="020B0609020204030204" pitchFamily="49" charset="0"/>
               </a:rPr>
-              <a:t>useState</a:t>
-            </a:r>
-            <a:r>
-              <a:rPr lang="en-US" b="0" dirty="0">
-                <a:solidFill>
-                  <a:srgbClr val="000000"/>
-                </a:solidFill>
-                <a:effectLst/>
-                <a:latin typeface="Consolas" panose="020B0609020204030204" pitchFamily="49" charset="0"/>
-              </a:rPr>
-              <a:t>(</a:t>
+              <a:t>incrementLocalTime</a:t>
+            </a:r>
+            <a:r>
+              <a:rPr lang="en-US" b="0" dirty="0">
+                <a:solidFill>
+                  <a:srgbClr val="000000"/>
+                </a:solidFill>
+                <a:effectLst/>
+                <a:latin typeface="Consolas" panose="020B0609020204030204" pitchFamily="49" charset="0"/>
+              </a:rPr>
+              <a:t> = () </a:t>
+            </a:r>
+            <a:r>
+              <a:rPr lang="en-US" b="0" dirty="0">
+                <a:solidFill>
+                  <a:srgbClr val="0000FF"/>
+                </a:solidFill>
+                <a:effectLst/>
+                <a:latin typeface="Consolas" panose="020B0609020204030204" pitchFamily="49" charset="0"/>
+              </a:rPr>
+              <a:t>=&gt;</a:t>
+            </a:r>
+            <a:r>
+              <a:rPr lang="en-US" b="0" dirty="0">
+                <a:solidFill>
+                  <a:srgbClr val="000000"/>
+                </a:solidFill>
+                <a:effectLst/>
+                <a:latin typeface="Consolas" panose="020B0609020204030204" pitchFamily="49" charset="0"/>
+              </a:rPr>
+              <a:t> { </a:t>
+            </a:r>
+            <a:r>
+              <a:rPr lang="en-US" b="0" dirty="0" err="1">
+                <a:solidFill>
+                  <a:srgbClr val="000000"/>
+                </a:solidFill>
+                <a:effectLst/>
+                <a:latin typeface="Consolas" panose="020B0609020204030204" pitchFamily="49" charset="0"/>
+              </a:rPr>
+              <a:t>setLocalTime</a:t>
+            </a:r>
+            <a:r>
+              <a:rPr lang="en-US" b="0" dirty="0">
+                <a:solidFill>
+                  <a:srgbClr val="000000"/>
+                </a:solidFill>
+                <a:effectLst/>
+                <a:latin typeface="Consolas" panose="020B0609020204030204" pitchFamily="49" charset="0"/>
+              </a:rPr>
+              <a:t>((</a:t>
+            </a:r>
+            <a:r>
+              <a:rPr lang="en-US" b="0" dirty="0" err="1">
+                <a:solidFill>
+                  <a:srgbClr val="000000"/>
+                </a:solidFill>
+                <a:effectLst/>
+                <a:latin typeface="Consolas" panose="020B0609020204030204" pitchFamily="49" charset="0"/>
+              </a:rPr>
+              <a:t>localTime</a:t>
+            </a:r>
+            <a:r>
+              <a:rPr lang="en-US" b="0" dirty="0">
+                <a:solidFill>
+                  <a:srgbClr val="000000"/>
+                </a:solidFill>
+                <a:effectLst/>
+                <a:latin typeface="Consolas" panose="020B0609020204030204" pitchFamily="49" charset="0"/>
+              </a:rPr>
+              <a:t>) </a:t>
+            </a:r>
+            <a:r>
+              <a:rPr lang="en-US" b="0" dirty="0">
+                <a:solidFill>
+                  <a:srgbClr val="0000FF"/>
+                </a:solidFill>
+                <a:effectLst/>
+                <a:latin typeface="Consolas" panose="020B0609020204030204" pitchFamily="49" charset="0"/>
+              </a:rPr>
+              <a:t>=&gt;</a:t>
+            </a:r>
+            <a:r>
+              <a:rPr lang="en-US" b="0" dirty="0">
+                <a:solidFill>
+                  <a:srgbClr val="000000"/>
+                </a:solidFill>
+                <a:effectLst/>
+                <a:latin typeface="Consolas" panose="020B0609020204030204" pitchFamily="49" charset="0"/>
+              </a:rPr>
+              <a:t> </a:t>
+            </a:r>
+            <a:r>
+              <a:rPr lang="en-US" b="0" dirty="0" err="1">
+                <a:solidFill>
+                  <a:srgbClr val="000000"/>
+                </a:solidFill>
+                <a:effectLst/>
+                <a:latin typeface="Consolas" panose="020B0609020204030204" pitchFamily="49" charset="0"/>
+              </a:rPr>
+              <a:t>localTime</a:t>
+            </a:r>
+            <a:r>
+              <a:rPr lang="en-US" b="0" dirty="0">
+                <a:solidFill>
+                  <a:srgbClr val="000000"/>
+                </a:solidFill>
+                <a:effectLst/>
+                <a:latin typeface="Consolas" panose="020B0609020204030204" pitchFamily="49" charset="0"/>
+              </a:rPr>
+              <a:t> + </a:t>
             </a:r>
             <a:r>
               <a:rPr lang="en-US" b="0" dirty="0">
@@ -10045,20 +10343,29 @@
                 <a:effectLst/>
                 <a:latin typeface="Consolas" panose="020B0609020204030204" pitchFamily="49" charset="0"/>
               </a:rPr>
-              <a:t>0</a:t>
-            </a:r>
-            <a:r>
-              <a:rPr lang="en-US" b="0" dirty="0">
-                <a:solidFill>
-                  <a:srgbClr val="000000"/>
-                </a:solidFill>
-                <a:effectLst/>
-                <a:latin typeface="Consolas" panose="020B0609020204030204" pitchFamily="49" charset="0"/>
-              </a:rPr>
-              <a:t>);</a:t>
-            </a:r>
-          </a:p>
-          <a:p>
+              <a:t>1</a:t>
+            </a:r>
+            <a:r>
+              <a:rPr lang="en-US" b="0" dirty="0">
+                <a:solidFill>
+                  <a:srgbClr val="000000"/>
+                </a:solidFill>
+                <a:effectLst/>
+                <a:latin typeface="Consolas" panose="020B0609020204030204" pitchFamily="49" charset="0"/>
+              </a:rPr>
+              <a:t>); };</a:t>
+            </a:r>
+          </a:p>
+          <a:p>
+            <a:br>
+              <a:rPr lang="en-US" b="0" dirty="0">
+                <a:solidFill>
+                  <a:srgbClr val="000000"/>
+                </a:solidFill>
+                <a:effectLst/>
+                <a:latin typeface="Consolas" panose="020B0609020204030204" pitchFamily="49" charset="0"/>
+              </a:rPr>
+            </a:br>
             <a:r>
               <a:rPr lang="en-US" b="0" dirty="0">
                 <a:solidFill>
@@ -10087,7 +10394,27 @@
                 <a:effectLst/>
                 <a:latin typeface="Consolas" panose="020B0609020204030204" pitchFamily="49" charset="0"/>
               </a:rPr>
-              <a:t> </a:t>
+              <a:t> listener1 = () </a:t>
+            </a:r>
+            <a:r>
+              <a:rPr lang="en-US" b="0" dirty="0">
+                <a:solidFill>
+                  <a:srgbClr val="0000FF"/>
+                </a:solidFill>
+                <a:effectLst/>
+                <a:latin typeface="Consolas" panose="020B0609020204030204" pitchFamily="49" charset="0"/>
+              </a:rPr>
+              <a:t>=&gt;</a:t>
+            </a:r>
+            <a:r>
+              <a:rPr lang="en-US" b="0" dirty="0">
+                <a:solidFill>
+                  <a:srgbClr val="000000"/>
+                </a:solidFill>
+                <a:effectLst/>
+                <a:latin typeface="Consolas" panose="020B0609020204030204" pitchFamily="49" charset="0"/>
+              </a:rPr>
+              <a:t> { </a:t>
             </a:r>
             <a:r>
               <a:rPr lang="en-US" b="0" dirty="0" err="1">
@@ -10107,7 +10434,19 @@
                 <a:effectLst/>
                 <a:latin typeface="Consolas" panose="020B0609020204030204" pitchFamily="49" charset="0"/>
               </a:rPr>
-              <a:t> = () </a:t>
+              <a:t>(); };</a:t>
+            </a:r>
+          </a:p>
+          <a:p>
+            <a:r>
+              <a:rPr lang="en-US" b="0" dirty="0">
+                <a:solidFill>
+                  <a:srgbClr val="000000"/>
+                </a:solidFill>
+                <a:effectLst/>
+                <a:latin typeface="Consolas" panose="020B0609020204030204" pitchFamily="49" charset="0"/>
+              </a:rPr>
+              <a:t>  </a:t>
             </a:r>
             <a:r>
               <a:rPr lang="en-US" b="0" dirty="0">
@@ -10117,17 +10456,17 @@
                 <a:effectLst/>
                 <a:latin typeface="Consolas" panose="020B0609020204030204" pitchFamily="49" charset="0"/>
               </a:rPr>
-              <a:t>=&gt;</a:t>
-            </a:r>
-            <a:r>
-              <a:rPr lang="en-US" b="0" dirty="0">
-                <a:solidFill>
-                  <a:srgbClr val="000000"/>
-                </a:solidFill>
-                <a:effectLst/>
-                <a:latin typeface="Consolas" panose="020B0609020204030204" pitchFamily="49" charset="0"/>
-              </a:rPr>
-              <a:t> { </a:t>
+              <a:t>const</a:t>
+            </a:r>
+            <a:r>
+              <a:rPr lang="en-US" b="0" dirty="0">
+                <a:solidFill>
+                  <a:srgbClr val="000000"/>
+                </a:solidFill>
+                <a:effectLst/>
+                <a:latin typeface="Consolas" panose="020B0609020204030204" pitchFamily="49" charset="0"/>
+              </a:rPr>
+              <a:t> clock = </a:t>
             </a:r>
             <a:r>
               <a:rPr lang="en-US" b="0" dirty="0" err="1">
@@ -10137,97 +10476,17 @@
                 <a:effectLst/>
                 <a:latin typeface="Consolas" panose="020B0609020204030204" pitchFamily="49" charset="0"/>
               </a:rPr>
-              <a:t>setLocalTime</a:t>
-            </a:r>
-            <a:r>
-              <a:rPr lang="en-US" b="0" dirty="0">
-                <a:solidFill>
-                  <a:srgbClr val="000000"/>
-                </a:solidFill>
-                <a:effectLst/>
-                <a:latin typeface="Consolas" panose="020B0609020204030204" pitchFamily="49" charset="0"/>
-              </a:rPr>
-              <a:t>((</a:t>
-            </a:r>
-            <a:r>
-              <a:rPr lang="en-US" b="0" dirty="0" err="1">
-                <a:solidFill>
-                  <a:srgbClr val="000000"/>
-                </a:solidFill>
-                <a:effectLst/>
-                <a:latin typeface="Consolas" panose="020B0609020204030204" pitchFamily="49" charset="0"/>
-              </a:rPr>
-              <a:t>localTime</a:t>
-            </a:r>
-            <a:r>
-              <a:rPr lang="en-US" b="0" dirty="0">
-                <a:solidFill>
-                  <a:srgbClr val="000000"/>
-                </a:solidFill>
-                <a:effectLst/>
-                <a:latin typeface="Consolas" panose="020B0609020204030204" pitchFamily="49" charset="0"/>
-              </a:rPr>
-              <a:t>) </a:t>
-            </a:r>
-            <a:r>
-              <a:rPr lang="en-US" b="0" dirty="0">
-                <a:solidFill>
-                  <a:srgbClr val="0000FF"/>
-                </a:solidFill>
-                <a:effectLst/>
-                <a:latin typeface="Consolas" panose="020B0609020204030204" pitchFamily="49" charset="0"/>
-              </a:rPr>
-              <a:t>=&gt;</a:t>
-            </a:r>
-            <a:r>
-              <a:rPr lang="en-US" b="0" dirty="0">
-                <a:solidFill>
-                  <a:srgbClr val="000000"/>
-                </a:solidFill>
-                <a:effectLst/>
-                <a:latin typeface="Consolas" panose="020B0609020204030204" pitchFamily="49" charset="0"/>
-              </a:rPr>
-              <a:t> </a:t>
-            </a:r>
-            <a:r>
-              <a:rPr lang="en-US" b="0" dirty="0" err="1">
-                <a:solidFill>
-                  <a:srgbClr val="000000"/>
-                </a:solidFill>
-                <a:effectLst/>
-                <a:latin typeface="Consolas" panose="020B0609020204030204" pitchFamily="49" charset="0"/>
-              </a:rPr>
-              <a:t>localTime</a:t>
-            </a:r>
-            <a:r>
-              <a:rPr lang="en-US" b="0" dirty="0">
-                <a:solidFill>
-                  <a:srgbClr val="000000"/>
-                </a:solidFill>
-                <a:effectLst/>
-                <a:latin typeface="Consolas" panose="020B0609020204030204" pitchFamily="49" charset="0"/>
-              </a:rPr>
-              <a:t> + </a:t>
-            </a:r>
-            <a:r>
-              <a:rPr lang="en-US" b="0" dirty="0">
-                <a:solidFill>
-                  <a:srgbClr val="098658"/>
-                </a:solidFill>
-                <a:effectLst/>
-                <a:latin typeface="Consolas" panose="020B0609020204030204" pitchFamily="49" charset="0"/>
-              </a:rPr>
-              <a:t>1</a:t>
-            </a:r>
-            <a:r>
-              <a:rPr lang="en-US" b="0" dirty="0">
-                <a:solidFill>
-                  <a:srgbClr val="000000"/>
-                </a:solidFill>
-                <a:effectLst/>
-                <a:latin typeface="Consolas" panose="020B0609020204030204" pitchFamily="49" charset="0"/>
-              </a:rPr>
-              <a:t>); };</a:t>
+              <a:t>props.clock</a:t>
+            </a:r>
+            <a:r>
+              <a:rPr lang="en-US" b="0" dirty="0">
+                <a:solidFill>
+                  <a:srgbClr val="000000"/>
+                </a:solidFill>
+                <a:effectLst/>
+                <a:latin typeface="Consolas" panose="020B0609020204030204" pitchFamily="49" charset="0"/>
+              </a:rPr>
+              <a:t>;</a:t>
             </a:r>
           </a:p>
           <a:p>
@@ -10248,160 +10507,7 @@
                 <a:effectLst/>
                 <a:latin typeface="Consolas" panose="020B0609020204030204" pitchFamily="49" charset="0"/>
               </a:rPr>
-              <a:t>  </a:t>
-            </a:r>
-            <a:r>
-              <a:rPr lang="en-US" b="0" dirty="0">
-                <a:solidFill>
-                  <a:srgbClr val="0000FF"/>
-                </a:solidFill>
-                <a:effectLst/>
-                <a:latin typeface="Consolas" panose="020B0609020204030204" pitchFamily="49" charset="0"/>
-              </a:rPr>
-              <a:t>const</a:t>
-            </a:r>
-            <a:r>
-              <a:rPr lang="en-US" b="0" dirty="0">
-                <a:solidFill>
-                  <a:srgbClr val="000000"/>
-                </a:solidFill>
-                <a:effectLst/>
-                <a:latin typeface="Consolas" panose="020B0609020204030204" pitchFamily="49" charset="0"/>
-              </a:rPr>
-              <a:t> listener1 = () </a:t>
-            </a:r>
-            <a:r>
-              <a:rPr lang="en-US" b="0" dirty="0">
-                <a:solidFill>
-                  <a:srgbClr val="0000FF"/>
-                </a:solidFill>
-                <a:effectLst/>
-                <a:latin typeface="Consolas" panose="020B0609020204030204" pitchFamily="49" charset="0"/>
-              </a:rPr>
-              <a:t>=&gt;</a:t>
-            </a:r>
-            <a:r>
-              <a:rPr lang="en-US" b="0" dirty="0">
-                <a:solidFill>
-                  <a:srgbClr val="000000"/>
-                </a:solidFill>
-                <a:effectLst/>
-                <a:latin typeface="Consolas" panose="020B0609020204030204" pitchFamily="49" charset="0"/>
-              </a:rPr>
-              <a:t> { </a:t>
-            </a:r>
-            <a:r>
-              <a:rPr lang="en-US" b="0" dirty="0" err="1">
-                <a:solidFill>
-                  <a:srgbClr val="000000"/>
-                </a:solidFill>
-                <a:effectLst/>
-                <a:latin typeface="Consolas" panose="020B0609020204030204" pitchFamily="49" charset="0"/>
-              </a:rPr>
-              <a:t>incrementLocalTime</a:t>
-            </a:r>
-            <a:r>
-              <a:rPr lang="en-US" b="0" dirty="0">
-                <a:solidFill>
-                  <a:srgbClr val="000000"/>
-                </a:solidFill>
-                <a:effectLst/>
-                <a:latin typeface="Consolas" panose="020B0609020204030204" pitchFamily="49" charset="0"/>
-              </a:rPr>
-              <a:t>(); };</a:t>
-            </a:r>
-          </a:p>
-          <a:p>
-            <a:r>
-              <a:rPr lang="en-US" b="0" dirty="0">
-                <a:solidFill>
-                  <a:srgbClr val="000000"/>
-                </a:solidFill>
-                <a:effectLst/>
-                <a:latin typeface="Consolas" panose="020B0609020204030204" pitchFamily="49" charset="0"/>
-              </a:rPr>
-              <a:t>  </a:t>
-            </a:r>
-            <a:r>
-              <a:rPr lang="en-US" b="0" dirty="0">
-                <a:solidFill>
-                  <a:srgbClr val="0000FF"/>
-                </a:solidFill>
-                <a:effectLst/>
-                <a:latin typeface="Consolas" panose="020B0609020204030204" pitchFamily="49" charset="0"/>
-              </a:rPr>
-              <a:t>const</a:t>
-            </a:r>
-            <a:r>
-              <a:rPr lang="en-US" b="0" dirty="0">
-                <a:solidFill>
-                  <a:srgbClr val="000000"/>
-                </a:solidFill>
-                <a:effectLst/>
-                <a:latin typeface="Consolas" panose="020B0609020204030204" pitchFamily="49" charset="0"/>
-              </a:rPr>
-              <a:t> clock = </a:t>
-            </a:r>
-            <a:r>
-              <a:rPr lang="en-US" b="0" dirty="0" err="1">
-                <a:solidFill>
-                  <a:srgbClr val="000000"/>
-                </a:solidFill>
-                <a:effectLst/>
-                <a:latin typeface="Consolas" panose="020B0609020204030204" pitchFamily="49" charset="0"/>
-              </a:rPr>
-              <a:t>props.clock</a:t>
-            </a:r>
-            <a:r>
-              <a:rPr lang="en-US" b="0" dirty="0">
-                <a:solidFill>
-                  <a:srgbClr val="000000"/>
-                </a:solidFill>
-                <a:effectLst/>
-                <a:latin typeface="Consolas" panose="020B0609020204030204" pitchFamily="49" charset="0"/>
-              </a:rPr>
-              <a:t>;</a:t>
-            </a:r>
-          </a:p>
-          <a:p>
-            <a:br>
-              <a:rPr lang="en-US" b="0" dirty="0">
-                <a:solidFill>
-                  <a:srgbClr val="000000"/>
-                </a:solidFill>
-                <a:effectLst/>
-                <a:latin typeface="Consolas" panose="020B0609020204030204" pitchFamily="49" charset="0"/>
-              </a:rPr>
-            </a:br>
-            <a:r>
-              <a:rPr lang="en-US" b="0" dirty="0">
-                <a:solidFill>
-                  <a:srgbClr val="000000"/>
-                </a:solidFill>
-                <a:effectLst/>
-                <a:latin typeface="Consolas" panose="020B0609020204030204" pitchFamily="49" charset="0"/>
-              </a:rPr>
-              <a:t>  </a:t>
-            </a:r>
-            <a:r>
-              <a:rPr lang="en-US" b="0" dirty="0" err="1">
-                <a:solidFill>
-                  <a:srgbClr val="000000"/>
-                </a:solidFill>
-                <a:effectLst/>
-                <a:latin typeface="Consolas" panose="020B0609020204030204" pitchFamily="49" charset="0"/>
-              </a:rPr>
-              <a:t>useEffect</a:t>
-            </a:r>
-            <a:r>
-              <a:rPr lang="en-US" b="0" dirty="0">
-                <a:solidFill>
-                  <a:srgbClr val="000000"/>
-                </a:solidFill>
-                <a:effectLst/>
-                <a:latin typeface="Consolas" panose="020B0609020204030204" pitchFamily="49" charset="0"/>
-              </a:rPr>
-              <a:t>(() </a:t>
+              <a:t>  useEffect(() </a:t>
             </a:r>
             <a:r>
               <a:rPr lang="en-US" b="0" dirty="0">
@@ -13005,12 +13111,8 @@
           <a:lstStyle/>
           <a:p>
             <a:r>
-              <a:rPr lang="en-US" dirty="0" err="1"/>
-              <a:t>useEffect</a:t>
-            </a:r>
-            <a:r>
               <a:rPr lang="en-US" dirty="0"/>
-              <a:t> takes an optional array of dependencies</a:t>
+              <a:t>useEffect takes an optional array of dependencies</a:t>
             </a:r>
           </a:p>
           <a:p>
@@ -13328,6 +13430,98 @@
               <a:t>] = </a:t>
             </a:r>
             <a:r>
+              <a:rPr lang="en-US" sz="1400" b="0" dirty="0">
+                <a:solidFill>
+                  <a:srgbClr val="795E26"/>
+                </a:solidFill>
+                <a:effectLst/>
+                <a:latin typeface="Consolas" panose="020B0609020204030204" pitchFamily="49" charset="0"/>
+              </a:rPr>
+              <a:t>useState</a:t>
+            </a:r>
+            <a:r>
+              <a:rPr lang="en-US" sz="1400" b="0" dirty="0">
+                <a:solidFill>
+                  <a:srgbClr val="000000"/>
+                </a:solidFill>
+                <a:effectLst/>
+                <a:latin typeface="Consolas" panose="020B0609020204030204" pitchFamily="49" charset="0"/>
+              </a:rPr>
+              <a:t>(</a:t>
+            </a:r>
+            <a:r>
+              <a:rPr lang="en-US" sz="1400" b="0" dirty="0">
+                <a:solidFill>
+                  <a:srgbClr val="098658"/>
+                </a:solidFill>
+                <a:effectLst/>
+                <a:latin typeface="Consolas" panose="020B0609020204030204" pitchFamily="49" charset="0"/>
+              </a:rPr>
+              <a:t>0</a:t>
+            </a:r>
+            <a:r>
+              <a:rPr lang="en-US" sz="1400" b="0" dirty="0">
+                <a:solidFill>
+                  <a:srgbClr val="000000"/>
+                </a:solidFill>
+                <a:effectLst/>
+                <a:latin typeface="Consolas" panose="020B0609020204030204" pitchFamily="49" charset="0"/>
+              </a:rPr>
+              <a:t>)</a:t>
+            </a:r>
+          </a:p>
+          <a:p>
+            <a:r>
+              <a:rPr lang="en-US" sz="1400" b="0" dirty="0">
+                <a:solidFill>
+                  <a:srgbClr val="000000"/>
+                </a:solidFill>
+                <a:effectLst/>
+                <a:latin typeface="Consolas" panose="020B0609020204030204" pitchFamily="49" charset="0"/>
+              </a:rPr>
+              <a:t>    </a:t>
+            </a:r>
+            <a:r>
+              <a:rPr lang="en-US" sz="1400" b="0" dirty="0">
+                <a:solidFill>
+                  <a:srgbClr val="0000FF"/>
+                </a:solidFill>
+                <a:effectLst/>
+                <a:latin typeface="Consolas" panose="020B0609020204030204" pitchFamily="49" charset="0"/>
+              </a:rPr>
+              <a:t>const</a:t>
+            </a:r>
+            <a:r>
+              <a:rPr lang="en-US" sz="1400" b="0" dirty="0">
+                <a:solidFill>
+                  <a:srgbClr val="000000"/>
+                </a:solidFill>
+                <a:effectLst/>
+                <a:latin typeface="Consolas" panose="020B0609020204030204" pitchFamily="49" charset="0"/>
+              </a:rPr>
+              <a:t> [</a:t>
+            </a:r>
+            <a:r>
+              <a:rPr lang="en-US" sz="1400" b="0" dirty="0">
+                <a:solidFill>
+                  <a:srgbClr val="0070C1"/>
+                </a:solidFill>
+                <a:effectLst/>
+                <a:latin typeface="Consolas" panose="020B0609020204030204" pitchFamily="49" charset="0"/>
+              </a:rPr>
+              <a:t>m</a:t>
+            </a:r>
+            <a:r>
+              <a:rPr lang="en-US" sz="1400" b="0" dirty="0">
+                <a:solidFill>
+                  <a:srgbClr val="000000"/>
+                </a:solidFill>
+                <a:effectLst/>
+                <a:latin typeface="Consolas" panose="020B0609020204030204" pitchFamily="49" charset="0"/>
+              </a:rPr>
+              <a:t>, </a:t>
+            </a:r>
+            <a:r>
               <a:rPr lang="en-US" sz="1400" b="0" dirty="0" err="1">
                 <a:solidFill>
                   <a:srgbClr val="795E26"/>
@@ -13335,98 +13529,6 @@
                 <a:effectLst/>
                 <a:latin typeface="Consolas" panose="020B0609020204030204" pitchFamily="49" charset="0"/>
               </a:rPr>
-              <a:t>useState</a:t>
-            </a:r>
-            <a:r>
-              <a:rPr lang="en-US" sz="1400" b="0" dirty="0">
-                <a:solidFill>
-                  <a:srgbClr val="000000"/>
-                </a:solidFill>
-                <a:effectLst/>
-                <a:latin typeface="Consolas" panose="020B0609020204030204" pitchFamily="49" charset="0"/>
-              </a:rPr>
-              <a:t>(</a:t>
-            </a:r>
-            <a:r>
-              <a:rPr lang="en-US" sz="1400" b="0" dirty="0">
-                <a:solidFill>
-                  <a:srgbClr val="098658"/>
-                </a:solidFill>
-                <a:effectLst/>
-                <a:latin typeface="Consolas" panose="020B0609020204030204" pitchFamily="49" charset="0"/>
-              </a:rPr>
-              <a:t>0</a:t>
-            </a:r>
-            <a:r>
-              <a:rPr lang="en-US" sz="1400" b="0" dirty="0">
-                <a:solidFill>
-                  <a:srgbClr val="000000"/>
-                </a:solidFill>
-                <a:effectLst/>
-                <a:latin typeface="Consolas" panose="020B0609020204030204" pitchFamily="49" charset="0"/>
-              </a:rPr>
-              <a:t>)</a:t>
-            </a:r>
-          </a:p>
-          <a:p>
-            <a:r>
-              <a:rPr lang="en-US" sz="1400" b="0" dirty="0">
-                <a:solidFill>
-                  <a:srgbClr val="000000"/>
-                </a:solidFill>
-                <a:effectLst/>
-                <a:latin typeface="Consolas" panose="020B0609020204030204" pitchFamily="49" charset="0"/>
-              </a:rPr>
-              <a:t>    </a:t>
-            </a:r>
-            <a:r>
-              <a:rPr lang="en-US" sz="1400" b="0" dirty="0">
-                <a:solidFill>
-                  <a:srgbClr val="0000FF"/>
-                </a:solidFill>
-                <a:effectLst/>
-                <a:latin typeface="Consolas" panose="020B0609020204030204" pitchFamily="49" charset="0"/>
-              </a:rPr>
-              <a:t>const</a:t>
-            </a:r>
-            <a:r>
-              <a:rPr lang="en-US" sz="1400" b="0" dirty="0">
-                <a:solidFill>
-                  <a:srgbClr val="000000"/>
-                </a:solidFill>
-                <a:effectLst/>
-                <a:latin typeface="Consolas" panose="020B0609020204030204" pitchFamily="49" charset="0"/>
-              </a:rPr>
-              <a:t> [</a:t>
-            </a:r>
-            <a:r>
-              <a:rPr lang="en-US" sz="1400" b="0" dirty="0">
-                <a:solidFill>
-                  <a:srgbClr val="0070C1"/>
-                </a:solidFill>
-                <a:effectLst/>
-                <a:latin typeface="Consolas" panose="020B0609020204030204" pitchFamily="49" charset="0"/>
-              </a:rPr>
-              <a:t>m</a:t>
-            </a:r>
-            <a:r>
-              <a:rPr lang="en-US" sz="1400" b="0" dirty="0">
-                <a:solidFill>
-                  <a:srgbClr val="000000"/>
-                </a:solidFill>
-                <a:effectLst/>
-                <a:latin typeface="Consolas" panose="020B0609020204030204" pitchFamily="49" charset="0"/>
-              </a:rPr>
-              <a:t>, </a:t>
-            </a:r>
-            <a:r>
-              <a:rPr lang="en-US" sz="1400" b="0" dirty="0" err="1">
-                <a:solidFill>
-                  <a:srgbClr val="795E26"/>
-                </a:solidFill>
-                <a:effectLst/>
-                <a:latin typeface="Consolas" panose="020B0609020204030204" pitchFamily="49" charset="0"/>
-              </a:rPr>
               <a:t>setM</a:t>
             </a:r>
             <a:r>
@@ -13440,7 +13542,7 @@
               <a:t>] = </a:t>
             </a:r>
             <a:r>
-              <a:rPr lang="en-US" sz="1400" b="0" dirty="0" err="1">
+              <a:rPr lang="en-US" sz="1400" b="0" dirty="0">
                 <a:solidFill>
                   <a:srgbClr val="795E26"/>
                 </a:solidFill>
@@ -13540,8 +13642,161 @@
               <a:t>    </a:t>
             </a:r>
             <a:r>
+              <a:rPr lang="en-US" sz="1400" b="0" dirty="0">
+                <a:solidFill>
+                  <a:srgbClr val="795E26"/>
+                </a:solidFill>
+                <a:effectLst/>
+                <a:latin typeface="Consolas" panose="020B0609020204030204" pitchFamily="49" charset="0"/>
+              </a:rPr>
+              <a:t>useEffect</a:t>
+            </a:r>
+            <a:r>
+              <a:rPr lang="en-US" sz="1400" b="0" dirty="0">
+                <a:solidFill>
+                  <a:srgbClr val="000000"/>
+                </a:solidFill>
+                <a:effectLst/>
+                <a:latin typeface="Consolas" panose="020B0609020204030204" pitchFamily="49" charset="0"/>
+              </a:rPr>
+              <a:t>(() </a:t>
+            </a:r>
+            <a:r>
+              <a:rPr lang="en-US" sz="1400" b="0" dirty="0">
+                <a:solidFill>
+                  <a:srgbClr val="0000FF"/>
+                </a:solidFill>
+                <a:effectLst/>
+                <a:latin typeface="Consolas" panose="020B0609020204030204" pitchFamily="49" charset="0"/>
+              </a:rPr>
+              <a:t>=&gt;</a:t>
+            </a:r>
+            <a:r>
+              <a:rPr lang="en-US" sz="1400" b="0" dirty="0">
+                <a:solidFill>
+                  <a:srgbClr val="000000"/>
+                </a:solidFill>
+                <a:effectLst/>
+                <a:latin typeface="Consolas" panose="020B0609020204030204" pitchFamily="49" charset="0"/>
+              </a:rPr>
+              <a:t> {</a:t>
+            </a:r>
+          </a:p>
+          <a:p>
+            <a:r>
+              <a:rPr lang="en-US" sz="1400" b="0" dirty="0">
+                <a:solidFill>
+                  <a:srgbClr val="000000"/>
+                </a:solidFill>
+                <a:effectLst/>
+                <a:latin typeface="Consolas" panose="020B0609020204030204" pitchFamily="49" charset="0"/>
+              </a:rPr>
+              <a:t>        </a:t>
+            </a:r>
+            <a:r>
+              <a:rPr lang="en-US" sz="1400" b="0" dirty="0">
+                <a:solidFill>
+                  <a:srgbClr val="001080"/>
+                </a:solidFill>
+                <a:effectLst/>
+                <a:latin typeface="Consolas" panose="020B0609020204030204" pitchFamily="49" charset="0"/>
+              </a:rPr>
+              <a:t>console</a:t>
+            </a:r>
+            <a:r>
+              <a:rPr lang="en-US" sz="1400" b="0" dirty="0">
+                <a:solidFill>
+                  <a:srgbClr val="000000"/>
+                </a:solidFill>
+                <a:effectLst/>
+                <a:latin typeface="Consolas" panose="020B0609020204030204" pitchFamily="49" charset="0"/>
+              </a:rPr>
+              <a:t>.</a:t>
+            </a:r>
+            <a:r>
+              <a:rPr lang="en-US" sz="1400" b="0" dirty="0">
+                <a:solidFill>
+                  <a:srgbClr val="795E26"/>
+                </a:solidFill>
+                <a:effectLst/>
+                <a:latin typeface="Consolas" panose="020B0609020204030204" pitchFamily="49" charset="0"/>
+              </a:rPr>
+              <a:t>log</a:t>
+            </a:r>
+            <a:r>
+              <a:rPr lang="en-US" sz="1400" b="0" dirty="0">
+                <a:solidFill>
+                  <a:srgbClr val="000000"/>
+                </a:solidFill>
+                <a:effectLst/>
+                <a:latin typeface="Consolas" panose="020B0609020204030204" pitchFamily="49" charset="0"/>
+              </a:rPr>
+              <a:t>(</a:t>
+            </a:r>
+            <a:r>
+              <a:rPr lang="en-US" sz="1400" b="0" dirty="0">
+                <a:solidFill>
+                  <a:srgbClr val="A31515"/>
+                </a:solidFill>
+                <a:effectLst/>
+                <a:latin typeface="Consolas" panose="020B0609020204030204" pitchFamily="49" charset="0"/>
+              </a:rPr>
+              <a:t>'</a:t>
+            </a:r>
+            <a:r>
               <a:rPr lang="en-US" sz="1400" b="0" dirty="0" err="1">
                 <a:solidFill>
+                  <a:srgbClr val="A31515"/>
+                </a:solidFill>
+                <a:effectLst/>
+                <a:latin typeface="Consolas" panose="020B0609020204030204" pitchFamily="49" charset="0"/>
+              </a:rPr>
+              <a:t>useEffect</a:t>
+            </a:r>
+            <a:r>
+              <a:rPr lang="en-US" sz="1400" b="0" dirty="0">
+                <a:solidFill>
+                  <a:srgbClr val="A31515"/>
+                </a:solidFill>
+                <a:effectLst/>
+                <a:latin typeface="Consolas" panose="020B0609020204030204" pitchFamily="49" charset="0"/>
+              </a:rPr>
+              <a:t> #1 is run only on first render'</a:t>
+            </a:r>
+            <a:r>
+              <a:rPr lang="en-US" sz="1400" b="0" dirty="0">
+                <a:solidFill>
+                  <a:srgbClr val="000000"/>
+                </a:solidFill>
+                <a:effectLst/>
+                <a:latin typeface="Consolas" panose="020B0609020204030204" pitchFamily="49" charset="0"/>
+              </a:rPr>
+              <a:t>)}, [])</a:t>
+            </a:r>
+          </a:p>
+          <a:p>
+            <a:br>
+              <a:rPr lang="en-US" sz="1400" b="0" dirty="0">
+                <a:solidFill>
+                  <a:srgbClr val="000000"/>
+                </a:solidFill>
+                <a:effectLst/>
+                <a:latin typeface="Consolas" panose="020B0609020204030204" pitchFamily="49" charset="0"/>
+              </a:rPr>
+            </a:br>
+            <a:r>
+              <a:rPr lang="en-US" sz="1400" b="0" dirty="0">
+                <a:solidFill>
+                  <a:srgbClr val="000000"/>
+                </a:solidFill>
+                <a:effectLst/>
+                <a:latin typeface="Consolas" panose="020B0609020204030204" pitchFamily="49" charset="0"/>
+              </a:rPr>
+              <a:t>    </a:t>
+            </a:r>
+            <a:r>
+              <a:rPr lang="en-US" sz="1400" b="0" dirty="0">
+                <a:solidFill>
                   <a:srgbClr val="795E26"/>
                 </a:solidFill>
                 <a:effectLst/>
@@ -13659,17 +13914,37 @@
                 <a:effectLst/>
                 <a:latin typeface="Consolas" panose="020B0609020204030204" pitchFamily="49" charset="0"/>
               </a:rPr>
-              <a:t> #1 is run only on first render'</a:t>
-            </a:r>
-            <a:r>
-              <a:rPr lang="en-US" sz="1400" b="0" dirty="0">
-                <a:solidFill>
-                  <a:srgbClr val="000000"/>
-                </a:solidFill>
-                <a:effectLst/>
-                <a:latin typeface="Consolas" panose="020B0609020204030204" pitchFamily="49" charset="0"/>
-              </a:rPr>
-              <a:t>)}, [])</a:t>
+              <a:t> #2N is run only when n changes'</a:t>
+            </a:r>
+            <a:r>
+              <a:rPr lang="en-US" sz="1400" b="0" dirty="0">
+                <a:solidFill>
+                  <a:srgbClr val="000000"/>
+                </a:solidFill>
+                <a:effectLst/>
+                <a:latin typeface="Consolas" panose="020B0609020204030204" pitchFamily="49" charset="0"/>
+              </a:rPr>
+              <a:t>)}, [</a:t>
+            </a:r>
+            <a:r>
+              <a:rPr lang="en-US" sz="1400" b="0" dirty="0">
+                <a:solidFill>
+                  <a:srgbClr val="0070C1"/>
+                </a:solidFill>
+                <a:effectLst/>
+                <a:latin typeface="Consolas" panose="020B0609020204030204" pitchFamily="49" charset="0"/>
+              </a:rPr>
+              <a:t>n</a:t>
+            </a:r>
+            <a:r>
+              <a:rPr lang="en-US" sz="1400" b="0" dirty="0">
+                <a:solidFill>
+                  <a:srgbClr val="000000"/>
+                </a:solidFill>
+                <a:effectLst/>
+                <a:latin typeface="Consolas" panose="020B0609020204030204" pitchFamily="49" charset="0"/>
+              </a:rPr>
+              <a:t>])</a:t>
             </a:r>
           </a:p>
           <a:p>
@@ -13693,180 +13968,7 @@
               <a:t>    </a:t>
             </a:r>
             <a:r>
-              <a:rPr lang="en-US" sz="1400" b="0" dirty="0" err="1">
-                <a:solidFill>
-                  <a:srgbClr val="795E26"/>
-                </a:solidFill>
-                <a:effectLst/>
-                <a:latin typeface="Consolas" panose="020B0609020204030204" pitchFamily="49" charset="0"/>
-              </a:rPr>
-              <a:t>useEffect</a:t>
-            </a:r>
-            <a:r>
-              <a:rPr lang="en-US" sz="1400" b="0" dirty="0">
-                <a:solidFill>
-                  <a:srgbClr val="000000"/>
-                </a:solidFill>
-                <a:effectLst/>
-                <a:latin typeface="Consolas" panose="020B0609020204030204" pitchFamily="49" charset="0"/>
-              </a:rPr>
-              <a:t>(() </a:t>
-            </a:r>
-            <a:r>
-              <a:rPr lang="en-US" sz="1400" b="0" dirty="0">
-                <a:solidFill>
-                  <a:srgbClr val="0000FF"/>
-                </a:solidFill>
-                <a:effectLst/>
-                <a:latin typeface="Consolas" panose="020B0609020204030204" pitchFamily="49" charset="0"/>
-              </a:rPr>
-              <a:t>=&gt;</a:t>
-            </a:r>
-            <a:r>
-              <a:rPr lang="en-US" sz="1400" b="0" dirty="0">
-                <a:solidFill>
-                  <a:srgbClr val="000000"/>
-                </a:solidFill>
-                <a:effectLst/>
-                <a:latin typeface="Consolas" panose="020B0609020204030204" pitchFamily="49" charset="0"/>
-              </a:rPr>
-              <a:t> {</a:t>
-            </a:r>
-          </a:p>
-          <a:p>
-            <a:r>
-              <a:rPr lang="en-US" sz="1400" b="0" dirty="0">
-                <a:solidFill>
-                  <a:srgbClr val="000000"/>
-                </a:solidFill>
-                <a:effectLst/>
-                <a:latin typeface="Consolas" panose="020B0609020204030204" pitchFamily="49" charset="0"/>
-              </a:rPr>
-              <a:t>        </a:t>
-            </a:r>
-            <a:r>
-              <a:rPr lang="en-US" sz="1400" b="0" dirty="0">
-                <a:solidFill>
-                  <a:srgbClr val="001080"/>
-                </a:solidFill>
-                <a:effectLst/>
-                <a:latin typeface="Consolas" panose="020B0609020204030204" pitchFamily="49" charset="0"/>
-              </a:rPr>
-              <a:t>console</a:t>
-            </a:r>
-            <a:r>
-              <a:rPr lang="en-US" sz="1400" b="0" dirty="0">
-                <a:solidFill>
-                  <a:srgbClr val="000000"/>
-                </a:solidFill>
-                <a:effectLst/>
-                <a:latin typeface="Consolas" panose="020B0609020204030204" pitchFamily="49" charset="0"/>
-              </a:rPr>
-              <a:t>.</a:t>
-            </a:r>
-            <a:r>
-              <a:rPr lang="en-US" sz="1400" b="0" dirty="0">
-                <a:solidFill>
-                  <a:srgbClr val="795E26"/>
-                </a:solidFill>
-                <a:effectLst/>
-                <a:latin typeface="Consolas" panose="020B0609020204030204" pitchFamily="49" charset="0"/>
-              </a:rPr>
-              <a:t>log</a:t>
-            </a:r>
-            <a:r>
-              <a:rPr lang="en-US" sz="1400" b="0" dirty="0">
-                <a:solidFill>
-                  <a:srgbClr val="000000"/>
-                </a:solidFill>
-                <a:effectLst/>
-                <a:latin typeface="Consolas" panose="020B0609020204030204" pitchFamily="49" charset="0"/>
-              </a:rPr>
-              <a:t>(</a:t>
-            </a:r>
-            <a:r>
-              <a:rPr lang="en-US" sz="1400" b="0" dirty="0">
-                <a:solidFill>
-                  <a:srgbClr val="A31515"/>
-                </a:solidFill>
-                <a:effectLst/>
-                <a:latin typeface="Consolas" panose="020B0609020204030204" pitchFamily="49" charset="0"/>
-              </a:rPr>
-              <a:t>'</a:t>
-            </a:r>
-            <a:r>
-              <a:rPr lang="en-US" sz="1400" b="0" dirty="0" err="1">
-                <a:solidFill>
-                  <a:srgbClr val="A31515"/>
-                </a:solidFill>
-                <a:effectLst/>
-                <a:latin typeface="Consolas" panose="020B0609020204030204" pitchFamily="49" charset="0"/>
-              </a:rPr>
-              <a:t>useEffect</a:t>
-            </a:r>
-            <a:r>
-              <a:rPr lang="en-US" sz="1400" b="0" dirty="0">
-                <a:solidFill>
-                  <a:srgbClr val="A31515"/>
-                </a:solidFill>
-                <a:effectLst/>
-                <a:latin typeface="Consolas" panose="020B0609020204030204" pitchFamily="49" charset="0"/>
-              </a:rPr>
-              <a:t> #2N is run only when n changes'</a:t>
-            </a:r>
-            <a:r>
-              <a:rPr lang="en-US" sz="1400" b="0" dirty="0">
-                <a:solidFill>
-                  <a:srgbClr val="000000"/>
-                </a:solidFill>
-                <a:effectLst/>
-                <a:latin typeface="Consolas" panose="020B0609020204030204" pitchFamily="49" charset="0"/>
-              </a:rPr>
-              <a:t>)}, [</a:t>
-            </a:r>
-            <a:r>
-              <a:rPr lang="en-US" sz="1400" b="0" dirty="0">
-                <a:solidFill>
-                  <a:srgbClr val="0070C1"/>
-                </a:solidFill>
-                <a:effectLst/>
-                <a:latin typeface="Consolas" panose="020B0609020204030204" pitchFamily="49" charset="0"/>
-              </a:rPr>
-              <a:t>n</a:t>
-            </a:r>
-            <a:r>
-              <a:rPr lang="en-US" sz="1400" b="0" dirty="0">
-                <a:solidFill>
-                  <a:srgbClr val="000000"/>
-                </a:solidFill>
-                <a:effectLst/>
-                <a:latin typeface="Consolas" panose="020B0609020204030204" pitchFamily="49" charset="0"/>
-              </a:rPr>
-              <a:t>])</a:t>
-            </a:r>
-          </a:p>
-          <a:p>
-            <a:br>
-              <a:rPr lang="en-US" sz="1400" b="0" dirty="0">
-                <a:solidFill>
-                  <a:srgbClr val="000000"/>
-                </a:solidFill>
-                <a:effectLst/>
-                <a:latin typeface="Consolas" panose="020B0609020204030204" pitchFamily="49" charset="0"/>
-              </a:rPr>
-            </a:br>
-            <a:r>
-              <a:rPr lang="en-US" sz="1400" b="0" dirty="0">
-                <a:solidFill>
-                  <a:srgbClr val="000000"/>
-                </a:solidFill>
-                <a:effectLst/>
-                <a:latin typeface="Consolas" panose="020B0609020204030204" pitchFamily="49" charset="0"/>
-              </a:rPr>
-              <a:t>    </a:t>
-            </a:r>
-            <a:r>
-              <a:rPr lang="en-US" sz="1400" b="0" dirty="0" err="1">
+              <a:rPr lang="en-US" sz="1400" b="0" dirty="0">
                 <a:solidFill>
                   <a:srgbClr val="795E26"/>
                 </a:solidFill>
@@ -14041,27 +14143,7 @@
                 <a:effectLst/>
                 <a:latin typeface="Consolas" panose="020B0609020204030204" pitchFamily="49" charset="0"/>
               </a:rPr>
-              <a:t>    </a:t>
-            </a:r>
-            <a:r>
-              <a:rPr lang="en-US" sz="1400" b="0" dirty="0" err="1">
-                <a:solidFill>
-                  <a:srgbClr val="000000"/>
-                </a:solidFill>
-                <a:effectLst/>
-                <a:latin typeface="Consolas" panose="020B0609020204030204" pitchFamily="49" charset="0"/>
-              </a:rPr>
-              <a:t>useEffect</a:t>
-            </a:r>
-            <a:r>
-              <a:rPr lang="en-US" sz="1400" b="0" dirty="0">
-                <a:solidFill>
-                  <a:srgbClr val="000000"/>
-                </a:solidFill>
-                <a:effectLst/>
-                <a:latin typeface="Consolas" panose="020B0609020204030204" pitchFamily="49" charset="0"/>
-              </a:rPr>
-              <a:t>(() </a:t>
+              <a:t>    useEffect(() </a:t>
             </a:r>
             <a:r>
               <a:rPr lang="en-US" sz="1400" b="0" dirty="0">
@@ -14228,7 +14310,7 @@
               <a:t>    </a:t>
             </a:r>
             <a:r>
-              <a:rPr lang="en-US" sz="1400" b="0" dirty="0" err="1">
+              <a:rPr lang="en-US" sz="1400" b="0" dirty="0">
                 <a:solidFill>
                   <a:srgbClr val="795E26"/>
                 </a:solidFill>
@@ -15307,24 +15389,14 @@
               <a:t>&gt;</a:t>
             </a:r>
             <a:r>
-              <a:rPr lang="en-US" sz="1400" b="0" dirty="0" err="1">
+              <a:rPr lang="en-US" sz="1400" b="0" dirty="0">
                 <a:solidFill>
                   <a:srgbClr val="3B3B3B"/>
                 </a:solidFill>
                 <a:effectLst/>
                 <a:latin typeface="Consolas" panose="020B0609020204030204" pitchFamily="49" charset="0"/>
               </a:rPr>
-              <a:t>useEffect</a:t>
-            </a:r>
-            <a:r>
-              <a:rPr lang="en-US" sz="1400" b="0" dirty="0">
-                <a:solidFill>
-                  <a:srgbClr val="3B3B3B"/>
-                </a:solidFill>
-                <a:effectLst/>
-                <a:latin typeface="Consolas" panose="020B0609020204030204" pitchFamily="49" charset="0"/>
-              </a:rPr>
-              <a:t> demo #1</a:t>
+              <a:t>useEffect demo #1</a:t>
             </a:r>
             <a:r>
               <a:rPr lang="en-US" sz="1400" b="0" dirty="0">
@@ -16394,15 +16466,7 @@
           <a:p>
             <a:r>
               <a:rPr lang="en-US" dirty="0"/>
-              <a:t>Let's look at </a:t>
-            </a:r>
-            <a:r>
-              <a:rPr lang="en-US" dirty="0" err="1"/>
-              <a:t>useEffect</a:t>
-            </a:r>
-            <a:r>
-              <a:rPr lang="en-US" dirty="0"/>
-              <a:t> demo again, this time with noisy cleanups.</a:t>
+              <a:t>Let's look at useEffect demo again, this time with noisy cleanups.</a:t>
             </a:r>
           </a:p>
           <a:p>
@@ -16984,6 +17048,98 @@
               <a:t> </a:t>
             </a:r>
             <a:r>
+              <a:rPr lang="en-US" b="0" dirty="0">
+                <a:solidFill>
+                  <a:srgbClr val="795E26"/>
+                </a:solidFill>
+                <a:effectLst/>
+                <a:latin typeface="Consolas" panose="020B0609020204030204" pitchFamily="49" charset="0"/>
+              </a:rPr>
+              <a:t>useState</a:t>
+            </a:r>
+            <a:r>
+              <a:rPr lang="en-US" b="0" dirty="0">
+                <a:solidFill>
+                  <a:srgbClr val="3B3B3B"/>
+                </a:solidFill>
+                <a:effectLst/>
+                <a:latin typeface="Consolas" panose="020B0609020204030204" pitchFamily="49" charset="0"/>
+              </a:rPr>
+              <a:t>(</a:t>
+            </a:r>
+            <a:r>
+              <a:rPr lang="en-US" b="0" dirty="0">
+                <a:solidFill>
+                  <a:srgbClr val="098658"/>
+                </a:solidFill>
+                <a:effectLst/>
+                <a:latin typeface="Consolas" panose="020B0609020204030204" pitchFamily="49" charset="0"/>
+              </a:rPr>
+              <a:t>0</a:t>
+            </a:r>
+            <a:r>
+              <a:rPr lang="en-US" b="0" dirty="0">
+                <a:solidFill>
+                  <a:srgbClr val="3B3B3B"/>
+                </a:solidFill>
+                <a:effectLst/>
+                <a:latin typeface="Consolas" panose="020B0609020204030204" pitchFamily="49" charset="0"/>
+              </a:rPr>
+              <a:t>)</a:t>
+            </a:r>
+          </a:p>
+          <a:p>
+            <a:r>
+              <a:rPr lang="en-US" b="0" dirty="0">
+                <a:solidFill>
+                  <a:srgbClr val="3B3B3B"/>
+                </a:solidFill>
+                <a:effectLst/>
+                <a:latin typeface="Consolas" panose="020B0609020204030204" pitchFamily="49" charset="0"/>
+              </a:rPr>
+              <a:t>    </a:t>
+            </a:r>
+            <a:r>
+              <a:rPr lang="en-US" b="0" dirty="0">
+                <a:solidFill>
+                  <a:srgbClr val="0000FF"/>
+                </a:solidFill>
+                <a:effectLst/>
+                <a:latin typeface="Consolas" panose="020B0609020204030204" pitchFamily="49" charset="0"/>
+              </a:rPr>
+              <a:t>const</a:t>
+            </a:r>
+            <a:r>
+              <a:rPr lang="en-US" b="0" dirty="0">
+                <a:solidFill>
+                  <a:srgbClr val="3B3B3B"/>
+                </a:solidFill>
+                <a:effectLst/>
+                <a:latin typeface="Consolas" panose="020B0609020204030204" pitchFamily="49" charset="0"/>
+              </a:rPr>
+              <a:t> [</a:t>
+            </a:r>
+            <a:r>
+              <a:rPr lang="en-US" b="0" dirty="0">
+                <a:solidFill>
+                  <a:srgbClr val="0070C1"/>
+                </a:solidFill>
+                <a:effectLst/>
+                <a:latin typeface="Consolas" panose="020B0609020204030204" pitchFamily="49" charset="0"/>
+              </a:rPr>
+              <a:t>m</a:t>
+            </a:r>
+            <a:r>
+              <a:rPr lang="en-US" b="0" dirty="0">
+                <a:solidFill>
+                  <a:srgbClr val="3B3B3B"/>
+                </a:solidFill>
+                <a:effectLst/>
+                <a:latin typeface="Consolas" panose="020B0609020204030204" pitchFamily="49" charset="0"/>
+              </a:rPr>
+              <a:t>, </a:t>
+            </a:r>
+            <a:r>
               <a:rPr lang="en-US" b="0" dirty="0" err="1">
                 <a:solidFill>
                   <a:srgbClr val="795E26"/>
@@ -16991,6 +17147,46 @@
                 <a:effectLst/>
                 <a:latin typeface="Consolas" panose="020B0609020204030204" pitchFamily="49" charset="0"/>
               </a:rPr>
+              <a:t>setM</a:t>
+            </a:r>
+            <a:r>
+              <a:rPr lang="en-US" b="0" dirty="0">
+                <a:solidFill>
+                  <a:srgbClr val="3B3B3B"/>
+                </a:solidFill>
+                <a:effectLst/>
+                <a:latin typeface="Consolas" panose="020B0609020204030204" pitchFamily="49" charset="0"/>
+              </a:rPr>
+              <a:t>] </a:t>
+            </a:r>
+            <a:r>
+              <a:rPr lang="en-US" b="0" dirty="0">
+                <a:solidFill>
+                  <a:srgbClr val="000000"/>
+                </a:solidFill>
+                <a:effectLst/>
+                <a:latin typeface="Consolas" panose="020B0609020204030204" pitchFamily="49" charset="0"/>
+              </a:rPr>
+              <a:t>=</a:t>
+            </a:r>
+            <a:r>
+              <a:rPr lang="en-US" b="0" dirty="0">
+                <a:solidFill>
+                  <a:srgbClr val="3B3B3B"/>
+                </a:solidFill>
+                <a:effectLst/>
+                <a:latin typeface="Consolas" panose="020B0609020204030204" pitchFamily="49" charset="0"/>
+              </a:rPr>
+              <a:t> </a:t>
+            </a:r>
+            <a:r>
+              <a:rPr lang="en-US" b="0" dirty="0">
+                <a:solidFill>
+                  <a:srgbClr val="795E26"/>
+                </a:solidFill>
+                <a:effectLst/>
+                <a:latin typeface="Consolas" panose="020B0609020204030204" pitchFamily="49" charset="0"/>
+              </a:rPr>
               <a:t>useState</a:t>
             </a:r>
             <a:r>
@@ -17025,7 +17221,7 @@
             </a:r>
           </a:p>
           <a:p>
-            <a:r>
+            <a:br>
               <a:rPr lang="en-US" b="0" dirty="0">
                 <a:solidFill>
                   <a:srgbClr val="3B3B3B"/>
@@ -17033,151 +17229,19 @@
                 <a:effectLst/>
                 <a:latin typeface="Consolas" panose="020B0609020204030204" pitchFamily="49" charset="0"/>
               </a:rPr>
+            </a:br>
+            <a:r>
+              <a:rPr lang="en-US" b="0" dirty="0">
+                <a:solidFill>
+                  <a:srgbClr val="3B3B3B"/>
+                </a:solidFill>
+                <a:effectLst/>
+                <a:latin typeface="Consolas" panose="020B0609020204030204" pitchFamily="49" charset="0"/>
+              </a:rPr>
               <a:t>    </a:t>
             </a:r>
             <a:r>
               <a:rPr lang="en-US" b="0" dirty="0">
-                <a:solidFill>
-                  <a:srgbClr val="0000FF"/>
-                </a:solidFill>
-                <a:effectLst/>
-                <a:latin typeface="Consolas" panose="020B0609020204030204" pitchFamily="49" charset="0"/>
-              </a:rPr>
-              <a:t>const</a:t>
-            </a:r>
-            <a:r>
-              <a:rPr lang="en-US" b="0" dirty="0">
-                <a:solidFill>
-                  <a:srgbClr val="3B3B3B"/>
-                </a:solidFill>
-                <a:effectLst/>
-                <a:latin typeface="Consolas" panose="020B0609020204030204" pitchFamily="49" charset="0"/>
-              </a:rPr>
-              <a:t> [</a:t>
-            </a:r>
-            <a:r>
-              <a:rPr lang="en-US" b="0" dirty="0">
-                <a:solidFill>
-                  <a:srgbClr val="0070C1"/>
-                </a:solidFill>
-                <a:effectLst/>
-                <a:latin typeface="Consolas" panose="020B0609020204030204" pitchFamily="49" charset="0"/>
-              </a:rPr>
-              <a:t>m</a:t>
-            </a:r>
-            <a:r>
-              <a:rPr lang="en-US" b="0" dirty="0">
-                <a:solidFill>
-                  <a:srgbClr val="3B3B3B"/>
-                </a:solidFill>
-                <a:effectLst/>
-                <a:latin typeface="Consolas" panose="020B0609020204030204" pitchFamily="49" charset="0"/>
-              </a:rPr>
-              <a:t>, </a:t>
-            </a:r>
-            <a:r>
-              <a:rPr lang="en-US" b="0" dirty="0" err="1">
-                <a:solidFill>
-                  <a:srgbClr val="795E26"/>
-                </a:solidFill>
-                <a:effectLst/>
-                <a:latin typeface="Consolas" panose="020B0609020204030204" pitchFamily="49" charset="0"/>
-              </a:rPr>
-              <a:t>setM</a:t>
-            </a:r>
-            <a:r>
-              <a:rPr lang="en-US" b="0" dirty="0">
-                <a:solidFill>
-                  <a:srgbClr val="3B3B3B"/>
-                </a:solidFill>
-                <a:effectLst/>
-                <a:latin typeface="Consolas" panose="020B0609020204030204" pitchFamily="49" charset="0"/>
-              </a:rPr>
-              <a:t>] </a:t>
-            </a:r>
-            <a:r>
-              <a:rPr lang="en-US" b="0" dirty="0">
-                <a:solidFill>
-                  <a:srgbClr val="000000"/>
-                </a:solidFill>
-                <a:effectLst/>
-                <a:latin typeface="Consolas" panose="020B0609020204030204" pitchFamily="49" charset="0"/>
-              </a:rPr>
-              <a:t>=</a:t>
-            </a:r>
-            <a:r>
-              <a:rPr lang="en-US" b="0" dirty="0">
-                <a:solidFill>
-                  <a:srgbClr val="3B3B3B"/>
-                </a:solidFill>
-                <a:effectLst/>
-                <a:latin typeface="Consolas" panose="020B0609020204030204" pitchFamily="49" charset="0"/>
-              </a:rPr>
-              <a:t> </a:t>
-            </a:r>
-            <a:r>
-              <a:rPr lang="en-US" b="0" dirty="0" err="1">
-                <a:solidFill>
-                  <a:srgbClr val="795E26"/>
-                </a:solidFill>
-                <a:effectLst/>
-                <a:latin typeface="Consolas" panose="020B0609020204030204" pitchFamily="49" charset="0"/>
-              </a:rPr>
-              <a:t>useState</a:t>
-            </a:r>
-            <a:r>
-              <a:rPr lang="en-US" b="0" dirty="0">
-                <a:solidFill>
-                  <a:srgbClr val="3B3B3B"/>
-                </a:solidFill>
-                <a:effectLst/>
-                <a:latin typeface="Consolas" panose="020B0609020204030204" pitchFamily="49" charset="0"/>
-              </a:rPr>
-              <a:t>(</a:t>
-            </a:r>
-            <a:r>
-              <a:rPr lang="en-US" b="0" dirty="0">
-                <a:solidFill>
-                  <a:srgbClr val="098658"/>
-                </a:solidFill>
-                <a:effectLst/>
-                <a:latin typeface="Consolas" panose="020B0609020204030204" pitchFamily="49" charset="0"/>
-              </a:rPr>
-              <a:t>0</a:t>
-            </a:r>
-            <a:r>
-              <a:rPr lang="en-US" b="0" dirty="0">
-                <a:solidFill>
-                  <a:srgbClr val="3B3B3B"/>
-                </a:solidFill>
-                <a:effectLst/>
-                <a:latin typeface="Consolas" panose="020B0609020204030204" pitchFamily="49" charset="0"/>
-              </a:rPr>
-              <a:t>)</a:t>
-            </a:r>
-          </a:p>
-          <a:p>
-            <a:br>
-              <a:rPr lang="en-US" b="0" dirty="0">
-                <a:solidFill>
-                  <a:srgbClr val="3B3B3B"/>
-                </a:solidFill>
-                <a:effectLst/>
-                <a:latin typeface="Consolas" panose="020B0609020204030204" pitchFamily="49" charset="0"/>
-              </a:rPr>
-            </a:br>
-            <a:r>
-              <a:rPr lang="en-US" b="0" dirty="0">
-                <a:solidFill>
-                  <a:srgbClr val="3B3B3B"/>
-                </a:solidFill>
-                <a:effectLst/>
-                <a:latin typeface="Consolas" panose="020B0609020204030204" pitchFamily="49" charset="0"/>
-              </a:rPr>
-              <a:t>    </a:t>
-            </a:r>
-            <a:r>
-              <a:rPr lang="en-US" b="0" dirty="0" err="1">
                 <a:solidFill>
                   <a:srgbClr val="795E26"/>
                 </a:solidFill>
@@ -17452,7 +17516,7 @@
               <a:t>    </a:t>
             </a:r>
             <a:r>
-              <a:rPr lang="en-US" b="0" dirty="0" err="1">
+              <a:rPr lang="en-US" b="0" dirty="0">
                 <a:solidFill>
                   <a:srgbClr val="795E26"/>
                 </a:solidFill>
@@ -18233,13 +18297,8 @@
             </a:pPr>
             <a:r>
               <a:rPr lang="en-US" dirty="0"/>
-              <a:t>Explain the basic use cases for </a:t>
-            </a:r>
-            <a:r>
-              <a:rPr lang="en-US" dirty="0" err="1"/>
-              <a:t>useEffect</a:t>
-            </a:r>
-            <a:endParaRPr lang="en-US" dirty="0"/>
+              <a:t>Explain the basic use cases for useEffect</a:t>
+            </a:r>
           </a:p>
           <a:p>
             <a:pPr marL="685800" lvl="1" indent="-228600">
@@ -18250,15 +18309,7 @@
             </a:pPr>
             <a:r>
               <a:rPr lang="en-US" dirty="0"/>
-              <a:t>Explain when a </a:t>
-            </a:r>
-            <a:r>
-              <a:rPr lang="en-US" dirty="0" err="1"/>
-              <a:t>useEffect</a:t>
-            </a:r>
-            <a:r>
-              <a:rPr lang="en-US" dirty="0"/>
-              <a:t> is executed, and when its return value is executed</a:t>
+              <a:t>Explain when a useEffect is executed, and when its return value is executed</a:t>
             </a:r>
           </a:p>
           <a:p>
@@ -18830,12 +18881,8 @@
           <a:lstStyle/>
           <a:p>
             <a:r>
-              <a:rPr lang="en-US" dirty="0" err="1"/>
-              <a:t>useEffect</a:t>
-            </a:r>
-            <a:r>
               <a:rPr lang="en-US" dirty="0"/>
-              <a:t> and </a:t>
+              <a:t>useEffect and </a:t>
             </a:r>
             <a:r>
               <a:rPr lang="en-US" dirty="0" err="1"/>
@@ -19353,7 +19400,7 @@
               <a:t> </a:t>
             </a:r>
             <a:r>
-              <a:rPr lang="en-US" sz="1600" b="0" dirty="0" err="1">
+              <a:rPr lang="en-US" sz="1600" b="0" dirty="0">
                 <a:solidFill>
                   <a:srgbClr val="795E26"/>
                 </a:solidFill>
@@ -19478,7 +19525,7 @@
               <a:t> </a:t>
             </a:r>
             <a:r>
-              <a:rPr lang="en-US" sz="1600" b="0" dirty="0" err="1">
+              <a:rPr lang="en-US" sz="1600" b="0" dirty="0">
                 <a:solidFill>
                   <a:srgbClr val="795E26"/>
                 </a:solidFill>
@@ -19613,7 +19660,7 @@
               <a:t> </a:t>
             </a:r>
             <a:r>
-              <a:rPr lang="en-US" sz="1600" b="0" dirty="0" err="1">
+              <a:rPr lang="en-US" sz="1600" b="0" dirty="0">
                 <a:solidFill>
                   <a:srgbClr val="795E26"/>
                 </a:solidFill>
@@ -19748,7 +19795,7 @@
               <a:t> </a:t>
             </a:r>
             <a:r>
-              <a:rPr lang="en-US" sz="1600" b="0" dirty="0" err="1">
+              <a:rPr lang="en-US" sz="1600" b="0" dirty="0">
                 <a:solidFill>
                   <a:srgbClr val="795E26"/>
                 </a:solidFill>
@@ -19876,7 +19923,7 @@
               <a:t>  </a:t>
             </a:r>
             <a:r>
-              <a:rPr lang="en-US" sz="1600" b="0" dirty="0" err="1">
+              <a:rPr lang="en-US" sz="1600" b="0" dirty="0">
                 <a:solidFill>
                   <a:srgbClr val="795E26"/>
                 </a:solidFill>
@@ -21034,23 +21081,7 @@
           <a:p>
             <a:r>
               <a:rPr lang="en-US" dirty="0"/>
-              <a:t>REACT lets us combine </a:t>
-            </a:r>
-            <a:r>
-              <a:rPr lang="en-US" dirty="0" err="1"/>
-              <a:t>useState</a:t>
-            </a:r>
-            <a:r>
-              <a:rPr lang="en-US" dirty="0"/>
-              <a:t> and </a:t>
-            </a:r>
-            <a:r>
-              <a:rPr lang="en-US" dirty="0" err="1"/>
-              <a:t>useEffect</a:t>
-            </a:r>
-            <a:r>
-              <a:rPr lang="en-US" dirty="0"/>
-              <a:t> to build custom hooks.</a:t>
+              <a:t>REACT lets us combine useState and useEffect to build custom hooks.</a:t>
             </a:r>
           </a:p>
           <a:p>
@@ -21411,27 +21442,7 @@
                 <a:effectLst/>
                 <a:latin typeface="Consolas" panose="020B0609020204030204" pitchFamily="49" charset="0"/>
               </a:rPr>
-              <a:t>    </a:t>
-            </a:r>
-            <a:r>
-              <a:rPr lang="en-US" b="0" dirty="0" err="1">
-                <a:solidFill>
-                  <a:srgbClr val="000000"/>
-                </a:solidFill>
-                <a:effectLst/>
-                <a:latin typeface="Consolas" panose="020B0609020204030204" pitchFamily="49" charset="0"/>
-              </a:rPr>
-              <a:t>useEffect</a:t>
-            </a:r>
-            <a:r>
-              <a:rPr lang="en-US" b="0" dirty="0">
-                <a:solidFill>
-                  <a:srgbClr val="000000"/>
-                </a:solidFill>
-                <a:effectLst/>
-                <a:latin typeface="Consolas" panose="020B0609020204030204" pitchFamily="49" charset="0"/>
-              </a:rPr>
-              <a:t>(() </a:t>
+              <a:t>    useEffect(() </a:t>
             </a:r>
             <a:r>
               <a:rPr lang="en-US" b="0" dirty="0">
@@ -22174,27 +22185,7 @@
                 <a:effectLst/>
                 <a:latin typeface="Consolas" panose="020B0609020204030204" pitchFamily="49" charset="0"/>
               </a:rPr>
-              <a:t>] = </a:t>
-            </a:r>
-            <a:r>
-              <a:rPr lang="en-US" sz="1400" b="0" dirty="0" err="1">
-                <a:solidFill>
-                  <a:srgbClr val="000000"/>
-                </a:solidFill>
-                <a:effectLst/>
-                <a:latin typeface="Consolas" panose="020B0609020204030204" pitchFamily="49" charset="0"/>
-              </a:rPr>
-              <a:t>useState</a:t>
-            </a:r>
-            <a:r>
-              <a:rPr lang="en-US" sz="1400" b="0" dirty="0">
-                <a:solidFill>
-                  <a:srgbClr val="000000"/>
-                </a:solidFill>
-                <a:effectLst/>
-                <a:latin typeface="Consolas" panose="020B0609020204030204" pitchFamily="49" charset="0"/>
-              </a:rPr>
-              <a:t>(</a:t>
+              <a:t>] = useState(</a:t>
             </a:r>
             <a:r>
               <a:rPr lang="en-US" sz="1400" b="0" dirty="0">
@@ -23875,7 +23866,7 @@
                 <a:effectLst/>
                 <a:latin typeface="Consolas" panose="020B0609020204030204" pitchFamily="49" charset="0"/>
               </a:rPr>
-              <a:t>] = </a:t>
+              <a:t>] = useState&lt;</a:t>
             </a:r>
             <a:r>
               <a:rPr lang="en-US" sz="1400" b="0" dirty="0" err="1">
@@ -23885,17 +23876,49 @@
                 <a:effectLst/>
                 <a:latin typeface="Consolas" panose="020B0609020204030204" pitchFamily="49" charset="0"/>
               </a:rPr>
-              <a:t>useState</a:t>
-            </a:r>
-            <a:r>
-              <a:rPr lang="en-US" sz="1400" b="0" dirty="0">
-                <a:solidFill>
-                  <a:srgbClr val="000000"/>
-                </a:solidFill>
-                <a:effectLst/>
-                <a:latin typeface="Consolas" panose="020B0609020204030204" pitchFamily="49" charset="0"/>
-              </a:rPr>
-              <a:t>&lt;</a:t>
+              <a:t>ToDoItem</a:t>
+            </a:r>
+            <a:r>
+              <a:rPr lang="en-US" sz="1400" b="0" dirty="0">
+                <a:solidFill>
+                  <a:srgbClr val="000000"/>
+                </a:solidFill>
+                <a:effectLst/>
+                <a:latin typeface="Consolas" panose="020B0609020204030204" pitchFamily="49" charset="0"/>
+              </a:rPr>
+              <a:t>[]&gt;([])</a:t>
+            </a:r>
+          </a:p>
+          <a:p>
+            <a:r>
+              <a:rPr lang="en-US" sz="1400" b="0" dirty="0">
+                <a:solidFill>
+                  <a:srgbClr val="000000"/>
+                </a:solidFill>
+                <a:effectLst/>
+                <a:latin typeface="Consolas" panose="020B0609020204030204" pitchFamily="49" charset="0"/>
+              </a:rPr>
+              <a:t>  </a:t>
+            </a:r>
+            <a:r>
+              <a:rPr lang="en-US" sz="1400" b="0" dirty="0">
+                <a:solidFill>
+                  <a:srgbClr val="0000FF"/>
+                </a:solidFill>
+                <a:effectLst/>
+                <a:latin typeface="Consolas" panose="020B0609020204030204" pitchFamily="49" charset="0"/>
+              </a:rPr>
+              <a:t>const</a:t>
+            </a:r>
+            <a:r>
+              <a:rPr lang="en-US" sz="1400" b="0" dirty="0">
+                <a:solidFill>
+                  <a:srgbClr val="000000"/>
+                </a:solidFill>
+                <a:effectLst/>
+                <a:latin typeface="Consolas" panose="020B0609020204030204" pitchFamily="49" charset="0"/>
+              </a:rPr>
+              <a:t> [</a:t>
             </a:r>
             <a:r>
               <a:rPr lang="en-US" sz="1400" b="0" dirty="0" err="1">
@@ -23905,58 +23928,6 @@
                 <a:effectLst/>
                 <a:latin typeface="Consolas" panose="020B0609020204030204" pitchFamily="49" charset="0"/>
               </a:rPr>
-              <a:t>ToDoItem</a:t>
-            </a:r>
-            <a:r>
-              <a:rPr lang="en-US" sz="1400" b="0" dirty="0">
-                <a:solidFill>
-                  <a:srgbClr val="000000"/>
-                </a:solidFill>
-                <a:effectLst/>
-                <a:latin typeface="Consolas" panose="020B0609020204030204" pitchFamily="49" charset="0"/>
-              </a:rPr>
-              <a:t>[]&gt;([])</a:t>
-            </a:r>
-          </a:p>
-          <a:p>
-            <a:r>
-              <a:rPr lang="en-US" sz="1400" b="0" dirty="0">
-                <a:solidFill>
-                  <a:srgbClr val="000000"/>
-                </a:solidFill>
-                <a:effectLst/>
-                <a:latin typeface="Consolas" panose="020B0609020204030204" pitchFamily="49" charset="0"/>
-              </a:rPr>
-              <a:t>  </a:t>
-            </a:r>
-            <a:r>
-              <a:rPr lang="en-US" sz="1400" b="0" dirty="0">
-                <a:solidFill>
-                  <a:srgbClr val="0000FF"/>
-                </a:solidFill>
-                <a:effectLst/>
-                <a:latin typeface="Consolas" panose="020B0609020204030204" pitchFamily="49" charset="0"/>
-              </a:rPr>
-              <a:t>const</a:t>
-            </a:r>
-            <a:r>
-              <a:rPr lang="en-US" sz="1400" b="0" dirty="0">
-                <a:solidFill>
-                  <a:srgbClr val="000000"/>
-                </a:solidFill>
-                <a:effectLst/>
-                <a:latin typeface="Consolas" panose="020B0609020204030204" pitchFamily="49" charset="0"/>
-              </a:rPr>
-              <a:t> [</a:t>
-            </a:r>
-            <a:r>
-              <a:rPr lang="en-US" sz="1400" b="0" dirty="0" err="1">
-                <a:solidFill>
-                  <a:srgbClr val="000000"/>
-                </a:solidFill>
-                <a:effectLst/>
-                <a:latin typeface="Consolas" panose="020B0609020204030204" pitchFamily="49" charset="0"/>
-              </a:rPr>
               <a:t>itemKey,setItemKey</a:t>
             </a:r>
             <a:r>
@@ -23967,27 +23938,7 @@
                 <a:effectLst/>
                 <a:latin typeface="Consolas" panose="020B0609020204030204" pitchFamily="49" charset="0"/>
               </a:rPr>
-              <a:t>] = </a:t>
-            </a:r>
-            <a:r>
-              <a:rPr lang="en-US" sz="1400" b="0" dirty="0" err="1">
-                <a:solidFill>
-                  <a:srgbClr val="000000"/>
-                </a:solidFill>
-                <a:effectLst/>
-                <a:latin typeface="Consolas" panose="020B0609020204030204" pitchFamily="49" charset="0"/>
-              </a:rPr>
-              <a:t>useState</a:t>
-            </a:r>
-            <a:r>
-              <a:rPr lang="en-US" sz="1400" b="0" dirty="0">
-                <a:solidFill>
-                  <a:srgbClr val="000000"/>
-                </a:solidFill>
-                <a:effectLst/>
-                <a:latin typeface="Consolas" panose="020B0609020204030204" pitchFamily="49" charset="0"/>
-              </a:rPr>
-              <a:t>&lt;number&gt;(</a:t>
+              <a:t>] = useState&lt;number&gt;(</a:t>
             </a:r>
             <a:r>
               <a:rPr lang="en-US" sz="1400" b="0" dirty="0">
@@ -26900,7 +26851,7 @@
                 <a:effectLst/>
                 <a:latin typeface="Consolas" panose="020B0609020204030204" pitchFamily="49" charset="0"/>
               </a:rPr>
-              <a:t>] = </a:t>
+              <a:t>] = useState&lt;</a:t>
             </a:r>
             <a:r>
               <a:rPr lang="en-US" b="0" dirty="0" err="1">
@@ -26910,17 +26861,49 @@
                 <a:effectLst/>
                 <a:latin typeface="Consolas" panose="020B0609020204030204" pitchFamily="49" charset="0"/>
               </a:rPr>
-              <a:t>useState</a:t>
-            </a:r>
-            <a:r>
-              <a:rPr lang="en-US" b="0" dirty="0">
-                <a:solidFill>
-                  <a:srgbClr val="000000"/>
-                </a:solidFill>
-                <a:effectLst/>
-                <a:latin typeface="Consolas" panose="020B0609020204030204" pitchFamily="49" charset="0"/>
-              </a:rPr>
-              <a:t>&lt;</a:t>
+              <a:t>ToDoItem</a:t>
+            </a:r>
+            <a:r>
+              <a:rPr lang="en-US" b="0" dirty="0">
+                <a:solidFill>
+                  <a:srgbClr val="000000"/>
+                </a:solidFill>
+                <a:effectLst/>
+                <a:latin typeface="Consolas" panose="020B0609020204030204" pitchFamily="49" charset="0"/>
+              </a:rPr>
+              <a:t>[]&gt;([])</a:t>
+            </a:r>
+          </a:p>
+          <a:p>
+            <a:r>
+              <a:rPr lang="en-US" b="0" dirty="0">
+                <a:solidFill>
+                  <a:srgbClr val="000000"/>
+                </a:solidFill>
+                <a:effectLst/>
+                <a:latin typeface="Consolas" panose="020B0609020204030204" pitchFamily="49" charset="0"/>
+              </a:rPr>
+              <a:t>  </a:t>
+            </a:r>
+            <a:r>
+              <a:rPr lang="en-US" b="0" dirty="0">
+                <a:solidFill>
+                  <a:srgbClr val="0000FF"/>
+                </a:solidFill>
+                <a:effectLst/>
+                <a:latin typeface="Consolas" panose="020B0609020204030204" pitchFamily="49" charset="0"/>
+              </a:rPr>
+              <a:t>const</a:t>
+            </a:r>
+            <a:r>
+              <a:rPr lang="en-US" b="0" dirty="0">
+                <a:solidFill>
+                  <a:srgbClr val="000000"/>
+                </a:solidFill>
+                <a:effectLst/>
+                <a:latin typeface="Consolas" panose="020B0609020204030204" pitchFamily="49" charset="0"/>
+              </a:rPr>
+              <a:t> [</a:t>
             </a:r>
             <a:r>
               <a:rPr lang="en-US" b="0" dirty="0" err="1">
@@ -26930,58 +26913,6 @@
                 <a:effectLst/>
                 <a:latin typeface="Consolas" panose="020B0609020204030204" pitchFamily="49" charset="0"/>
               </a:rPr>
-              <a:t>ToDoItem</a:t>
-            </a:r>
-            <a:r>
-              <a:rPr lang="en-US" b="0" dirty="0">
-                <a:solidFill>
-                  <a:srgbClr val="000000"/>
-                </a:solidFill>
-                <a:effectLst/>
-                <a:latin typeface="Consolas" panose="020B0609020204030204" pitchFamily="49" charset="0"/>
-              </a:rPr>
-              <a:t>[]&gt;([])</a:t>
-            </a:r>
-          </a:p>
-          <a:p>
-            <a:r>
-              <a:rPr lang="en-US" b="0" dirty="0">
-                <a:solidFill>
-                  <a:srgbClr val="000000"/>
-                </a:solidFill>
-                <a:effectLst/>
-                <a:latin typeface="Consolas" panose="020B0609020204030204" pitchFamily="49" charset="0"/>
-              </a:rPr>
-              <a:t>  </a:t>
-            </a:r>
-            <a:r>
-              <a:rPr lang="en-US" b="0" dirty="0">
-                <a:solidFill>
-                  <a:srgbClr val="0000FF"/>
-                </a:solidFill>
-                <a:effectLst/>
-                <a:latin typeface="Consolas" panose="020B0609020204030204" pitchFamily="49" charset="0"/>
-              </a:rPr>
-              <a:t>const</a:t>
-            </a:r>
-            <a:r>
-              <a:rPr lang="en-US" b="0" dirty="0">
-                <a:solidFill>
-                  <a:srgbClr val="000000"/>
-                </a:solidFill>
-                <a:effectLst/>
-                <a:latin typeface="Consolas" panose="020B0609020204030204" pitchFamily="49" charset="0"/>
-              </a:rPr>
-              <a:t> [</a:t>
-            </a:r>
-            <a:r>
-              <a:rPr lang="en-US" b="0" dirty="0" err="1">
-                <a:solidFill>
-                  <a:srgbClr val="000000"/>
-                </a:solidFill>
-                <a:effectLst/>
-                <a:latin typeface="Consolas" panose="020B0609020204030204" pitchFamily="49" charset="0"/>
-              </a:rPr>
               <a:t>itemKey,setItemKey</a:t>
             </a:r>
             <a:r>
@@ -26992,27 +26923,7 @@
                 <a:effectLst/>
                 <a:latin typeface="Consolas" panose="020B0609020204030204" pitchFamily="49" charset="0"/>
               </a:rPr>
-              <a:t>] = </a:t>
-            </a:r>
-            <a:r>
-              <a:rPr lang="en-US" b="0" dirty="0" err="1">
-                <a:solidFill>
-                  <a:srgbClr val="000000"/>
-                </a:solidFill>
-                <a:effectLst/>
-                <a:latin typeface="Consolas" panose="020B0609020204030204" pitchFamily="49" charset="0"/>
-              </a:rPr>
-              <a:t>useState</a:t>
-            </a:r>
-            <a:r>
-              <a:rPr lang="en-US" b="0" dirty="0">
-                <a:solidFill>
-                  <a:srgbClr val="000000"/>
-                </a:solidFill>
-                <a:effectLst/>
-                <a:latin typeface="Consolas" panose="020B0609020204030204" pitchFamily="49" charset="0"/>
-              </a:rPr>
-              <a:t>&lt;number&gt;(</a:t>
+              <a:t>] = useState&lt;number&gt;(</a:t>
             </a:r>
             <a:r>
               <a:rPr lang="en-US" b="0" dirty="0">
@@ -28215,7 +28126,7 @@
                 <a:effectLst/>
                 <a:latin typeface="Consolas" panose="020B0609020204030204" pitchFamily="49" charset="0"/>
               </a:rPr>
-              <a:t>] = </a:t>
+              <a:t>] = useState&lt;</a:t>
             </a:r>
             <a:r>
               <a:rPr lang="en-US" b="0" dirty="0" err="1">
@@ -28225,17 +28136,49 @@
                 <a:effectLst/>
                 <a:latin typeface="Consolas" panose="020B0609020204030204" pitchFamily="49" charset="0"/>
               </a:rPr>
-              <a:t>useState</a:t>
-            </a:r>
-            <a:r>
-              <a:rPr lang="en-US" b="0" dirty="0">
-                <a:solidFill>
-                  <a:srgbClr val="000000"/>
-                </a:solidFill>
-                <a:effectLst/>
-                <a:latin typeface="Consolas" panose="020B0609020204030204" pitchFamily="49" charset="0"/>
-              </a:rPr>
-              <a:t>&lt;</a:t>
+              <a:t>ToDoItem</a:t>
+            </a:r>
+            <a:r>
+              <a:rPr lang="en-US" b="0" dirty="0">
+                <a:solidFill>
+                  <a:srgbClr val="000000"/>
+                </a:solidFill>
+                <a:effectLst/>
+                <a:latin typeface="Consolas" panose="020B0609020204030204" pitchFamily="49" charset="0"/>
+              </a:rPr>
+              <a:t>[]&gt;([])</a:t>
+            </a:r>
+          </a:p>
+          <a:p>
+            <a:r>
+              <a:rPr lang="en-US" b="0" dirty="0">
+                <a:solidFill>
+                  <a:srgbClr val="000000"/>
+                </a:solidFill>
+                <a:effectLst/>
+                <a:latin typeface="Consolas" panose="020B0609020204030204" pitchFamily="49" charset="0"/>
+              </a:rPr>
+              <a:t>  </a:t>
+            </a:r>
+            <a:r>
+              <a:rPr lang="en-US" b="0" dirty="0">
+                <a:solidFill>
+                  <a:srgbClr val="0000FF"/>
+                </a:solidFill>
+                <a:effectLst/>
+                <a:latin typeface="Consolas" panose="020B0609020204030204" pitchFamily="49" charset="0"/>
+              </a:rPr>
+              <a:t>const</a:t>
+            </a:r>
+            <a:r>
+              <a:rPr lang="en-US" b="0" dirty="0">
+                <a:solidFill>
+                  <a:srgbClr val="000000"/>
+                </a:solidFill>
+                <a:effectLst/>
+                <a:latin typeface="Consolas" panose="020B0609020204030204" pitchFamily="49" charset="0"/>
+              </a:rPr>
+              <a:t> [</a:t>
             </a:r>
             <a:r>
               <a:rPr lang="en-US" b="0" dirty="0" err="1">
@@ -28245,58 +28188,6 @@
                 <a:effectLst/>
                 <a:latin typeface="Consolas" panose="020B0609020204030204" pitchFamily="49" charset="0"/>
               </a:rPr>
-              <a:t>ToDoItem</a:t>
-            </a:r>
-            <a:r>
-              <a:rPr lang="en-US" b="0" dirty="0">
-                <a:solidFill>
-                  <a:srgbClr val="000000"/>
-                </a:solidFill>
-                <a:effectLst/>
-                <a:latin typeface="Consolas" panose="020B0609020204030204" pitchFamily="49" charset="0"/>
-              </a:rPr>
-              <a:t>[]&gt;([])</a:t>
-            </a:r>
-          </a:p>
-          <a:p>
-            <a:r>
-              <a:rPr lang="en-US" b="0" dirty="0">
-                <a:solidFill>
-                  <a:srgbClr val="000000"/>
-                </a:solidFill>
-                <a:effectLst/>
-                <a:latin typeface="Consolas" panose="020B0609020204030204" pitchFamily="49" charset="0"/>
-              </a:rPr>
-              <a:t>  </a:t>
-            </a:r>
-            <a:r>
-              <a:rPr lang="en-US" b="0" dirty="0">
-                <a:solidFill>
-                  <a:srgbClr val="0000FF"/>
-                </a:solidFill>
-                <a:effectLst/>
-                <a:latin typeface="Consolas" panose="020B0609020204030204" pitchFamily="49" charset="0"/>
-              </a:rPr>
-              <a:t>const</a:t>
-            </a:r>
-            <a:r>
-              <a:rPr lang="en-US" b="0" dirty="0">
-                <a:solidFill>
-                  <a:srgbClr val="000000"/>
-                </a:solidFill>
-                <a:effectLst/>
-                <a:latin typeface="Consolas" panose="020B0609020204030204" pitchFamily="49" charset="0"/>
-              </a:rPr>
-              <a:t> [</a:t>
-            </a:r>
-            <a:r>
-              <a:rPr lang="en-US" b="0" dirty="0" err="1">
-                <a:solidFill>
-                  <a:srgbClr val="000000"/>
-                </a:solidFill>
-                <a:effectLst/>
-                <a:latin typeface="Consolas" panose="020B0609020204030204" pitchFamily="49" charset="0"/>
-              </a:rPr>
               <a:t>itemKey,setItemKey</a:t>
             </a:r>
             <a:r>
@@ -28307,27 +28198,7 @@
                 <a:effectLst/>
                 <a:latin typeface="Consolas" panose="020B0609020204030204" pitchFamily="49" charset="0"/>
               </a:rPr>
-              <a:t>] = </a:t>
-            </a:r>
-            <a:r>
-              <a:rPr lang="en-US" b="0" dirty="0" err="1">
-                <a:solidFill>
-                  <a:srgbClr val="000000"/>
-                </a:solidFill>
-                <a:effectLst/>
-                <a:latin typeface="Consolas" panose="020B0609020204030204" pitchFamily="49" charset="0"/>
-              </a:rPr>
-              <a:t>useState</a:t>
-            </a:r>
-            <a:r>
-              <a:rPr lang="en-US" b="0" dirty="0">
-                <a:solidFill>
-                  <a:srgbClr val="000000"/>
-                </a:solidFill>
-                <a:effectLst/>
-                <a:latin typeface="Consolas" panose="020B0609020204030204" pitchFamily="49" charset="0"/>
-              </a:rPr>
-              <a:t>&lt;number&gt;(</a:t>
+              <a:t>] = useState&lt;number&gt;(</a:t>
             </a:r>
             <a:r>
               <a:rPr lang="en-US" b="0" dirty="0">
@@ -29323,13 +29194,8 @@
           <a:p>
             <a:r>
               <a:rPr lang="en-US" dirty="0"/>
-              <a:t>Lesson 9.1 </a:t>
-            </a:r>
-            <a:r>
-              <a:rPr lang="en-US" dirty="0" err="1"/>
-              <a:t>useEffect</a:t>
-            </a:r>
-            <a:endParaRPr lang="en-US" dirty="0"/>
+              <a:t>Lesson 9.1 useEffect</a:t>
+            </a:r>
           </a:p>
         </p:txBody>
       </p:sp>
@@ -29354,7 +29220,7 @@
           <a:bodyPr/>
           <a:lstStyle/>
           <a:p>
-            <a:endParaRPr lang="en-US"/>
+            <a:endParaRPr lang="en-US" dirty="0"/>
           </a:p>
         </p:txBody>
       </p:sp>
@@ -29664,27 +29530,7 @@
                 <a:effectLst/>
                 <a:latin typeface="Consolas" panose="020B0609020204030204" pitchFamily="49" charset="0"/>
               </a:rPr>
-              <a:t>] = </a:t>
-            </a:r>
-            <a:r>
-              <a:rPr lang="en-US" b="0" dirty="0" err="1">
-                <a:solidFill>
-                  <a:srgbClr val="000000"/>
-                </a:solidFill>
-                <a:effectLst/>
-                <a:latin typeface="Consolas" panose="020B0609020204030204" pitchFamily="49" charset="0"/>
-              </a:rPr>
-              <a:t>useState</a:t>
-            </a:r>
-            <a:r>
-              <a:rPr lang="en-US" b="0" dirty="0">
-                <a:solidFill>
-                  <a:srgbClr val="000000"/>
-                </a:solidFill>
-                <a:effectLst/>
-                <a:latin typeface="Consolas" panose="020B0609020204030204" pitchFamily="49" charset="0"/>
-              </a:rPr>
-              <a:t>&lt;</a:t>
+              <a:t>] = useState&lt;</a:t>
             </a:r>
             <a:r>
               <a:rPr lang="en-US" b="0" dirty="0" err="1">
@@ -29769,27 +29615,7 @@
                 <a:effectLst/>
                 <a:latin typeface="Consolas" panose="020B0609020204030204" pitchFamily="49" charset="0"/>
               </a:rPr>
-              <a:t>] = </a:t>
-            </a:r>
-            <a:r>
-              <a:rPr lang="en-US" b="0" dirty="0" err="1">
-                <a:solidFill>
-                  <a:srgbClr val="000000"/>
-                </a:solidFill>
-                <a:effectLst/>
-                <a:latin typeface="Consolas" panose="020B0609020204030204" pitchFamily="49" charset="0"/>
-              </a:rPr>
-              <a:t>useState</a:t>
-            </a:r>
-            <a:r>
-              <a:rPr lang="en-US" b="0" dirty="0">
-                <a:solidFill>
-                  <a:srgbClr val="000000"/>
-                </a:solidFill>
-                <a:effectLst/>
-                <a:latin typeface="Consolas" panose="020B0609020204030204" pitchFamily="49" charset="0"/>
-              </a:rPr>
-              <a:t>&lt;number&gt;(</a:t>
+              <a:t>] = useState&lt;number&gt;(</a:t>
             </a:r>
             <a:r>
               <a:rPr lang="en-US" b="0" dirty="0">
@@ -30882,7 +30708,7 @@
           </a:prstGeom>
           <a:extLst>
             <a:ext uri="{C572A759-6A51-4108-AA02-DFA0A04FC94B}">
-              <ma14:wrappingTextBoxFlag xmlns:ma14="http://schemas.microsoft.com/office/mac/drawingml/2011/main" xmlns:a14="http://schemas.microsoft.com/office/drawing/2010/main" xmlns:m="http://schemas.openxmlformats.org/officeDocument/2006/math" xmlns="" val="1"/>
+              <ma14:wrappingTextBoxFlag xmlns="" xmlns:m="http://schemas.openxmlformats.org/officeDocument/2006/math" xmlns:a14="http://schemas.microsoft.com/office/drawing/2010/main" xmlns:ma14="http://schemas.microsoft.com/office/mac/drawingml/2011/main" val="1"/>
             </a:ext>
           </a:extLst>
         </p:spPr>
@@ -30923,7 +30749,7 @@
           </a:ln>
           <a:extLst>
             <a:ext uri="{C572A759-6A51-4108-AA02-DFA0A04FC94B}">
-              <ma14:wrappingTextBoxFlag xmlns:ma14="http://schemas.microsoft.com/office/mac/drawingml/2011/main" xmlns:a14="http://schemas.microsoft.com/office/drawing/2010/main" xmlns:m="http://schemas.openxmlformats.org/officeDocument/2006/math" xmlns="" val="1"/>
+              <ma14:wrappingTextBoxFlag xmlns="" xmlns:m="http://schemas.openxmlformats.org/officeDocument/2006/math" xmlns:a14="http://schemas.microsoft.com/office/drawing/2010/main" xmlns:ma14="http://schemas.microsoft.com/office/mac/drawingml/2011/main" val="1"/>
             </a:ext>
           </a:extLst>
         </p:spPr>
@@ -30945,7 +30771,7 @@
               </a:defRPr>
             </a:pPr>
             <a:r>
-              <a:rPr>
+              <a:rPr dirty="0">
                 <a:solidFill>
                   <a:srgbClr val="011480"/>
                 </a:solidFill>
@@ -30953,10 +30779,11 @@
               <a:t>export function </a:t>
             </a:r>
             <a:r>
-              <a:rPr i="1"/>
+              <a:rPr i="1" dirty="0" err="1"/>
               <a:t>LikeButton</a:t>
             </a:r>
             <a:r>
+              <a:rPr dirty="0"/>
               <a:t>(){</a:t>
             </a:r>
           </a:p>
@@ -30973,10 +30800,11 @@
               </a:defRPr>
             </a:pPr>
             <a:r>
+              <a:rPr dirty="0"/>
               <a:t>  </a:t>
             </a:r>
             <a:r>
-              <a:rPr>
+              <a:rPr dirty="0">
                 <a:solidFill>
                   <a:srgbClr val="011480"/>
                 </a:solidFill>
@@ -30984,10 +30812,11 @@
               <a:t>const </a:t>
             </a:r>
             <a:r>
+              <a:rPr dirty="0"/>
               <a:t>[</a:t>
             </a:r>
             <a:r>
-              <a:rPr>
+              <a:rPr dirty="0" err="1">
                 <a:solidFill>
                   <a:srgbClr val="458383"/>
                 </a:solidFill>
@@ -30995,10 +30824,11 @@
               <a:t>isLiked</a:t>
             </a:r>
             <a:r>
+              <a:rPr dirty="0"/>
               <a:t>, </a:t>
             </a:r>
             <a:r>
-              <a:rPr>
+              <a:rPr dirty="0" err="1">
                 <a:solidFill>
                   <a:srgbClr val="000000"/>
                 </a:solidFill>
@@ -31006,17 +30836,19 @@
               <a:t>setIsLiked</a:t>
             </a:r>
             <a:r>
+              <a:rPr dirty="0"/>
               <a:t>] = </a:t>
             </a:r>
             <a:r>
-              <a:rPr i="1"/>
+              <a:rPr i="1" dirty="0"/>
               <a:t>useState</a:t>
             </a:r>
             <a:r>
+              <a:rPr dirty="0"/>
               <a:t>(</a:t>
             </a:r>
             <a:r>
-              <a:rPr>
+              <a:rPr dirty="0">
                 <a:solidFill>
                   <a:srgbClr val="011480"/>
                 </a:solidFill>
@@ -31024,6 +30856,7 @@
               <a:t>false</a:t>
             </a:r>
             <a:r>
+              <a:rPr dirty="0"/>
               <a:t>);</a:t>
             </a:r>
           </a:p>
@@ -31040,10 +30873,11 @@
               </a:defRPr>
             </a:pPr>
             <a:r>
+              <a:rPr dirty="0"/>
               <a:t>  </a:t>
             </a:r>
             <a:r>
-              <a:rPr>
+              <a:rPr dirty="0">
                 <a:solidFill>
                   <a:srgbClr val="011480"/>
                 </a:solidFill>
@@ -31051,10 +30885,11 @@
               <a:t>const </a:t>
             </a:r>
             <a:r>
+              <a:rPr dirty="0"/>
               <a:t>[</a:t>
             </a:r>
             <a:r>
-              <a:rPr>
+              <a:rPr dirty="0">
                 <a:solidFill>
                   <a:srgbClr val="458383"/>
                 </a:solidFill>
@@ -31062,10 +30897,11 @@
               <a:t>count</a:t>
             </a:r>
             <a:r>
+              <a:rPr dirty="0"/>
               <a:t>, </a:t>
             </a:r>
             <a:r>
-              <a:rPr>
+              <a:rPr dirty="0" err="1">
                 <a:solidFill>
                   <a:srgbClr val="000000"/>
                 </a:solidFill>
@@ -31073,17 +30909,19 @@
               <a:t>setCount</a:t>
             </a:r>
             <a:r>
+              <a:rPr dirty="0"/>
               <a:t>] = </a:t>
             </a:r>
             <a:r>
-              <a:rPr i="1"/>
+              <a:rPr i="1" dirty="0"/>
               <a:t>useState</a:t>
             </a:r>
             <a:r>
+              <a:rPr dirty="0"/>
               <a:t>(</a:t>
             </a:r>
             <a:r>
-              <a:rPr>
+              <a:rPr dirty="0">
                 <a:solidFill>
                   <a:srgbClr val="0073E6"/>
                 </a:solidFill>
@@ -31091,6 +30929,7 @@
               <a:t>0</a:t>
             </a:r>
             <a:r>
+              <a:rPr dirty="0"/>
               <a:t>);</a:t>
             </a:r>
           </a:p>
@@ -31107,6 +30946,7 @@
               </a:defRPr>
             </a:pPr>
             <a:r>
+              <a:rPr dirty="0"/>
               <a:t>  ...</a:t>
             </a:r>
           </a:p>
@@ -31123,6 +30963,7 @@
               </a:defRPr>
             </a:pPr>
             <a:r>
+              <a:rPr dirty="0"/>
               <a:t>}</a:t>
             </a:r>
           </a:p>
@@ -31198,7 +31039,7 @@
             <a:effectLst/>
             <a:extLst>
               <a:ext uri="{C572A759-6A51-4108-AA02-DFA0A04FC94B}">
-                <ma14:wrappingTextBoxFlag xmlns:ma14="http://schemas.microsoft.com/office/mac/drawingml/2011/main" xmlns:a14="http://schemas.microsoft.com/office/drawing/2010/main" xmlns:m="http://schemas.openxmlformats.org/officeDocument/2006/math" xmlns="" val="1"/>
+                <ma14:wrappingTextBoxFlag xmlns="" xmlns:m="http://schemas.openxmlformats.org/officeDocument/2006/math" xmlns:a14="http://schemas.microsoft.com/office/drawing/2010/main" xmlns:ma14="http://schemas.microsoft.com/office/mac/drawingml/2011/main" val="1"/>
               </a:ext>
             </a:extLst>
           </p:spPr>
@@ -31217,6 +31058,7 @@
             </a:lstStyle>
             <a:p>
               <a:r>
+                <a:rPr dirty="0"/>
                 <a:t>React knows which useState is which by tracking calls to them from components in the render tree</a:t>
               </a:r>
             </a:p>
@@ -31424,7 +31266,7 @@
           </a:prstGeom>
           <a:extLst>
             <a:ext uri="{C572A759-6A51-4108-AA02-DFA0A04FC94B}">
-              <ma14:wrappingTextBoxFlag xmlns:ma14="http://schemas.microsoft.com/office/mac/drawingml/2011/main" xmlns:a14="http://schemas.microsoft.com/office/drawing/2010/main" xmlns:m="http://schemas.openxmlformats.org/officeDocument/2006/math" xmlns="" val="1"/>
+              <ma14:wrappingTextBoxFlag xmlns="" xmlns:m="http://schemas.openxmlformats.org/officeDocument/2006/math" xmlns:a14="http://schemas.microsoft.com/office/drawing/2010/main" xmlns:ma14="http://schemas.microsoft.com/office/mac/drawingml/2011/main" val="1"/>
             </a:ext>
           </a:extLst>
         </p:spPr>
@@ -31799,15 +31641,15 @@
               <a:t> </a:t>
             </a:r>
             <a:r>
-              <a:rPr lang="en-US" sz="2000" b="0" dirty="0" err="1">
-                <a:solidFill>
-                  <a:srgbClr val="DCDCAA"/>
+              <a:rPr lang="en-US" sz="2000" b="0" dirty="0">
+                <a:solidFill>
+                  <a:schemeClr val="tx1"/>
                 </a:solidFill>
                 <a:effectLst/>
                 <a:latin typeface="Consolas" panose="020B0609020204030204" pitchFamily="49" charset="0"/>
                 <a:cs typeface="Consolas" panose="020B0609020204030204" pitchFamily="49" charset="0"/>
               </a:rPr>
-              <a:t>useAnswerPage</a:t>
+              <a:t>useAnswerPage = ()</a:t>
             </a:r>
             <a:r>
               <a:rPr lang="en-US" sz="2000" b="0" dirty="0">
@@ -31823,13 +31665,13 @@
             <a:r>
               <a:rPr lang="en-US" sz="2000" b="0" dirty="0">
                 <a:solidFill>
-                  <a:srgbClr val="D4D4D4"/>
+                  <a:srgbClr val="569CD6"/>
                 </a:solidFill>
                 <a:effectLst/>
                 <a:latin typeface="Consolas" panose="020B0609020204030204" pitchFamily="49" charset="0"/>
                 <a:cs typeface="Consolas" panose="020B0609020204030204" pitchFamily="49" charset="0"/>
               </a:rPr>
-              <a:t>=</a:t>
+              <a:t>=&gt;</a:t>
             </a:r>
             <a:r>
               <a:rPr lang="en-US" sz="2000" b="0" dirty="0">
@@ -31840,29 +31682,18 @@
                 <a:latin typeface="Consolas" panose="020B0609020204030204" pitchFamily="49" charset="0"/>
                 <a:cs typeface="Consolas" panose="020B0609020204030204" pitchFamily="49" charset="0"/>
               </a:rPr>
-              <a:t> () </a:t>
+              <a:t> </a:t>
             </a:r>
             <a:r>
               <a:rPr lang="en-US" sz="2000" b="0" dirty="0">
                 <a:solidFill>
-                  <a:srgbClr val="569CD6"/>
+                  <a:schemeClr val="tx1"/>
                 </a:solidFill>
                 <a:effectLst/>
                 <a:latin typeface="Consolas" panose="020B0609020204030204" pitchFamily="49" charset="0"/>
                 <a:cs typeface="Consolas" panose="020B0609020204030204" pitchFamily="49" charset="0"/>
               </a:rPr>
-              <a:t>=&gt;</a:t>
-            </a:r>
-            <a:r>
-              <a:rPr lang="en-US" sz="2000" b="0" dirty="0">
-                <a:solidFill>
-                  <a:srgbClr val="CCCCCC"/>
-                </a:solidFill>
-                <a:effectLst/>
-                <a:latin typeface="Consolas" panose="020B0609020204030204" pitchFamily="49" charset="0"/>
-                <a:cs typeface="Consolas" panose="020B0609020204030204" pitchFamily="49" charset="0"/>
-              </a:rPr>
-              <a:t> {</a:t>
+              <a:t>{</a:t>
             </a:r>
           </a:p>
           <a:p>
@@ -31881,7 +31712,7 @@
                 <a:latin typeface="Consolas" panose="020B0609020204030204" pitchFamily="49" charset="0"/>
                 <a:cs typeface="Consolas" panose="020B0609020204030204" pitchFamily="49" charset="0"/>
               </a:rPr>
-              <a:t>const</a:t>
+              <a:t> const</a:t>
             </a:r>
             <a:r>
               <a:rPr lang="en-US" sz="2000" b="0" dirty="0">
@@ -31892,10 +31723,32 @@
                 <a:latin typeface="Consolas" panose="020B0609020204030204" pitchFamily="49" charset="0"/>
                 <a:cs typeface="Consolas" panose="020B0609020204030204" pitchFamily="49" charset="0"/>
               </a:rPr>
-              <a:t> { </a:t>
-            </a:r>
-            <a:r>
-              <a:rPr lang="en-US" sz="2000" b="0" dirty="0" err="1">
+              <a:t> </a:t>
+            </a:r>
+            <a:r>
+              <a:rPr lang="en-US" sz="2000" b="0" dirty="0">
+                <a:solidFill>
+                  <a:schemeClr val="tx1"/>
+                </a:solidFill>
+                <a:effectLst/>
+                <a:latin typeface="Consolas" panose="020B0609020204030204" pitchFamily="49" charset="0"/>
+                <a:cs typeface="Consolas" panose="020B0609020204030204" pitchFamily="49" charset="0"/>
+              </a:rPr>
+              <a:t>{</a:t>
+            </a:r>
+            <a:r>
+              <a:rPr lang="en-US" sz="2000" b="0" dirty="0">
+                <a:solidFill>
+                  <a:srgbClr val="CCCCCC"/>
+                </a:solidFill>
+                <a:effectLst/>
+                <a:latin typeface="Consolas" panose="020B0609020204030204" pitchFamily="49" charset="0"/>
+                <a:cs typeface="Consolas" panose="020B0609020204030204" pitchFamily="49" charset="0"/>
+              </a:rPr>
+              <a:t> </a:t>
+            </a:r>
+            <a:r>
+              <a:rPr lang="en-US" sz="2000" b="0" dirty="0">
                 <a:solidFill>
                   <a:srgbClr val="4FC1FF"/>
                 </a:solidFill>
@@ -31914,51 +31767,18 @@
                 <a:latin typeface="Consolas" panose="020B0609020204030204" pitchFamily="49" charset="0"/>
                 <a:cs typeface="Consolas" panose="020B0609020204030204" pitchFamily="49" charset="0"/>
               </a:rPr>
-              <a:t> } </a:t>
+              <a:t> </a:t>
             </a:r>
             <a:r>
               <a:rPr lang="en-US" sz="2000" b="0" dirty="0">
                 <a:solidFill>
-                  <a:srgbClr val="D4D4D4"/>
+                  <a:schemeClr val="tx1"/>
                 </a:solidFill>
                 <a:effectLst/>
                 <a:latin typeface="Consolas" panose="020B0609020204030204" pitchFamily="49" charset="0"/>
                 <a:cs typeface="Consolas" panose="020B0609020204030204" pitchFamily="49" charset="0"/>
               </a:rPr>
-              <a:t>=</a:t>
-            </a:r>
-            <a:r>
-              <a:rPr lang="en-US" sz="2000" b="0" dirty="0">
-                <a:solidFill>
-                  <a:srgbClr val="CCCCCC"/>
-                </a:solidFill>
-                <a:effectLst/>
-                <a:latin typeface="Consolas" panose="020B0609020204030204" pitchFamily="49" charset="0"/>
-                <a:cs typeface="Consolas" panose="020B0609020204030204" pitchFamily="49" charset="0"/>
-              </a:rPr>
-              <a:t> </a:t>
-            </a:r>
-            <a:r>
-              <a:rPr lang="en-US" sz="2000" b="0" dirty="0" err="1">
-                <a:solidFill>
-                  <a:srgbClr val="DCDCAA"/>
-                </a:solidFill>
-                <a:effectLst/>
-                <a:latin typeface="Consolas" panose="020B0609020204030204" pitchFamily="49" charset="0"/>
-                <a:cs typeface="Consolas" panose="020B0609020204030204" pitchFamily="49" charset="0"/>
-              </a:rPr>
-              <a:t>useParams</a:t>
-            </a:r>
-            <a:r>
-              <a:rPr lang="en-US" sz="2000" b="0" dirty="0">
-                <a:solidFill>
-                  <a:srgbClr val="CCCCCC"/>
-                </a:solidFill>
-                <a:effectLst/>
-                <a:latin typeface="Consolas" panose="020B0609020204030204" pitchFamily="49" charset="0"/>
-                <a:cs typeface="Consolas" panose="020B0609020204030204" pitchFamily="49" charset="0"/>
-              </a:rPr>
-              <a:t>();</a:t>
+              <a:t>} = useParams();</a:t>
             </a:r>
           </a:p>
           <a:p>
@@ -31977,7 +31797,7 @@
                 <a:latin typeface="Consolas" panose="020B0609020204030204" pitchFamily="49" charset="0"/>
                 <a:cs typeface="Consolas" panose="020B0609020204030204" pitchFamily="49" charset="0"/>
               </a:rPr>
-              <a:t>const</a:t>
+              <a:t> const</a:t>
             </a:r>
             <a:r>
               <a:rPr lang="en-US" sz="2000" b="0" dirty="0">
@@ -31993,68 +31813,13 @@
             <a:r>
               <a:rPr lang="en-US" sz="2000" b="0" dirty="0">
                 <a:solidFill>
-                  <a:srgbClr val="DCDCAA"/>
+                  <a:schemeClr val="tx1"/>
                 </a:solidFill>
                 <a:effectLst/>
                 <a:latin typeface="Consolas" panose="020B0609020204030204" pitchFamily="49" charset="0"/>
                 <a:cs typeface="Consolas" panose="020B0609020204030204" pitchFamily="49" charset="0"/>
               </a:rPr>
-              <a:t>navigate</a:t>
-            </a:r>
-            <a:r>
-              <a:rPr lang="en-US" sz="2000" b="0" dirty="0">
-                <a:solidFill>
-                  <a:srgbClr val="CCCCCC"/>
-                </a:solidFill>
-                <a:effectLst/>
-                <a:latin typeface="Consolas" panose="020B0609020204030204" pitchFamily="49" charset="0"/>
-                <a:cs typeface="Consolas" panose="020B0609020204030204" pitchFamily="49" charset="0"/>
-              </a:rPr>
-              <a:t> </a:t>
-            </a:r>
-            <a:r>
-              <a:rPr lang="en-US" sz="2000" b="0" dirty="0">
-                <a:solidFill>
-                  <a:srgbClr val="D4D4D4"/>
-                </a:solidFill>
-                <a:effectLst/>
-                <a:latin typeface="Consolas" panose="020B0609020204030204" pitchFamily="49" charset="0"/>
-                <a:cs typeface="Consolas" panose="020B0609020204030204" pitchFamily="49" charset="0"/>
-              </a:rPr>
-              <a:t>=</a:t>
-            </a:r>
-            <a:r>
-              <a:rPr lang="en-US" sz="2000" b="0" dirty="0">
-                <a:solidFill>
-                  <a:srgbClr val="CCCCCC"/>
-                </a:solidFill>
-                <a:effectLst/>
-                <a:latin typeface="Consolas" panose="020B0609020204030204" pitchFamily="49" charset="0"/>
-                <a:cs typeface="Consolas" panose="020B0609020204030204" pitchFamily="49" charset="0"/>
-              </a:rPr>
-              <a:t> </a:t>
-            </a:r>
-            <a:r>
-              <a:rPr lang="en-US" sz="2000" b="0" dirty="0" err="1">
-                <a:solidFill>
-                  <a:srgbClr val="DCDCAA"/>
-                </a:solidFill>
-                <a:effectLst/>
-                <a:latin typeface="Consolas" panose="020B0609020204030204" pitchFamily="49" charset="0"/>
-                <a:cs typeface="Consolas" panose="020B0609020204030204" pitchFamily="49" charset="0"/>
-              </a:rPr>
-              <a:t>useNavigate</a:t>
-            </a:r>
-            <a:r>
-              <a:rPr lang="en-US" sz="2000" b="0" dirty="0">
-                <a:solidFill>
-                  <a:srgbClr val="CCCCCC"/>
-                </a:solidFill>
-                <a:effectLst/>
-                <a:latin typeface="Consolas" panose="020B0609020204030204" pitchFamily="49" charset="0"/>
-                <a:cs typeface="Consolas" panose="020B0609020204030204" pitchFamily="49" charset="0"/>
-              </a:rPr>
-              <a:t>();</a:t>
+              <a:t>navigate = useNavigate();</a:t>
             </a:r>
           </a:p>
           <a:p>
@@ -32099,7 +31864,7 @@
                 <a:latin typeface="Consolas" panose="020B0609020204030204" pitchFamily="49" charset="0"/>
                 <a:cs typeface="Consolas" panose="020B0609020204030204" pitchFamily="49" charset="0"/>
               </a:rPr>
-              <a:t>const</a:t>
+              <a:t> const</a:t>
             </a:r>
             <a:r>
               <a:rPr lang="en-US" sz="2000" b="0" dirty="0">
@@ -32110,11 +31875,33 @@
                 <a:latin typeface="Consolas" panose="020B0609020204030204" pitchFamily="49" charset="0"/>
                 <a:cs typeface="Consolas" panose="020B0609020204030204" pitchFamily="49" charset="0"/>
               </a:rPr>
-              <a:t> { </a:t>
+              <a:t> </a:t>
             </a:r>
             <a:r>
               <a:rPr lang="en-US" sz="2000" b="0" dirty="0">
                 <a:solidFill>
+                  <a:schemeClr val="tx1"/>
+                </a:solidFill>
+                <a:effectLst/>
+                <a:latin typeface="Consolas" panose="020B0609020204030204" pitchFamily="49" charset="0"/>
+                <a:cs typeface="Consolas" panose="020B0609020204030204" pitchFamily="49" charset="0"/>
+              </a:rPr>
+              <a:t>{</a:t>
+            </a:r>
+            <a:r>
+              <a:rPr lang="en-US" sz="2000" b="0" dirty="0">
+                <a:solidFill>
+                  <a:srgbClr val="CCCCCC"/>
+                </a:solidFill>
+                <a:effectLst/>
+                <a:latin typeface="Consolas" panose="020B0609020204030204" pitchFamily="49" charset="0"/>
+                <a:cs typeface="Consolas" panose="020B0609020204030204" pitchFamily="49" charset="0"/>
+              </a:rPr>
+              <a:t> </a:t>
+            </a:r>
+            <a:r>
+              <a:rPr lang="en-US" sz="2000" b="0" dirty="0">
+                <a:solidFill>
                   <a:srgbClr val="4FC1FF"/>
                 </a:solidFill>
                 <a:effectLst/>
@@ -32154,51 +31941,18 @@
                 <a:latin typeface="Consolas" panose="020B0609020204030204" pitchFamily="49" charset="0"/>
                 <a:cs typeface="Consolas" panose="020B0609020204030204" pitchFamily="49" charset="0"/>
               </a:rPr>
-              <a:t> } </a:t>
+              <a:t> </a:t>
             </a:r>
             <a:r>
               <a:rPr lang="en-US" sz="2000" b="0" dirty="0">
                 <a:solidFill>
-                  <a:srgbClr val="D4D4D4"/>
+                  <a:schemeClr val="tx1"/>
                 </a:solidFill>
                 <a:effectLst/>
                 <a:latin typeface="Consolas" panose="020B0609020204030204" pitchFamily="49" charset="0"/>
                 <a:cs typeface="Consolas" panose="020B0609020204030204" pitchFamily="49" charset="0"/>
               </a:rPr>
-              <a:t>=</a:t>
-            </a:r>
-            <a:r>
-              <a:rPr lang="en-US" sz="2000" b="0" dirty="0">
-                <a:solidFill>
-                  <a:srgbClr val="CCCCCC"/>
-                </a:solidFill>
-                <a:effectLst/>
-                <a:latin typeface="Consolas" panose="020B0609020204030204" pitchFamily="49" charset="0"/>
-                <a:cs typeface="Consolas" panose="020B0609020204030204" pitchFamily="49" charset="0"/>
-              </a:rPr>
-              <a:t> </a:t>
-            </a:r>
-            <a:r>
-              <a:rPr lang="en-US" sz="2000" b="0" dirty="0" err="1">
-                <a:solidFill>
-                  <a:srgbClr val="DCDCAA"/>
-                </a:solidFill>
-                <a:effectLst/>
-                <a:latin typeface="Consolas" panose="020B0609020204030204" pitchFamily="49" charset="0"/>
-                <a:cs typeface="Consolas" panose="020B0609020204030204" pitchFamily="49" charset="0"/>
-              </a:rPr>
-              <a:t>useUserContext</a:t>
-            </a:r>
-            <a:r>
-              <a:rPr lang="en-US" sz="2000" b="0" dirty="0">
-                <a:solidFill>
-                  <a:srgbClr val="CCCCCC"/>
-                </a:solidFill>
-                <a:effectLst/>
-                <a:latin typeface="Consolas" panose="020B0609020204030204" pitchFamily="49" charset="0"/>
-                <a:cs typeface="Consolas" panose="020B0609020204030204" pitchFamily="49" charset="0"/>
-              </a:rPr>
-              <a:t>();</a:t>
+              <a:t>} = useUserContext();</a:t>
             </a:r>
           </a:p>
           <a:p>
@@ -32217,7 +31971,7 @@
                 <a:latin typeface="Consolas" panose="020B0609020204030204" pitchFamily="49" charset="0"/>
                 <a:cs typeface="Consolas" panose="020B0609020204030204" pitchFamily="49" charset="0"/>
               </a:rPr>
-              <a:t>const</a:t>
+              <a:t> const</a:t>
             </a:r>
             <a:r>
               <a:rPr lang="en-US" sz="2000" b="0" dirty="0">
@@ -32228,10 +31982,21 @@
                 <a:latin typeface="Consolas" panose="020B0609020204030204" pitchFamily="49" charset="0"/>
                 <a:cs typeface="Consolas" panose="020B0609020204030204" pitchFamily="49" charset="0"/>
               </a:rPr>
-              <a:t> [</a:t>
-            </a:r>
-            <a:r>
-              <a:rPr lang="en-US" sz="2000" b="0" dirty="0" err="1">
+              <a:t> </a:t>
+            </a:r>
+            <a:r>
+              <a:rPr lang="en-US" sz="2000" b="0" dirty="0">
+                <a:solidFill>
+                  <a:schemeClr val="tx1"/>
+                </a:solidFill>
+                <a:effectLst/>
+                <a:latin typeface="Consolas" panose="020B0609020204030204" pitchFamily="49" charset="0"/>
+                <a:cs typeface="Consolas" panose="020B0609020204030204" pitchFamily="49" charset="0"/>
+              </a:rPr>
+              <a:t>[</a:t>
+            </a:r>
+            <a:r>
+              <a:rPr lang="en-US" sz="2000" b="0" dirty="0">
                 <a:solidFill>
                   <a:srgbClr val="4FC1FF"/>
                 </a:solidFill>
@@ -32244,167 +32009,68 @@
             <a:r>
               <a:rPr lang="en-US" sz="2000" b="0" dirty="0">
                 <a:solidFill>
+                  <a:schemeClr val="tx1"/>
+                </a:solidFill>
+                <a:effectLst/>
+                <a:latin typeface="Consolas" panose="020B0609020204030204" pitchFamily="49" charset="0"/>
+                <a:cs typeface="Consolas" panose="020B0609020204030204" pitchFamily="49" charset="0"/>
+              </a:rPr>
+              <a:t>, setQuestionID] = useState&lt;</a:t>
+            </a:r>
+            <a:r>
+              <a:rPr lang="en-US" sz="2000" b="0" dirty="0">
+                <a:solidFill>
+                  <a:srgbClr val="4EC9B0"/>
+                </a:solidFill>
+                <a:effectLst/>
+                <a:latin typeface="Consolas" panose="020B0609020204030204" pitchFamily="49" charset="0"/>
+                <a:cs typeface="Consolas" panose="020B0609020204030204" pitchFamily="49" charset="0"/>
+              </a:rPr>
+              <a:t>string</a:t>
+            </a:r>
+            <a:r>
+              <a:rPr lang="en-US" sz="2000" b="0" dirty="0">
+                <a:solidFill>
+                  <a:schemeClr val="tx1"/>
+                </a:solidFill>
+                <a:effectLst/>
+                <a:latin typeface="Consolas" panose="020B0609020204030204" pitchFamily="49" charset="0"/>
+                <a:cs typeface="Consolas" panose="020B0609020204030204" pitchFamily="49" charset="0"/>
+              </a:rPr>
+              <a:t>&gt;(</a:t>
+            </a:r>
+            <a:r>
+              <a:rPr lang="en-US" sz="2000" b="0" dirty="0">
+                <a:solidFill>
+                  <a:srgbClr val="4FC1FF"/>
+                </a:solidFill>
+                <a:effectLst/>
+                <a:latin typeface="Consolas" panose="020B0609020204030204" pitchFamily="49" charset="0"/>
+                <a:cs typeface="Consolas" panose="020B0609020204030204" pitchFamily="49" charset="0"/>
+              </a:rPr>
+              <a:t>qid</a:t>
+            </a:r>
+            <a:r>
+              <a:rPr lang="en-US" sz="2000" b="0" dirty="0">
+                <a:solidFill>
                   <a:srgbClr val="CCCCCC"/>
                 </a:solidFill>
                 <a:effectLst/>
                 <a:latin typeface="Consolas" panose="020B0609020204030204" pitchFamily="49" charset="0"/>
                 <a:cs typeface="Consolas" panose="020B0609020204030204" pitchFamily="49" charset="0"/>
               </a:rPr>
-              <a:t>, </a:t>
-            </a:r>
-            <a:r>
-              <a:rPr lang="en-US" sz="2000" b="0" dirty="0" err="1">
-                <a:solidFill>
-                  <a:srgbClr val="DCDCAA"/>
+              <a:t> </a:t>
+            </a:r>
+            <a:r>
+              <a:rPr lang="en-US" sz="2000" b="0" dirty="0">
+                <a:solidFill>
+                  <a:schemeClr val="tx1"/>
                 </a:solidFill>
                 <a:effectLst/>
                 <a:latin typeface="Consolas" panose="020B0609020204030204" pitchFamily="49" charset="0"/>
                 <a:cs typeface="Consolas" panose="020B0609020204030204" pitchFamily="49" charset="0"/>
               </a:rPr>
-              <a:t>setQuestionID</a:t>
-            </a:r>
-            <a:r>
-              <a:rPr lang="en-US" sz="2000" b="0" dirty="0">
-                <a:solidFill>
-                  <a:srgbClr val="CCCCCC"/>
-                </a:solidFill>
-                <a:effectLst/>
-                <a:latin typeface="Consolas" panose="020B0609020204030204" pitchFamily="49" charset="0"/>
-                <a:cs typeface="Consolas" panose="020B0609020204030204" pitchFamily="49" charset="0"/>
-              </a:rPr>
-              <a:t>] </a:t>
-            </a:r>
-            <a:r>
-              <a:rPr lang="en-US" sz="2000" b="0" dirty="0">
-                <a:solidFill>
-                  <a:srgbClr val="D4D4D4"/>
-                </a:solidFill>
-                <a:effectLst/>
-                <a:latin typeface="Consolas" panose="020B0609020204030204" pitchFamily="49" charset="0"/>
-                <a:cs typeface="Consolas" panose="020B0609020204030204" pitchFamily="49" charset="0"/>
-              </a:rPr>
-              <a:t>=</a:t>
-            </a:r>
-            <a:r>
-              <a:rPr lang="en-US" sz="2000" b="0" dirty="0">
-                <a:solidFill>
-                  <a:srgbClr val="CCCCCC"/>
-                </a:solidFill>
-                <a:effectLst/>
-                <a:latin typeface="Consolas" panose="020B0609020204030204" pitchFamily="49" charset="0"/>
-                <a:cs typeface="Consolas" panose="020B0609020204030204" pitchFamily="49" charset="0"/>
-              </a:rPr>
-              <a:t> </a:t>
-            </a:r>
-            <a:r>
-              <a:rPr lang="en-US" sz="2000" b="0" dirty="0" err="1">
-                <a:solidFill>
-                  <a:srgbClr val="DCDCAA"/>
-                </a:solidFill>
-                <a:effectLst/>
-                <a:latin typeface="Consolas" panose="020B0609020204030204" pitchFamily="49" charset="0"/>
-                <a:cs typeface="Consolas" panose="020B0609020204030204" pitchFamily="49" charset="0"/>
-              </a:rPr>
-              <a:t>useState</a:t>
-            </a:r>
-            <a:r>
-              <a:rPr lang="en-US" sz="2000" b="0" dirty="0">
-                <a:solidFill>
-                  <a:srgbClr val="CCCCCC"/>
-                </a:solidFill>
-                <a:effectLst/>
-                <a:latin typeface="Consolas" panose="020B0609020204030204" pitchFamily="49" charset="0"/>
-                <a:cs typeface="Consolas" panose="020B0609020204030204" pitchFamily="49" charset="0"/>
-              </a:rPr>
-              <a:t>&lt;</a:t>
-            </a:r>
-            <a:r>
-              <a:rPr lang="en-US" sz="2000" b="0" dirty="0">
-                <a:solidFill>
-                  <a:srgbClr val="4EC9B0"/>
-                </a:solidFill>
-                <a:effectLst/>
-                <a:latin typeface="Consolas" panose="020B0609020204030204" pitchFamily="49" charset="0"/>
-                <a:cs typeface="Consolas" panose="020B0609020204030204" pitchFamily="49" charset="0"/>
-              </a:rPr>
-              <a:t>string</a:t>
-            </a:r>
-            <a:r>
-              <a:rPr lang="en-US" sz="2000" b="0" dirty="0">
-                <a:solidFill>
-                  <a:srgbClr val="CCCCCC"/>
-                </a:solidFill>
-                <a:effectLst/>
-                <a:latin typeface="Consolas" panose="020B0609020204030204" pitchFamily="49" charset="0"/>
-                <a:cs typeface="Consolas" panose="020B0609020204030204" pitchFamily="49" charset="0"/>
-              </a:rPr>
-              <a:t>&gt;(</a:t>
-            </a:r>
-            <a:r>
-              <a:rPr lang="en-US" sz="2000" b="0" dirty="0" err="1">
-                <a:solidFill>
-                  <a:srgbClr val="4FC1FF"/>
-                </a:solidFill>
-                <a:effectLst/>
-                <a:latin typeface="Consolas" panose="020B0609020204030204" pitchFamily="49" charset="0"/>
-                <a:cs typeface="Consolas" panose="020B0609020204030204" pitchFamily="49" charset="0"/>
-              </a:rPr>
-              <a:t>qid</a:t>
-            </a:r>
-            <a:r>
-              <a:rPr lang="en-US" sz="2000" b="0" dirty="0">
-                <a:solidFill>
-                  <a:srgbClr val="CCCCCC"/>
-                </a:solidFill>
-                <a:effectLst/>
-                <a:latin typeface="Consolas" panose="020B0609020204030204" pitchFamily="49" charset="0"/>
-                <a:cs typeface="Consolas" panose="020B0609020204030204" pitchFamily="49" charset="0"/>
-              </a:rPr>
-              <a:t> </a:t>
-            </a:r>
-            <a:r>
-              <a:rPr lang="en-US" sz="2000" b="0" dirty="0">
-                <a:solidFill>
-                  <a:srgbClr val="D4D4D4"/>
-                </a:solidFill>
-                <a:effectLst/>
-                <a:latin typeface="Consolas" panose="020B0609020204030204" pitchFamily="49" charset="0"/>
-                <a:cs typeface="Consolas" panose="020B0609020204030204" pitchFamily="49" charset="0"/>
-              </a:rPr>
-              <a:t>||</a:t>
-            </a:r>
-            <a:r>
-              <a:rPr lang="en-US" sz="2000" b="0" dirty="0">
-                <a:solidFill>
-                  <a:srgbClr val="CCCCCC"/>
-                </a:solidFill>
-                <a:effectLst/>
-                <a:latin typeface="Consolas" panose="020B0609020204030204" pitchFamily="49" charset="0"/>
-                <a:cs typeface="Consolas" panose="020B0609020204030204" pitchFamily="49" charset="0"/>
-              </a:rPr>
-              <a:t> </a:t>
-            </a:r>
-            <a:r>
-              <a:rPr lang="en-US" sz="2000" b="0" dirty="0">
-                <a:solidFill>
-                  <a:srgbClr val="CE9178"/>
-                </a:solidFill>
-                <a:effectLst/>
-                <a:latin typeface="Consolas" panose="020B0609020204030204" pitchFamily="49" charset="0"/>
-                <a:cs typeface="Consolas" panose="020B0609020204030204" pitchFamily="49" charset="0"/>
-              </a:rPr>
-              <a:t>''</a:t>
-            </a:r>
-            <a:r>
-              <a:rPr lang="en-US" sz="2000" b="0" dirty="0">
-                <a:solidFill>
-                  <a:srgbClr val="CCCCCC"/>
-                </a:solidFill>
-                <a:effectLst/>
-                <a:latin typeface="Consolas" panose="020B0609020204030204" pitchFamily="49" charset="0"/>
-                <a:cs typeface="Consolas" panose="020B0609020204030204" pitchFamily="49" charset="0"/>
-              </a:rPr>
-              <a:t>);</a:t>
+              <a:t>|| ‘’);</a:t>
             </a:r>
           </a:p>
           <a:p>
@@ -32423,7 +32089,7 @@
                 <a:latin typeface="Consolas" panose="020B0609020204030204" pitchFamily="49" charset="0"/>
                 <a:cs typeface="Consolas" panose="020B0609020204030204" pitchFamily="49" charset="0"/>
               </a:rPr>
-              <a:t>const</a:t>
+              <a:t> const</a:t>
             </a:r>
             <a:r>
               <a:rPr lang="en-US" sz="2000" b="0" dirty="0">
@@ -32434,11 +32100,22 @@
                 <a:latin typeface="Consolas" panose="020B0609020204030204" pitchFamily="49" charset="0"/>
                 <a:cs typeface="Consolas" panose="020B0609020204030204" pitchFamily="49" charset="0"/>
               </a:rPr>
-              <a:t> [</a:t>
+              <a:t> </a:t>
             </a:r>
             <a:r>
               <a:rPr lang="en-US" sz="2000" b="0" dirty="0">
                 <a:solidFill>
+                  <a:schemeClr val="tx1"/>
+                </a:solidFill>
+                <a:effectLst/>
+                <a:latin typeface="Consolas" panose="020B0609020204030204" pitchFamily="49" charset="0"/>
+                <a:cs typeface="Consolas" panose="020B0609020204030204" pitchFamily="49" charset="0"/>
+              </a:rPr>
+              <a:t>[</a:t>
+            </a:r>
+            <a:r>
+              <a:rPr lang="en-US" sz="2000" b="0" dirty="0">
+                <a:solidFill>
                   <a:srgbClr val="4FC1FF"/>
                 </a:solidFill>
                 <a:effectLst/>
@@ -32450,167 +32127,46 @@
             <a:r>
               <a:rPr lang="en-US" sz="2000" b="0" dirty="0">
                 <a:solidFill>
+                  <a:schemeClr val="tx1"/>
+                </a:solidFill>
+                <a:effectLst/>
+                <a:latin typeface="Consolas" panose="020B0609020204030204" pitchFamily="49" charset="0"/>
+                <a:cs typeface="Consolas" panose="020B0609020204030204" pitchFamily="49" charset="0"/>
+              </a:rPr>
+              <a:t>, setQuestion] = useState&lt;</a:t>
+            </a:r>
+            <a:r>
+              <a:rPr lang="en-US" sz="2000" b="0" dirty="0">
+                <a:solidFill>
+                  <a:srgbClr val="4EC9B0"/>
+                </a:solidFill>
+                <a:effectLst/>
+                <a:latin typeface="Consolas" panose="020B0609020204030204" pitchFamily="49" charset="0"/>
+                <a:cs typeface="Consolas" panose="020B0609020204030204" pitchFamily="49" charset="0"/>
+              </a:rPr>
+              <a:t>PopulatedDatabaseQuestion</a:t>
+            </a:r>
+            <a:r>
+              <a:rPr lang="en-US" sz="2000" b="0" dirty="0">
+                <a:solidFill>
                   <a:srgbClr val="CCCCCC"/>
                 </a:solidFill>
                 <a:effectLst/>
                 <a:latin typeface="Consolas" panose="020B0609020204030204" pitchFamily="49" charset="0"/>
                 <a:cs typeface="Consolas" panose="020B0609020204030204" pitchFamily="49" charset="0"/>
               </a:rPr>
-              <a:t>, </a:t>
-            </a:r>
-            <a:r>
-              <a:rPr lang="en-US" sz="2000" b="0" dirty="0" err="1">
-                <a:solidFill>
-                  <a:srgbClr val="DCDCAA"/>
+              <a:t> </a:t>
+            </a:r>
+            <a:r>
+              <a:rPr lang="en-US" sz="2000" b="0" dirty="0">
+                <a:solidFill>
+                  <a:schemeClr val="tx1"/>
                 </a:solidFill>
                 <a:effectLst/>
                 <a:latin typeface="Consolas" panose="020B0609020204030204" pitchFamily="49" charset="0"/>
                 <a:cs typeface="Consolas" panose="020B0609020204030204" pitchFamily="49" charset="0"/>
               </a:rPr>
-              <a:t>setQuestion</a:t>
-            </a:r>
-            <a:r>
-              <a:rPr lang="en-US" sz="2000" b="0" dirty="0">
-                <a:solidFill>
-                  <a:srgbClr val="CCCCCC"/>
-                </a:solidFill>
-                <a:effectLst/>
-                <a:latin typeface="Consolas" panose="020B0609020204030204" pitchFamily="49" charset="0"/>
-                <a:cs typeface="Consolas" panose="020B0609020204030204" pitchFamily="49" charset="0"/>
-              </a:rPr>
-              <a:t>] </a:t>
-            </a:r>
-            <a:r>
-              <a:rPr lang="en-US" sz="2000" b="0" dirty="0">
-                <a:solidFill>
-                  <a:srgbClr val="D4D4D4"/>
-                </a:solidFill>
-                <a:effectLst/>
-                <a:latin typeface="Consolas" panose="020B0609020204030204" pitchFamily="49" charset="0"/>
-                <a:cs typeface="Consolas" panose="020B0609020204030204" pitchFamily="49" charset="0"/>
-              </a:rPr>
-              <a:t>=</a:t>
-            </a:r>
-            <a:r>
-              <a:rPr lang="en-US" sz="2000" b="0" dirty="0">
-                <a:solidFill>
-                  <a:srgbClr val="CCCCCC"/>
-                </a:solidFill>
-                <a:effectLst/>
-                <a:latin typeface="Consolas" panose="020B0609020204030204" pitchFamily="49" charset="0"/>
-                <a:cs typeface="Consolas" panose="020B0609020204030204" pitchFamily="49" charset="0"/>
-              </a:rPr>
-              <a:t> </a:t>
-            </a:r>
-            <a:r>
-              <a:rPr lang="en-US" sz="2000" b="0" dirty="0" err="1">
-                <a:solidFill>
-                  <a:srgbClr val="DCDCAA"/>
-                </a:solidFill>
-                <a:effectLst/>
-                <a:latin typeface="Consolas" panose="020B0609020204030204" pitchFamily="49" charset="0"/>
-                <a:cs typeface="Consolas" panose="020B0609020204030204" pitchFamily="49" charset="0"/>
-              </a:rPr>
-              <a:t>useState</a:t>
-            </a:r>
-            <a:r>
-              <a:rPr lang="en-US" sz="2000" b="0" dirty="0">
-                <a:solidFill>
-                  <a:srgbClr val="CCCCCC"/>
-                </a:solidFill>
-                <a:effectLst/>
-                <a:latin typeface="Consolas" panose="020B0609020204030204" pitchFamily="49" charset="0"/>
-                <a:cs typeface="Consolas" panose="020B0609020204030204" pitchFamily="49" charset="0"/>
-              </a:rPr>
-              <a:t>&lt;</a:t>
-            </a:r>
-            <a:r>
-              <a:rPr lang="en-US" sz="2000" b="0" dirty="0" err="1">
-                <a:solidFill>
-                  <a:srgbClr val="4EC9B0"/>
-                </a:solidFill>
-                <a:effectLst/>
-                <a:latin typeface="Consolas" panose="020B0609020204030204" pitchFamily="49" charset="0"/>
-                <a:cs typeface="Consolas" panose="020B0609020204030204" pitchFamily="49" charset="0"/>
-              </a:rPr>
-              <a:t>PopulatedDatabaseQuestion</a:t>
-            </a:r>
-            <a:r>
-              <a:rPr lang="en-US" sz="2000" b="0" dirty="0">
-                <a:solidFill>
-                  <a:srgbClr val="CCCCCC"/>
-                </a:solidFill>
-                <a:effectLst/>
-                <a:latin typeface="Consolas" panose="020B0609020204030204" pitchFamily="49" charset="0"/>
-                <a:cs typeface="Consolas" panose="020B0609020204030204" pitchFamily="49" charset="0"/>
-              </a:rPr>
-              <a:t> </a:t>
-            </a:r>
-            <a:r>
-              <a:rPr lang="en-US" sz="2000" b="0" dirty="0">
-                <a:solidFill>
-                  <a:srgbClr val="D4D4D4"/>
-                </a:solidFill>
-                <a:effectLst/>
-                <a:latin typeface="Consolas" panose="020B0609020204030204" pitchFamily="49" charset="0"/>
-                <a:cs typeface="Consolas" panose="020B0609020204030204" pitchFamily="49" charset="0"/>
-              </a:rPr>
-              <a:t>|</a:t>
-            </a:r>
-            <a:r>
-              <a:rPr lang="en-US" sz="2000" b="0" dirty="0">
-                <a:solidFill>
-                  <a:srgbClr val="CCCCCC"/>
-                </a:solidFill>
-                <a:effectLst/>
-                <a:latin typeface="Consolas" panose="020B0609020204030204" pitchFamily="49" charset="0"/>
-                <a:cs typeface="Consolas" panose="020B0609020204030204" pitchFamily="49" charset="0"/>
-              </a:rPr>
-              <a:t> </a:t>
-            </a:r>
-            <a:r>
-              <a:rPr lang="en-US" sz="2000" b="0" dirty="0">
-                <a:solidFill>
-                  <a:srgbClr val="4EC9B0"/>
-                </a:solidFill>
-                <a:effectLst/>
-                <a:latin typeface="Consolas" panose="020B0609020204030204" pitchFamily="49" charset="0"/>
-                <a:cs typeface="Consolas" panose="020B0609020204030204" pitchFamily="49" charset="0"/>
-              </a:rPr>
-              <a:t>null</a:t>
-            </a:r>
-            <a:r>
-              <a:rPr lang="en-US" sz="2000" b="0" dirty="0">
-                <a:solidFill>
-                  <a:srgbClr val="CCCCCC"/>
-                </a:solidFill>
-                <a:effectLst/>
-                <a:latin typeface="Consolas" panose="020B0609020204030204" pitchFamily="49" charset="0"/>
-                <a:cs typeface="Consolas" panose="020B0609020204030204" pitchFamily="49" charset="0"/>
-              </a:rPr>
-              <a:t>&gt;(</a:t>
-            </a:r>
-            <a:r>
-              <a:rPr lang="en-US" sz="2000" b="0" dirty="0">
-                <a:solidFill>
-                  <a:srgbClr val="569CD6"/>
-                </a:solidFill>
-                <a:effectLst/>
-                <a:latin typeface="Consolas" panose="020B0609020204030204" pitchFamily="49" charset="0"/>
-                <a:cs typeface="Consolas" panose="020B0609020204030204" pitchFamily="49" charset="0"/>
-              </a:rPr>
-              <a:t>null</a:t>
-            </a:r>
-            <a:r>
-              <a:rPr lang="en-US" sz="2000" b="0" dirty="0">
-                <a:solidFill>
-                  <a:srgbClr val="CCCCCC"/>
-                </a:solidFill>
-                <a:effectLst/>
-                <a:latin typeface="Consolas" panose="020B0609020204030204" pitchFamily="49" charset="0"/>
-                <a:cs typeface="Consolas" panose="020B0609020204030204" pitchFamily="49" charset="0"/>
-              </a:rPr>
-              <a:t>);</a:t>
+              <a:t>| null&gt;(null);</a:t>
             </a:r>
             <a:br>
               <a:rPr lang="en-US" sz="2000" b="0" dirty="0">
@@ -32622,22 +32178,6 @@
                 <a:cs typeface="Consolas" panose="020B0609020204030204" pitchFamily="49" charset="0"/>
               </a:rPr>
             </a:br>
-            <a:r>
-              <a:rPr lang="en-US" sz="2000" b="1" dirty="0">
-                <a:solidFill>
-                  <a:srgbClr val="FF0000"/>
-                </a:solidFill>
-                <a:effectLst/>
-                <a:latin typeface="Consolas" panose="020B0609020204030204" pitchFamily="49" charset="0"/>
-                <a:cs typeface="Consolas" panose="020B0609020204030204" pitchFamily="49" charset="0"/>
-              </a:rPr>
-              <a:t>. . . </a:t>
-            </a:r>
-          </a:p>
-          <a:p>
-            <a:pPr marL="0" indent="0">
-              <a:buNone/>
-            </a:pPr>
             <a:endParaRPr lang="en-US" sz="800" dirty="0"/>
           </a:p>
         </p:txBody>
@@ -32861,44 +32401,44 @@
               <a:buNone/>
             </a:pPr>
             <a:r>
-              <a:rPr lang="en-US" sz="2000" b="0" dirty="0" err="1">
-                <a:solidFill>
-                  <a:srgbClr val="DCDCAA"/>
+              <a:rPr lang="en-US" sz="2000" b="0" dirty="0">
+                <a:solidFill>
+                  <a:schemeClr val="tx1"/>
                 </a:solidFill>
                 <a:effectLst/>
                 <a:latin typeface="Menlo" panose="020B0609030804020204" pitchFamily="49" charset="0"/>
               </a:rPr>
-              <a:t>useEffect</a:t>
+              <a:t>useEffect(() </a:t>
             </a:r>
             <a:r>
               <a:rPr lang="en-US" sz="2000" b="0" dirty="0">
                 <a:solidFill>
+                  <a:srgbClr val="569CD6"/>
+                </a:solidFill>
+                <a:effectLst/>
+                <a:latin typeface="Menlo" panose="020B0609030804020204" pitchFamily="49" charset="0"/>
+              </a:rPr>
+              <a:t>=&gt;</a:t>
+            </a:r>
+            <a:r>
+              <a:rPr lang="en-US" sz="2000" b="0" dirty="0">
+                <a:solidFill>
                   <a:srgbClr val="CCCCCC"/>
                 </a:solidFill>
                 <a:effectLst/>
                 <a:latin typeface="Menlo" panose="020B0609030804020204" pitchFamily="49" charset="0"/>
               </a:rPr>
-              <a:t>(() </a:t>
+              <a:t> </a:t>
             </a:r>
             <a:r>
               <a:rPr lang="en-US" sz="2000" b="0" dirty="0">
                 <a:solidFill>
-                  <a:srgbClr val="569CD6"/>
+                  <a:schemeClr val="tx1"/>
                 </a:solidFill>
                 <a:effectLst/>
                 <a:latin typeface="Menlo" panose="020B0609030804020204" pitchFamily="49" charset="0"/>
               </a:rPr>
-              <a:t>=&gt;</a:t>
-            </a:r>
-            <a:r>
-              <a:rPr lang="en-US" sz="2000" b="0" dirty="0">
-                <a:solidFill>
-                  <a:srgbClr val="CCCCCC"/>
-                </a:solidFill>
-                <a:effectLst/>
-                <a:latin typeface="Menlo" panose="020B0609030804020204" pitchFamily="49" charset="0"/>
-              </a:rPr>
-              <a:t> {</a:t>
+              <a:t>{</a:t>
             </a:r>
           </a:p>
           <a:p>
@@ -33004,14 +32544,14 @@
               <a:t> </a:t>
             </a:r>
             <a:r>
-              <a:rPr lang="en-US" sz="2000" b="0" dirty="0" err="1">
-                <a:solidFill>
-                  <a:srgbClr val="DCDCAA"/>
+              <a:rPr lang="en-US" sz="2000" b="0" dirty="0">
+                <a:solidFill>
+                  <a:schemeClr val="tx1"/>
                 </a:solidFill>
                 <a:effectLst/>
                 <a:latin typeface="Menlo" panose="020B0609030804020204" pitchFamily="49" charset="0"/>
               </a:rPr>
-              <a:t>fetchData</a:t>
+              <a:t>fetchData =</a:t>
             </a:r>
             <a:r>
               <a:rPr lang="en-US" sz="2000" b="0" dirty="0">
@@ -33026,12 +32566,12 @@
             <a:r>
               <a:rPr lang="en-US" sz="2000" b="0" dirty="0">
                 <a:solidFill>
-                  <a:srgbClr val="D4D4D4"/>
+                  <a:srgbClr val="569CD6"/>
                 </a:solidFill>
                 <a:effectLst/>
                 <a:latin typeface="Menlo" panose="020B0609030804020204" pitchFamily="49" charset="0"/>
               </a:rPr>
-              <a:t>=</a:t>
+              <a:t>async</a:t>
             </a:r>
             <a:r>
               <a:rPr lang="en-US" sz="2000" b="0" dirty="0">
@@ -33046,12 +32586,32 @@
             <a:r>
               <a:rPr lang="en-US" sz="2000" b="0" dirty="0">
                 <a:solidFill>
+                  <a:schemeClr val="tx1"/>
+                </a:solidFill>
+                <a:effectLst/>
+                <a:latin typeface="Menlo" panose="020B0609030804020204" pitchFamily="49" charset="0"/>
+              </a:rPr>
+              <a:t>()</a:t>
+            </a:r>
+            <a:r>
+              <a:rPr lang="en-US" sz="2000" b="0" dirty="0">
+                <a:solidFill>
+                  <a:srgbClr val="CCCCCC"/>
+                </a:solidFill>
+                <a:effectLst/>
+                <a:latin typeface="Menlo" panose="020B0609030804020204" pitchFamily="49" charset="0"/>
+              </a:rPr>
+              <a:t> </a:t>
+            </a:r>
+            <a:r>
+              <a:rPr lang="en-US" sz="2000" b="0" dirty="0">
+                <a:solidFill>
                   <a:srgbClr val="569CD6"/>
                 </a:solidFill>
                 <a:effectLst/>
                 <a:latin typeface="Menlo" panose="020B0609030804020204" pitchFamily="49" charset="0"/>
               </a:rPr>
-              <a:t>async</a:t>
+              <a:t>=&gt;</a:t>
             </a:r>
             <a:r>
               <a:rPr lang="en-US" sz="2000" b="0" dirty="0">
@@ -33061,27 +32621,17 @@
                 <a:effectLst/>
                 <a:latin typeface="Menlo" panose="020B0609030804020204" pitchFamily="49" charset="0"/>
               </a:rPr>
-              <a:t> () </a:t>
+              <a:t> </a:t>
             </a:r>
             <a:r>
               <a:rPr lang="en-US" sz="2000" b="0" dirty="0">
                 <a:solidFill>
-                  <a:srgbClr val="569CD6"/>
+                  <a:schemeClr val="tx1"/>
                 </a:solidFill>
                 <a:effectLst/>
                 <a:latin typeface="Menlo" panose="020B0609030804020204" pitchFamily="49" charset="0"/>
               </a:rPr>
-              <a:t>=&gt;</a:t>
-            </a:r>
-            <a:r>
-              <a:rPr lang="en-US" sz="2000" b="0" dirty="0">
-                <a:solidFill>
-                  <a:srgbClr val="CCCCCC"/>
-                </a:solidFill>
-                <a:effectLst/>
-                <a:latin typeface="Menlo" panose="020B0609030804020204" pitchFamily="49" charset="0"/>
-              </a:rPr>
-              <a:t> {</a:t>
+              <a:t>{</a:t>
             </a:r>
           </a:p>
           <a:p>
@@ -33109,7 +32659,17 @@
                 <a:effectLst/>
                 <a:latin typeface="Menlo" panose="020B0609030804020204" pitchFamily="49" charset="0"/>
               </a:rPr>
-              <a:t> {</a:t>
+              <a:t> </a:t>
+            </a:r>
+            <a:r>
+              <a:rPr lang="en-US" sz="2000" b="0" dirty="0">
+                <a:solidFill>
+                  <a:schemeClr val="tx1"/>
+                </a:solidFill>
+                <a:effectLst/>
+                <a:latin typeface="Menlo" panose="020B0609030804020204" pitchFamily="49" charset="0"/>
+              </a:rPr>
+              <a:t>{</a:t>
             </a:r>
           </a:p>
           <a:p>
@@ -33162,7 +32722,7 @@
             <a:r>
               <a:rPr lang="en-US" sz="2000" b="0" dirty="0">
                 <a:solidFill>
-                  <a:srgbClr val="D4D4D4"/>
+                  <a:schemeClr val="tx1"/>
                 </a:solidFill>
                 <a:effectLst/>
                 <a:latin typeface="Menlo" panose="020B0609030804020204" pitchFamily="49" charset="0"/>
@@ -33200,34 +32760,54 @@
               <a:t> </a:t>
             </a:r>
             <a:r>
-              <a:rPr lang="en-US" sz="2000" b="0" dirty="0" err="1">
-                <a:solidFill>
-                  <a:srgbClr val="DCDCAA"/>
+              <a:rPr lang="en-US" sz="2000" b="0" dirty="0">
+                <a:solidFill>
+                  <a:schemeClr val="tx1"/>
                 </a:solidFill>
                 <a:effectLst/>
                 <a:latin typeface="Menlo" panose="020B0609030804020204" pitchFamily="49" charset="0"/>
               </a:rPr>
-              <a:t>getQuestionById</a:t>
+              <a:t>getQuestionById(</a:t>
             </a:r>
             <a:r>
               <a:rPr lang="en-US" sz="2000" b="0" dirty="0">
                 <a:solidFill>
+                  <a:srgbClr val="4FC1FF"/>
+                </a:solidFill>
+                <a:effectLst/>
+                <a:latin typeface="Menlo" panose="020B0609030804020204" pitchFamily="49" charset="0"/>
+              </a:rPr>
+              <a:t>questionID</a:t>
+            </a:r>
+            <a:r>
+              <a:rPr lang="en-US" sz="2000" b="0" dirty="0">
+                <a:solidFill>
+                  <a:schemeClr val="tx1"/>
+                </a:solidFill>
+                <a:effectLst/>
+                <a:latin typeface="Menlo" panose="020B0609030804020204" pitchFamily="49" charset="0"/>
+              </a:rPr>
+              <a:t>,</a:t>
+            </a:r>
+            <a:r>
+              <a:rPr lang="en-US" sz="2000" b="0" dirty="0">
+                <a:solidFill>
                   <a:srgbClr val="CCCCCC"/>
                 </a:solidFill>
                 <a:effectLst/>
                 <a:latin typeface="Menlo" panose="020B0609030804020204" pitchFamily="49" charset="0"/>
               </a:rPr>
-              <a:t>(</a:t>
-            </a:r>
-            <a:r>
-              <a:rPr lang="en-US" sz="2000" b="0" dirty="0" err="1">
+              <a:t> </a:t>
+            </a:r>
+            <a:r>
+              <a:rPr lang="en-US" sz="2000" b="0" dirty="0">
                 <a:solidFill>
                   <a:srgbClr val="4FC1FF"/>
                 </a:solidFill>
                 <a:effectLst/>
                 <a:latin typeface="Menlo" panose="020B0609030804020204" pitchFamily="49" charset="0"/>
               </a:rPr>
-              <a:t>questionID</a:t>
+              <a:t>user</a:t>
             </a:r>
             <a:r>
               <a:rPr lang="en-US" sz="2000" b="0" dirty="0">
@@ -33237,42 +32817,22 @@
                 <a:effectLst/>
                 <a:latin typeface="Menlo" panose="020B0609030804020204" pitchFamily="49" charset="0"/>
               </a:rPr>
-              <a:t>, </a:t>
-            </a:r>
-            <a:r>
-              <a:rPr lang="en-US" sz="2000" b="0" dirty="0" err="1">
-                <a:solidFill>
-                  <a:srgbClr val="4FC1FF"/>
+              <a:t>.</a:t>
+            </a:r>
+            <a:r>
+              <a:rPr lang="en-US" sz="2000" b="0" dirty="0">
+                <a:solidFill>
+                  <a:srgbClr val="9CDCFE"/>
                 </a:solidFill>
                 <a:effectLst/>
                 <a:latin typeface="Menlo" panose="020B0609030804020204" pitchFamily="49" charset="0"/>
               </a:rPr>
-              <a:t>user</a:t>
-            </a:r>
-            <a:r>
-              <a:rPr lang="en-US" sz="2000" b="0" dirty="0" err="1">
-                <a:solidFill>
-                  <a:srgbClr val="CCCCCC"/>
-                </a:solidFill>
-                <a:effectLst/>
-                <a:latin typeface="Menlo" panose="020B0609030804020204" pitchFamily="49" charset="0"/>
-              </a:rPr>
-              <a:t>.</a:t>
-            </a:r>
-            <a:r>
-              <a:rPr lang="en-US" sz="2000" b="0" dirty="0" err="1">
-                <a:solidFill>
-                  <a:srgbClr val="9CDCFE"/>
-                </a:solidFill>
-                <a:effectLst/>
-                <a:latin typeface="Menlo" panose="020B0609030804020204" pitchFamily="49" charset="0"/>
-              </a:rPr>
               <a:t>username</a:t>
             </a:r>
             <a:r>
               <a:rPr lang="en-US" sz="2000" b="0" dirty="0">
                 <a:solidFill>
-                  <a:srgbClr val="CCCCCC"/>
+                  <a:schemeClr val="tx1"/>
                 </a:solidFill>
                 <a:effectLst/>
                 <a:latin typeface="Menlo" panose="020B0609030804020204" pitchFamily="49" charset="0"/>
@@ -33298,34 +32858,44 @@
               <a:t>		</a:t>
             </a:r>
             <a:r>
-              <a:rPr lang="en-US" sz="2000" b="0" dirty="0" err="1">
-                <a:solidFill>
-                  <a:srgbClr val="DCDCAA"/>
+              <a:rPr lang="en-US" sz="2000" b="0" dirty="0">
+                <a:solidFill>
+                  <a:schemeClr val="tx1"/>
                 </a:solidFill>
                 <a:effectLst/>
                 <a:latin typeface="Menlo" panose="020B0609030804020204" pitchFamily="49" charset="0"/>
               </a:rPr>
-              <a:t>setQuestion</a:t>
+              <a:t>setQuestion(</a:t>
             </a:r>
             <a:r>
               <a:rPr lang="en-US" sz="2000" b="0" dirty="0">
                 <a:solidFill>
+                  <a:srgbClr val="4FC1FF"/>
+                </a:solidFill>
+                <a:effectLst/>
+                <a:latin typeface="Menlo" panose="020B0609030804020204" pitchFamily="49" charset="0"/>
+              </a:rPr>
+              <a:t>res</a:t>
+            </a:r>
+            <a:r>
+              <a:rPr lang="en-US" sz="2000" b="0" dirty="0">
+                <a:solidFill>
                   <a:srgbClr val="CCCCCC"/>
                 </a:solidFill>
                 <a:effectLst/>
                 <a:latin typeface="Menlo" panose="020B0609030804020204" pitchFamily="49" charset="0"/>
               </a:rPr>
-              <a:t>(</a:t>
+              <a:t> </a:t>
             </a:r>
             <a:r>
               <a:rPr lang="en-US" sz="2000" b="0" dirty="0">
                 <a:solidFill>
-                  <a:srgbClr val="4FC1FF"/>
+                  <a:schemeClr val="tx1"/>
                 </a:solidFill>
                 <a:effectLst/>
                 <a:latin typeface="Menlo" panose="020B0609030804020204" pitchFamily="49" charset="0"/>
               </a:rPr>
-              <a:t>res</a:t>
+              <a:t>||</a:t>
             </a:r>
             <a:r>
               <a:rPr lang="en-US" sz="2000" b="0" dirty="0">
@@ -33340,37 +32910,17 @@
             <a:r>
               <a:rPr lang="en-US" sz="2000" b="0" dirty="0">
                 <a:solidFill>
-                  <a:srgbClr val="D4D4D4"/>
+                  <a:srgbClr val="569CD6"/>
                 </a:solidFill>
                 <a:effectLst/>
                 <a:latin typeface="Menlo" panose="020B0609030804020204" pitchFamily="49" charset="0"/>
               </a:rPr>
-              <a:t>||</a:t>
+              <a:t>null</a:t>
             </a:r>
             <a:r>
               <a:rPr lang="en-US" sz="2000" b="0" dirty="0">
                 <a:solidFill>
-                  <a:srgbClr val="CCCCCC"/>
-                </a:solidFill>
-                <a:effectLst/>
-                <a:latin typeface="Menlo" panose="020B0609030804020204" pitchFamily="49" charset="0"/>
-              </a:rPr>
-              <a:t> </a:t>
-            </a:r>
-            <a:r>
-              <a:rPr lang="en-US" sz="2000" b="0" dirty="0">
-                <a:solidFill>
-                  <a:srgbClr val="569CD6"/>
-                </a:solidFill>
-                <a:effectLst/>
-                <a:latin typeface="Menlo" panose="020B0609030804020204" pitchFamily="49" charset="0"/>
-              </a:rPr>
-              <a:t>null</a:t>
-            </a:r>
-            <a:r>
-              <a:rPr lang="en-US" sz="2000" b="0" dirty="0">
-                <a:solidFill>
-                  <a:srgbClr val="CCCCCC"/>
+                  <a:schemeClr val="tx1"/>
                 </a:solidFill>
                 <a:effectLst/>
                 <a:latin typeface="Menlo" panose="020B0609030804020204" pitchFamily="49" charset="0"/>
@@ -33393,11 +32943,21 @@
                 <a:effectLst/>
                 <a:latin typeface="Menlo" panose="020B0609030804020204" pitchFamily="49" charset="0"/>
               </a:rPr>
-              <a:t>	   } </a:t>
+              <a:t>	  </a:t>
             </a:r>
             <a:r>
               <a:rPr lang="en-US" sz="2000" b="0" dirty="0">
                 <a:solidFill>
+                  <a:schemeClr val="tx1"/>
+                </a:solidFill>
+                <a:effectLst/>
+                <a:latin typeface="Menlo" panose="020B0609030804020204" pitchFamily="49" charset="0"/>
+              </a:rPr>
+              <a:t> } </a:t>
+            </a:r>
+            <a:r>
+              <a:rPr lang="en-US" sz="2000" b="0" dirty="0">
+                <a:solidFill>
                   <a:srgbClr val="C586C0"/>
                 </a:solidFill>
                 <a:effectLst/>
@@ -33413,11 +32973,21 @@
                 <a:effectLst/>
                 <a:latin typeface="Menlo" panose="020B0609030804020204" pitchFamily="49" charset="0"/>
               </a:rPr>
-              <a:t> (</a:t>
+              <a:t> </a:t>
             </a:r>
             <a:r>
               <a:rPr lang="en-US" sz="2000" b="0" dirty="0">
                 <a:solidFill>
+                  <a:schemeClr val="tx1"/>
+                </a:solidFill>
+                <a:effectLst/>
+                <a:latin typeface="Menlo" panose="020B0609030804020204" pitchFamily="49" charset="0"/>
+              </a:rPr>
+              <a:t>(</a:t>
+            </a:r>
+            <a:r>
+              <a:rPr lang="en-US" sz="2000" b="0" dirty="0">
+                <a:solidFill>
                   <a:srgbClr val="9CDCFE"/>
                 </a:solidFill>
                 <a:effectLst/>
@@ -33428,7 +32998,7 @@
             <a:r>
               <a:rPr lang="en-US" sz="2000" b="0" dirty="0">
                 <a:solidFill>
-                  <a:srgbClr val="CCCCCC"/>
+                  <a:schemeClr val="tx1"/>
                 </a:solidFill>
                 <a:effectLst/>
                 <a:latin typeface="Menlo" panose="020B0609030804020204" pitchFamily="49" charset="0"/>
@@ -33451,82 +33021,52 @@
                 <a:effectLst/>
                 <a:latin typeface="Menlo" panose="020B0609030804020204" pitchFamily="49" charset="0"/>
               </a:rPr>
-              <a:t>		</a:t>
-            </a:r>
-            <a:r>
-              <a:rPr lang="en-US" sz="2000" b="0" dirty="0" err="1">
+              <a:t>		console</a:t>
+            </a:r>
+            <a:r>
+              <a:rPr lang="en-US" sz="2000" b="0" dirty="0">
+                <a:solidFill>
+                  <a:schemeClr val="tx1"/>
+                </a:solidFill>
+                <a:effectLst/>
+                <a:latin typeface="Menlo" panose="020B0609030804020204" pitchFamily="49" charset="0"/>
+              </a:rPr>
+              <a:t>.error(</a:t>
+            </a:r>
+            <a:r>
+              <a:rPr lang="en-US" sz="2000" b="0" dirty="0">
+                <a:solidFill>
+                  <a:srgbClr val="CE9178"/>
+                </a:solidFill>
+                <a:effectLst/>
+                <a:latin typeface="Menlo" panose="020B0609030804020204" pitchFamily="49" charset="0"/>
+              </a:rPr>
+              <a:t>'Error fetching question:'</a:t>
+            </a:r>
+            <a:r>
+              <a:rPr lang="en-US" sz="2000" b="0" dirty="0">
+                <a:solidFill>
+                  <a:srgbClr val="CCCCCC"/>
+                </a:solidFill>
+                <a:effectLst/>
+                <a:latin typeface="Menlo" panose="020B0609030804020204" pitchFamily="49" charset="0"/>
+              </a:rPr>
+              <a:t>, </a:t>
+            </a:r>
+            <a:r>
+              <a:rPr lang="en-US" sz="2000" b="0" dirty="0">
                 <a:solidFill>
                   <a:srgbClr val="9CDCFE"/>
                 </a:solidFill>
                 <a:effectLst/>
                 <a:latin typeface="Menlo" panose="020B0609030804020204" pitchFamily="49" charset="0"/>
               </a:rPr>
-              <a:t>console</a:t>
-            </a:r>
-            <a:r>
-              <a:rPr lang="en-US" sz="2000" b="0" dirty="0" err="1">
-                <a:solidFill>
-                  <a:srgbClr val="CCCCCC"/>
-                </a:solidFill>
-                <a:effectLst/>
-                <a:latin typeface="Menlo" panose="020B0609030804020204" pitchFamily="49" charset="0"/>
-              </a:rPr>
-              <a:t>.</a:t>
-            </a:r>
-            <a:r>
-              <a:rPr lang="en-US" sz="2000" b="0" dirty="0" err="1">
-                <a:solidFill>
-                  <a:srgbClr val="DCDCAA"/>
-                </a:solidFill>
-                <a:effectLst/>
-                <a:latin typeface="Menlo" panose="020B0609030804020204" pitchFamily="49" charset="0"/>
-              </a:rPr>
               <a:t>error</a:t>
             </a:r>
             <a:r>
               <a:rPr lang="en-US" sz="2000" b="0" dirty="0">
                 <a:solidFill>
-                  <a:srgbClr val="CCCCCC"/>
-                </a:solidFill>
-                <a:effectLst/>
-                <a:latin typeface="Menlo" panose="020B0609030804020204" pitchFamily="49" charset="0"/>
-              </a:rPr>
-              <a:t>(</a:t>
-            </a:r>
-            <a:r>
-              <a:rPr lang="en-US" sz="2000" b="0" dirty="0">
-                <a:solidFill>
-                  <a:srgbClr val="CE9178"/>
-                </a:solidFill>
-                <a:effectLst/>
-                <a:latin typeface="Menlo" panose="020B0609030804020204" pitchFamily="49" charset="0"/>
-              </a:rPr>
-              <a:t>'Error fetching question:'</a:t>
-            </a:r>
-            <a:r>
-              <a:rPr lang="en-US" sz="2000" b="0" dirty="0">
-                <a:solidFill>
-                  <a:srgbClr val="CCCCCC"/>
-                </a:solidFill>
-                <a:effectLst/>
-                <a:latin typeface="Menlo" panose="020B0609030804020204" pitchFamily="49" charset="0"/>
-              </a:rPr>
-              <a:t>, </a:t>
-            </a:r>
-            <a:r>
-              <a:rPr lang="en-US" sz="2000" b="0" dirty="0">
-                <a:solidFill>
-                  <a:srgbClr val="9CDCFE"/>
-                </a:solidFill>
-                <a:effectLst/>
-                <a:latin typeface="Menlo" panose="020B0609030804020204" pitchFamily="49" charset="0"/>
-              </a:rPr>
-              <a:t>error</a:t>
-            </a:r>
-            <a:r>
-              <a:rPr lang="en-US" sz="2000" b="0" dirty="0">
-                <a:solidFill>
-                  <a:srgbClr val="CCCCCC"/>
+                  <a:schemeClr val="tx1"/>
                 </a:solidFill>
                 <a:effectLst/>
                 <a:latin typeface="Menlo" panose="020B0609030804020204" pitchFamily="49" charset="0"/>
@@ -33549,7 +33089,17 @@
                 <a:effectLst/>
                 <a:latin typeface="Menlo" panose="020B0609030804020204" pitchFamily="49" charset="0"/>
               </a:rPr>
-              <a:t>	  }</a:t>
+              <a:t>	</a:t>
+            </a:r>
+            <a:r>
+              <a:rPr lang="en-US" sz="2000" b="0" dirty="0">
+                <a:solidFill>
+                  <a:schemeClr val="tx1"/>
+                </a:solidFill>
+                <a:effectLst/>
+                <a:latin typeface="Menlo" panose="020B0609030804020204" pitchFamily="49" charset="0"/>
+              </a:rPr>
+              <a:t>  }</a:t>
             </a:r>
           </a:p>
           <a:p>
@@ -33562,7 +33112,7 @@
             <a:r>
               <a:rPr lang="en-US" sz="2000" b="0" dirty="0">
                 <a:solidFill>
-                  <a:srgbClr val="CCCCCC"/>
+                  <a:schemeClr val="tx1"/>
                 </a:solidFill>
                 <a:effectLst/>
                 <a:latin typeface="Menlo" panose="020B0609030804020204" pitchFamily="49" charset="0"/>
@@ -33588,34 +33138,44 @@
               <a:t>	</a:t>
             </a:r>
             <a:r>
-              <a:rPr lang="en-US" sz="2000" b="0" dirty="0" err="1">
-                <a:solidFill>
-                  <a:srgbClr val="DCDCAA"/>
+              <a:rPr lang="en-US" sz="2000" b="0" dirty="0">
+                <a:solidFill>
+                  <a:schemeClr val="tx1"/>
                 </a:solidFill>
                 <a:effectLst/>
                 <a:latin typeface="Menlo" panose="020B0609030804020204" pitchFamily="49" charset="0"/>
               </a:rPr>
-              <a:t>fetchData</a:t>
+              <a:t>fetchData().catch(</a:t>
             </a:r>
             <a:r>
               <a:rPr lang="en-US" sz="2000" b="0" dirty="0">
                 <a:solidFill>
+                  <a:srgbClr val="9CDCFE"/>
+                </a:solidFill>
+                <a:effectLst/>
+                <a:latin typeface="Menlo" panose="020B0609030804020204" pitchFamily="49" charset="0"/>
+              </a:rPr>
+              <a:t>e</a:t>
+            </a:r>
+            <a:r>
+              <a:rPr lang="en-US" sz="2000" b="0" dirty="0">
+                <a:solidFill>
                   <a:srgbClr val="CCCCCC"/>
                 </a:solidFill>
                 <a:effectLst/>
                 <a:latin typeface="Menlo" panose="020B0609030804020204" pitchFamily="49" charset="0"/>
               </a:rPr>
-              <a:t>().</a:t>
+              <a:t> </a:t>
             </a:r>
             <a:r>
               <a:rPr lang="en-US" sz="2000" b="0" dirty="0">
                 <a:solidFill>
-                  <a:srgbClr val="DCDCAA"/>
+                  <a:schemeClr val="tx1"/>
                 </a:solidFill>
                 <a:effectLst/>
                 <a:latin typeface="Menlo" panose="020B0609030804020204" pitchFamily="49" charset="0"/>
               </a:rPr>
-              <a:t>catch</a:t>
+              <a:t>=&gt;</a:t>
             </a:r>
             <a:r>
               <a:rPr lang="en-US" sz="2000" b="0" dirty="0">
@@ -33625,7 +33185,7 @@
                 <a:effectLst/>
                 <a:latin typeface="Menlo" panose="020B0609030804020204" pitchFamily="49" charset="0"/>
               </a:rPr>
-              <a:t>(</a:t>
+              <a:t> </a:t>
             </a:r>
             <a:r>
               <a:rPr lang="en-US" sz="2000" b="0" dirty="0">
@@ -33635,92 +33195,32 @@
                 <a:effectLst/>
                 <a:latin typeface="Menlo" panose="020B0609030804020204" pitchFamily="49" charset="0"/>
               </a:rPr>
+              <a:t>console</a:t>
+            </a:r>
+            <a:r>
+              <a:rPr lang="en-US" sz="2000" b="0" dirty="0">
+                <a:solidFill>
+                  <a:schemeClr val="tx1"/>
+                </a:solidFill>
+                <a:effectLst/>
+                <a:latin typeface="Menlo" panose="020B0609030804020204" pitchFamily="49" charset="0"/>
+              </a:rPr>
+              <a:t>.log(</a:t>
+            </a:r>
+            <a:r>
+              <a:rPr lang="en-US" sz="2000" b="0" dirty="0">
+                <a:solidFill>
+                  <a:srgbClr val="9CDCFE"/>
+                </a:solidFill>
+                <a:effectLst/>
+                <a:latin typeface="Menlo" panose="020B0609030804020204" pitchFamily="49" charset="0"/>
+              </a:rPr>
               <a:t>e</a:t>
             </a:r>
             <a:r>
               <a:rPr lang="en-US" sz="2000" b="0" dirty="0">
                 <a:solidFill>
-                  <a:srgbClr val="CCCCCC"/>
-                </a:solidFill>
-                <a:effectLst/>
-                <a:latin typeface="Menlo" panose="020B0609030804020204" pitchFamily="49" charset="0"/>
-              </a:rPr>
-              <a:t> </a:t>
-            </a:r>
-            <a:r>
-              <a:rPr lang="en-US" sz="2000" b="0" dirty="0">
-                <a:solidFill>
-                  <a:srgbClr val="569CD6"/>
-                </a:solidFill>
-                <a:effectLst/>
-                <a:latin typeface="Menlo" panose="020B0609030804020204" pitchFamily="49" charset="0"/>
-              </a:rPr>
-              <a:t>=&gt;</a:t>
-            </a:r>
-            <a:r>
-              <a:rPr lang="en-US" sz="2000" b="0" dirty="0">
-                <a:solidFill>
-                  <a:srgbClr val="CCCCCC"/>
-                </a:solidFill>
-                <a:effectLst/>
-                <a:latin typeface="Menlo" panose="020B0609030804020204" pitchFamily="49" charset="0"/>
-              </a:rPr>
-              <a:t> </a:t>
-            </a:r>
-            <a:r>
-              <a:rPr lang="en-US" sz="2000" b="0" dirty="0" err="1">
-                <a:solidFill>
-                  <a:srgbClr val="9CDCFE"/>
-                </a:solidFill>
-                <a:effectLst/>
-                <a:latin typeface="Menlo" panose="020B0609030804020204" pitchFamily="49" charset="0"/>
-              </a:rPr>
-              <a:t>console</a:t>
-            </a:r>
-            <a:r>
-              <a:rPr lang="en-US" sz="2000" b="0" dirty="0" err="1">
-                <a:solidFill>
-                  <a:srgbClr val="CCCCCC"/>
-                </a:solidFill>
-                <a:effectLst/>
-                <a:latin typeface="Menlo" panose="020B0609030804020204" pitchFamily="49" charset="0"/>
-              </a:rPr>
-              <a:t>.</a:t>
-            </a:r>
-            <a:r>
-              <a:rPr lang="en-US" sz="2000" b="0" dirty="0" err="1">
-                <a:solidFill>
-                  <a:srgbClr val="DCDCAA"/>
-                </a:solidFill>
-                <a:effectLst/>
-                <a:latin typeface="Menlo" panose="020B0609030804020204" pitchFamily="49" charset="0"/>
-              </a:rPr>
-              <a:t>log</a:t>
-            </a:r>
-            <a:r>
-              <a:rPr lang="en-US" sz="2000" b="0" dirty="0">
-                <a:solidFill>
-                  <a:srgbClr val="CCCCCC"/>
-                </a:solidFill>
-                <a:effectLst/>
-                <a:latin typeface="Menlo" panose="020B0609030804020204" pitchFamily="49" charset="0"/>
-              </a:rPr>
-              <a:t>(</a:t>
-            </a:r>
-            <a:r>
-              <a:rPr lang="en-US" sz="2000" b="0" dirty="0">
-                <a:solidFill>
-                  <a:srgbClr val="9CDCFE"/>
-                </a:solidFill>
-                <a:effectLst/>
-                <a:latin typeface="Menlo" panose="020B0609030804020204" pitchFamily="49" charset="0"/>
-              </a:rPr>
-              <a:t>e</a:t>
-            </a:r>
-            <a:r>
-              <a:rPr lang="en-US" sz="2000" b="0" dirty="0">
-                <a:solidFill>
-                  <a:srgbClr val="CCCCCC"/>
+                  <a:schemeClr val="tx1"/>
                 </a:solidFill>
                 <a:effectLst/>
                 <a:latin typeface="Menlo" panose="020B0609030804020204" pitchFamily="49" charset="0"/>
@@ -33738,22 +33238,52 @@
             <a:r>
               <a:rPr lang="en-US" sz="2000" b="0" dirty="0">
                 <a:solidFill>
+                  <a:schemeClr val="tx1"/>
+                </a:solidFill>
+                <a:effectLst/>
+                <a:latin typeface="Menlo" panose="020B0609030804020204" pitchFamily="49" charset="0"/>
+              </a:rPr>
+              <a:t>}, [</a:t>
+            </a:r>
+            <a:r>
+              <a:rPr lang="en-US" sz="2000" b="0" dirty="0">
+                <a:solidFill>
+                  <a:srgbClr val="4FC1FF"/>
+                </a:solidFill>
+                <a:effectLst/>
+                <a:latin typeface="Menlo" panose="020B0609030804020204" pitchFamily="49" charset="0"/>
+              </a:rPr>
+              <a:t>questionID</a:t>
+            </a:r>
+            <a:r>
+              <a:rPr lang="en-US" sz="2000" b="0" dirty="0">
+                <a:solidFill>
+                  <a:schemeClr val="tx1"/>
+                </a:solidFill>
+                <a:effectLst/>
+                <a:latin typeface="Menlo" panose="020B0609030804020204" pitchFamily="49" charset="0"/>
+              </a:rPr>
+              <a:t>,</a:t>
+            </a:r>
+            <a:r>
+              <a:rPr lang="en-US" sz="2000" b="0" dirty="0">
+                <a:solidFill>
                   <a:srgbClr val="CCCCCC"/>
                 </a:solidFill>
                 <a:effectLst/>
                 <a:latin typeface="Menlo" panose="020B0609030804020204" pitchFamily="49" charset="0"/>
               </a:rPr>
-              <a:t>}, [</a:t>
-            </a:r>
-            <a:r>
-              <a:rPr lang="en-US" sz="2000" b="0" dirty="0" err="1">
+              <a:t> </a:t>
+            </a:r>
+            <a:r>
+              <a:rPr lang="en-US" sz="2000" b="0" dirty="0">
                 <a:solidFill>
                   <a:srgbClr val="4FC1FF"/>
                 </a:solidFill>
                 <a:effectLst/>
                 <a:latin typeface="Menlo" panose="020B0609030804020204" pitchFamily="49" charset="0"/>
               </a:rPr>
-              <a:t>questionID</a:t>
+              <a:t>user</a:t>
             </a:r>
             <a:r>
               <a:rPr lang="en-US" sz="2000" b="0" dirty="0">
@@ -33763,42 +33293,22 @@
                 <a:effectLst/>
                 <a:latin typeface="Menlo" panose="020B0609030804020204" pitchFamily="49" charset="0"/>
               </a:rPr>
-              <a:t>, </a:t>
-            </a:r>
-            <a:r>
-              <a:rPr lang="en-US" sz="2000" b="0" dirty="0" err="1">
-                <a:solidFill>
-                  <a:srgbClr val="4FC1FF"/>
+              <a:t>.</a:t>
+            </a:r>
+            <a:r>
+              <a:rPr lang="en-US" sz="2000" b="0" dirty="0">
+                <a:solidFill>
+                  <a:srgbClr val="9CDCFE"/>
                 </a:solidFill>
                 <a:effectLst/>
                 <a:latin typeface="Menlo" panose="020B0609030804020204" pitchFamily="49" charset="0"/>
               </a:rPr>
-              <a:t>user</a:t>
-            </a:r>
-            <a:r>
-              <a:rPr lang="en-US" sz="2000" b="0" dirty="0" err="1">
-                <a:solidFill>
-                  <a:srgbClr val="CCCCCC"/>
-                </a:solidFill>
-                <a:effectLst/>
-                <a:latin typeface="Menlo" panose="020B0609030804020204" pitchFamily="49" charset="0"/>
-              </a:rPr>
-              <a:t>.</a:t>
-            </a:r>
-            <a:r>
-              <a:rPr lang="en-US" sz="2000" b="0" dirty="0" err="1">
-                <a:solidFill>
-                  <a:srgbClr val="9CDCFE"/>
-                </a:solidFill>
-                <a:effectLst/>
-                <a:latin typeface="Menlo" panose="020B0609030804020204" pitchFamily="49" charset="0"/>
-              </a:rPr>
               <a:t>username</a:t>
             </a:r>
             <a:r>
               <a:rPr lang="en-US" sz="2000" b="0" dirty="0">
                 <a:solidFill>
-                  <a:srgbClr val="CCCCCC"/>
+                  <a:schemeClr val="tx1"/>
                 </a:solidFill>
                 <a:effectLst/>
                 <a:latin typeface="Menlo" panose="020B0609030804020204" pitchFamily="49" charset="0"/>
@@ -34006,15 +33516,7 @@
             </a:pPr>
             <a:r>
               <a:rPr lang="en-US" dirty="0"/>
-              <a:t>Run effect only when </a:t>
-            </a:r>
-            <a:r>
-              <a:rPr lang="en-US" dirty="0" err="1"/>
-              <a:t>questionID</a:t>
-            </a:r>
-            <a:r>
-              <a:rPr lang="en-US" dirty="0"/>
-              <a:t> and username changes</a:t>
+              <a:t>Run effect only when questionID and username changes</a:t>
             </a:r>
             <a:endParaRPr kumimoji="0" lang="en-US" b="0" i="0" u="none" strike="noStrike" cap="none" spc="0" normalizeH="0" baseline="0" dirty="0">
               <a:ln>
@@ -34356,7 +33858,7 @@
               <a:t> </a:t>
             </a:r>
             <a:r>
-              <a:rPr lang="en-US" sz="1600" dirty="0" err="1">
+              <a:rPr lang="en-US" sz="1600" dirty="0">
                 <a:solidFill>
                   <a:srgbClr val="9CDCFE"/>
                 </a:solidFill>
@@ -34546,18 +34048,28 @@
               <a:t> </a:t>
             </a:r>
             <a:r>
-              <a:rPr lang="en-US" sz="1600" dirty="0" err="1">
-                <a:solidFill>
-                  <a:srgbClr val="DCDCAA"/>
+              <a:rPr lang="en-US" sz="1600" dirty="0">
+                <a:solidFill>
+                  <a:schemeClr val="tx1"/>
                 </a:solidFill>
                 <a:latin typeface="Consolas" panose="020B0609020204030204" pitchFamily="49" charset="0"/>
                 <a:cs typeface="Consolas" panose="020B0609020204030204" pitchFamily="49" charset="0"/>
               </a:rPr>
-              <a:t>getQuestionById</a:t>
+              <a:t>getQuestionById = </a:t>
             </a:r>
             <a:r>
               <a:rPr lang="en-US" sz="1600" dirty="0">
                 <a:solidFill>
+                  <a:srgbClr val="569CD6"/>
+                </a:solidFill>
+                <a:latin typeface="Consolas" panose="020B0609020204030204" pitchFamily="49" charset="0"/>
+                <a:cs typeface="Consolas" panose="020B0609020204030204" pitchFamily="49" charset="0"/>
+              </a:rPr>
+              <a:t>async</a:t>
+            </a:r>
+            <a:r>
+              <a:rPr lang="en-US" sz="1600" dirty="0">
+                <a:solidFill>
                   <a:srgbClr val="CCCCCC"/>
                 </a:solidFill>
                 <a:latin typeface="Consolas" panose="020B0609020204030204" pitchFamily="49" charset="0"/>
@@ -34568,42 +34080,12 @@
             <a:r>
               <a:rPr lang="en-US" sz="1600" dirty="0">
                 <a:solidFill>
-                  <a:srgbClr val="D4D4D4"/>
+                  <a:schemeClr val="tx1"/>
                 </a:solidFill>
                 <a:latin typeface="Consolas" panose="020B0609020204030204" pitchFamily="49" charset="0"/>
                 <a:cs typeface="Consolas" panose="020B0609020204030204" pitchFamily="49" charset="0"/>
               </a:rPr>
-              <a:t>=</a:t>
-            </a:r>
-            <a:r>
-              <a:rPr lang="en-US" sz="1600" dirty="0">
-                <a:solidFill>
-                  <a:srgbClr val="CCCCCC"/>
-                </a:solidFill>
-                <a:latin typeface="Consolas" panose="020B0609020204030204" pitchFamily="49" charset="0"/>
-                <a:cs typeface="Consolas" panose="020B0609020204030204" pitchFamily="49" charset="0"/>
-              </a:rPr>
-              <a:t> </a:t>
-            </a:r>
-            <a:r>
-              <a:rPr lang="en-US" sz="1600" dirty="0">
-                <a:solidFill>
-                  <a:srgbClr val="569CD6"/>
-                </a:solidFill>
-                <a:latin typeface="Consolas" panose="020B0609020204030204" pitchFamily="49" charset="0"/>
-                <a:cs typeface="Consolas" panose="020B0609020204030204" pitchFamily="49" charset="0"/>
-              </a:rPr>
-              <a:t>async</a:t>
-            </a:r>
-            <a:r>
-              <a:rPr lang="en-US" sz="1600" dirty="0">
-                <a:solidFill>
-                  <a:srgbClr val="CCCCCC"/>
-                </a:solidFill>
-                <a:latin typeface="Consolas" panose="020B0609020204030204" pitchFamily="49" charset="0"/>
-                <a:cs typeface="Consolas" panose="020B0609020204030204" pitchFamily="49" charset="0"/>
-              </a:rPr>
-              <a:t> (</a:t>
+              <a:t>(</a:t>
             </a:r>
           </a:p>
           <a:p>
@@ -34614,7 +34096,7 @@
               <a:buNone/>
             </a:pPr>
             <a:r>
-              <a:rPr lang="en-US" sz="1600" dirty="0" err="1">
+              <a:rPr lang="en-US" sz="1600" dirty="0">
                 <a:solidFill>
                   <a:srgbClr val="9CDCFE"/>
                 </a:solidFill>
@@ -34626,7 +34108,7 @@
             <a:r>
               <a:rPr lang="en-US" sz="1600" dirty="0">
                 <a:solidFill>
-                  <a:srgbClr val="D4D4D4"/>
+                  <a:schemeClr val="tx1"/>
                 </a:solidFill>
                 <a:latin typeface="Consolas" panose="020B0609020204030204" pitchFamily="49" charset="0"/>
                 <a:cs typeface="Consolas" panose="020B0609020204030204" pitchFamily="49" charset="0"/>
@@ -34684,7 +34166,7 @@
             <a:r>
               <a:rPr lang="en-US" sz="1600" dirty="0">
                 <a:solidFill>
-                  <a:srgbClr val="D4D4D4"/>
+                  <a:schemeClr val="tx1"/>
                 </a:solidFill>
                 <a:latin typeface="Consolas" panose="020B0609020204030204" pitchFamily="49" charset="0"/>
                 <a:cs typeface="Consolas" panose="020B0609020204030204" pitchFamily="49" charset="0"/>
@@ -34732,32 +34214,42 @@
             <a:r>
               <a:rPr lang="en-US" sz="1600" dirty="0">
                 <a:solidFill>
+                  <a:schemeClr val="tx1"/>
+                </a:solidFill>
+                <a:latin typeface="Consolas" panose="020B0609020204030204" pitchFamily="49" charset="0"/>
+                <a:cs typeface="Consolas" panose="020B0609020204030204" pitchFamily="49" charset="0"/>
+              </a:rPr>
+              <a:t>):</a:t>
+            </a:r>
+            <a:r>
+              <a:rPr lang="en-US" sz="1600" dirty="0">
+                <a:solidFill>
                   <a:srgbClr val="CCCCCC"/>
                 </a:solidFill>
                 <a:latin typeface="Consolas" panose="020B0609020204030204" pitchFamily="49" charset="0"/>
                 <a:cs typeface="Consolas" panose="020B0609020204030204" pitchFamily="49" charset="0"/>
               </a:rPr>
-              <a:t>)</a:t>
+              <a:t> </a:t>
             </a:r>
             <a:r>
               <a:rPr lang="en-US" sz="1600" dirty="0">
                 <a:solidFill>
-                  <a:srgbClr val="D4D4D4"/>
+                  <a:srgbClr val="4EC9B0"/>
                 </a:solidFill>
                 <a:latin typeface="Consolas" panose="020B0609020204030204" pitchFamily="49" charset="0"/>
                 <a:cs typeface="Consolas" panose="020B0609020204030204" pitchFamily="49" charset="0"/>
               </a:rPr>
-              <a:t>:</a:t>
+              <a:t>Promise</a:t>
             </a:r>
             <a:r>
               <a:rPr lang="en-US" sz="1600" dirty="0">
                 <a:solidFill>
-                  <a:srgbClr val="CCCCCC"/>
+                  <a:schemeClr val="tx1"/>
                 </a:solidFill>
                 <a:latin typeface="Consolas" panose="020B0609020204030204" pitchFamily="49" charset="0"/>
                 <a:cs typeface="Consolas" panose="020B0609020204030204" pitchFamily="49" charset="0"/>
               </a:rPr>
-              <a:t> </a:t>
+              <a:t>&lt;</a:t>
             </a:r>
             <a:r>
               <a:rPr lang="en-US" sz="1600" dirty="0">
@@ -34767,57 +34259,17 @@
                 <a:latin typeface="Consolas" panose="020B0609020204030204" pitchFamily="49" charset="0"/>
                 <a:cs typeface="Consolas" panose="020B0609020204030204" pitchFamily="49" charset="0"/>
               </a:rPr>
-              <a:t>Promise</a:t>
+              <a:t>PopulatedDatabaseQuestion</a:t>
             </a:r>
             <a:r>
               <a:rPr lang="en-US" sz="1600" dirty="0">
                 <a:solidFill>
-                  <a:srgbClr val="CCCCCC"/>
+                  <a:schemeClr val="tx1"/>
                 </a:solidFill>
                 <a:latin typeface="Consolas" panose="020B0609020204030204" pitchFamily="49" charset="0"/>
                 <a:cs typeface="Consolas" panose="020B0609020204030204" pitchFamily="49" charset="0"/>
               </a:rPr>
-              <a:t>&lt;</a:t>
-            </a:r>
-            <a:r>
-              <a:rPr lang="en-US" sz="1600" dirty="0" err="1">
-                <a:solidFill>
-                  <a:srgbClr val="4EC9B0"/>
-                </a:solidFill>
-                <a:latin typeface="Consolas" panose="020B0609020204030204" pitchFamily="49" charset="0"/>
-                <a:cs typeface="Consolas" panose="020B0609020204030204" pitchFamily="49" charset="0"/>
-              </a:rPr>
-              <a:t>PopulatedDatabaseQuestion</a:t>
-            </a:r>
-            <a:r>
-              <a:rPr lang="en-US" sz="1600" dirty="0">
-                <a:solidFill>
-                  <a:srgbClr val="CCCCCC"/>
-                </a:solidFill>
-                <a:latin typeface="Consolas" panose="020B0609020204030204" pitchFamily="49" charset="0"/>
-                <a:cs typeface="Consolas" panose="020B0609020204030204" pitchFamily="49" charset="0"/>
-              </a:rPr>
-              <a:t>&gt; </a:t>
-            </a:r>
-            <a:r>
-              <a:rPr lang="en-US" sz="1600" dirty="0">
-                <a:solidFill>
-                  <a:srgbClr val="569CD6"/>
-                </a:solidFill>
-                <a:latin typeface="Consolas" panose="020B0609020204030204" pitchFamily="49" charset="0"/>
-                <a:cs typeface="Consolas" panose="020B0609020204030204" pitchFamily="49" charset="0"/>
-              </a:rPr>
-              <a:t>=&gt;</a:t>
-            </a:r>
-            <a:r>
-              <a:rPr lang="en-US" sz="1600" dirty="0">
-                <a:solidFill>
-                  <a:srgbClr val="CCCCCC"/>
-                </a:solidFill>
-                <a:latin typeface="Consolas" panose="020B0609020204030204" pitchFamily="49" charset="0"/>
-                <a:cs typeface="Consolas" panose="020B0609020204030204" pitchFamily="49" charset="0"/>
-              </a:rPr>
-              <a:t> {</a:t>
+              <a:t>&gt; =&gt; {</a:t>
             </a:r>
           </a:p>
           <a:p>
@@ -34835,7 +34287,7 @@
                 <a:latin typeface="Consolas" panose="020B0609020204030204" pitchFamily="49" charset="0"/>
                 <a:cs typeface="Consolas" panose="020B0609020204030204" pitchFamily="49" charset="0"/>
               </a:rPr>
-              <a:t>const</a:t>
+              <a:t> const</a:t>
             </a:r>
             <a:r>
               <a:rPr lang="en-US" sz="1600" dirty="0">
@@ -34870,7 +34322,7 @@
             <a:r>
               <a:rPr lang="en-US" sz="1600" dirty="0">
                 <a:solidFill>
-                  <a:srgbClr val="D4D4D4"/>
+                  <a:schemeClr val="tx1"/>
                 </a:solidFill>
                 <a:latin typeface="Consolas" panose="020B0609020204030204" pitchFamily="49" charset="0"/>
                 <a:cs typeface="Consolas" panose="020B0609020204030204" pitchFamily="49" charset="0"/>
@@ -34908,7 +34360,7 @@
               <a:t> </a:t>
             </a:r>
             <a:r>
-              <a:rPr lang="en-US" sz="1600" dirty="0" err="1">
+              <a:rPr lang="en-US" sz="1600" dirty="0">
                 <a:solidFill>
                   <a:srgbClr val="4FC1FF"/>
                 </a:solidFill>
@@ -34918,44 +34370,54 @@
               <a:t>api</a:t>
             </a:r>
             <a:r>
-              <a:rPr lang="en-US" sz="1600" dirty="0" err="1">
-                <a:solidFill>
-                  <a:srgbClr val="CCCCCC"/>
+              <a:rPr lang="en-US" sz="1600" dirty="0">
+                <a:solidFill>
+                  <a:schemeClr val="tx1"/>
                 </a:solidFill>
                 <a:latin typeface="Consolas" panose="020B0609020204030204" pitchFamily="49" charset="0"/>
                 <a:cs typeface="Consolas" panose="020B0609020204030204" pitchFamily="49" charset="0"/>
               </a:rPr>
-              <a:t>.</a:t>
-            </a:r>
-            <a:r>
-              <a:rPr lang="en-US" sz="1600" dirty="0" err="1">
-                <a:solidFill>
-                  <a:srgbClr val="DCDCAA"/>
+              <a:t>.get(`</a:t>
+            </a:r>
+            <a:r>
+              <a:rPr lang="en-US" sz="1600" dirty="0">
+                <a:solidFill>
+                  <a:srgbClr val="569CD6"/>
                 </a:solidFill>
                 <a:latin typeface="Consolas" panose="020B0609020204030204" pitchFamily="49" charset="0"/>
                 <a:cs typeface="Consolas" panose="020B0609020204030204" pitchFamily="49" charset="0"/>
               </a:rPr>
-              <a:t>get</a:t>
+              <a:t>${</a:t>
             </a:r>
             <a:r>
               <a:rPr lang="en-US" sz="1600" dirty="0">
                 <a:solidFill>
-                  <a:srgbClr val="CCCCCC"/>
+                  <a:srgbClr val="4FC1FF"/>
                 </a:solidFill>
                 <a:latin typeface="Consolas" panose="020B0609020204030204" pitchFamily="49" charset="0"/>
                 <a:cs typeface="Consolas" panose="020B0609020204030204" pitchFamily="49" charset="0"/>
               </a:rPr>
-              <a:t>(</a:t>
+              <a:t>QUESTION_API_URL</a:t>
             </a:r>
             <a:r>
               <a:rPr lang="en-US" sz="1600" dirty="0">
                 <a:solidFill>
+                  <a:srgbClr val="569CD6"/>
+                </a:solidFill>
+                <a:latin typeface="Consolas" panose="020B0609020204030204" pitchFamily="49" charset="0"/>
+                <a:cs typeface="Consolas" panose="020B0609020204030204" pitchFamily="49" charset="0"/>
+              </a:rPr>
+              <a:t>}</a:t>
+            </a:r>
+            <a:r>
+              <a:rPr lang="en-US" sz="1600" dirty="0">
+                <a:solidFill>
                   <a:srgbClr val="CE9178"/>
                 </a:solidFill>
                 <a:latin typeface="Consolas" panose="020B0609020204030204" pitchFamily="49" charset="0"/>
                 <a:cs typeface="Consolas" panose="020B0609020204030204" pitchFamily="49" charset="0"/>
               </a:rPr>
-              <a:t>`</a:t>
+              <a:t>/getQuestionById/</a:t>
             </a:r>
             <a:r>
               <a:rPr lang="en-US" sz="1600" dirty="0">
@@ -34970,12 +34432,12 @@
             <a:r>
               <a:rPr lang="en-US" sz="1600" dirty="0">
                 <a:solidFill>
-                  <a:srgbClr val="4FC1FF"/>
+                  <a:srgbClr val="9CDCFE"/>
                 </a:solidFill>
                 <a:latin typeface="Consolas" panose="020B0609020204030204" pitchFamily="49" charset="0"/>
                 <a:cs typeface="Consolas" panose="020B0609020204030204" pitchFamily="49" charset="0"/>
               </a:rPr>
-              <a:t>QUESTION_API_URL</a:t>
+              <a:t>qid</a:t>
             </a:r>
             <a:r>
               <a:rPr lang="en-US" sz="1600" dirty="0">
@@ -34995,27 +34457,27 @@
                 <a:latin typeface="Consolas" panose="020B0609020204030204" pitchFamily="49" charset="0"/>
                 <a:cs typeface="Consolas" panose="020B0609020204030204" pitchFamily="49" charset="0"/>
               </a:rPr>
-              <a:t>/</a:t>
-            </a:r>
-            <a:r>
-              <a:rPr lang="en-US" sz="1600" dirty="0" err="1">
-                <a:solidFill>
-                  <a:srgbClr val="CE9178"/>
+              <a:t>?username=</a:t>
+            </a:r>
+            <a:r>
+              <a:rPr lang="en-US" sz="1600" dirty="0">
+                <a:solidFill>
+                  <a:srgbClr val="569CD6"/>
                 </a:solidFill>
                 <a:latin typeface="Consolas" panose="020B0609020204030204" pitchFamily="49" charset="0"/>
                 <a:cs typeface="Consolas" panose="020B0609020204030204" pitchFamily="49" charset="0"/>
               </a:rPr>
-              <a:t>getQuestionById</a:t>
+              <a:t>${</a:t>
             </a:r>
             <a:r>
               <a:rPr lang="en-US" sz="1600" dirty="0">
                 <a:solidFill>
-                  <a:srgbClr val="CE9178"/>
+                  <a:srgbClr val="9CDCFE"/>
                 </a:solidFill>
                 <a:latin typeface="Consolas" panose="020B0609020204030204" pitchFamily="49" charset="0"/>
                 <a:cs typeface="Consolas" panose="020B0609020204030204" pitchFamily="49" charset="0"/>
               </a:rPr>
-              <a:t>/</a:t>
+              <a:t>username</a:t>
             </a:r>
             <a:r>
               <a:rPr lang="en-US" sz="1600" dirty="0">
@@ -35025,87 +34487,17 @@
                 <a:latin typeface="Consolas" panose="020B0609020204030204" pitchFamily="49" charset="0"/>
                 <a:cs typeface="Consolas" panose="020B0609020204030204" pitchFamily="49" charset="0"/>
               </a:rPr>
-              <a:t>${</a:t>
-            </a:r>
-            <a:r>
-              <a:rPr lang="en-US" sz="1600" dirty="0" err="1">
-                <a:solidFill>
-                  <a:srgbClr val="9CDCFE"/>
+              <a:t>}</a:t>
+            </a:r>
+            <a:r>
+              <a:rPr lang="en-US" sz="1600" dirty="0">
+                <a:solidFill>
+                  <a:schemeClr val="tx1"/>
                 </a:solidFill>
                 <a:latin typeface="Consolas" panose="020B0609020204030204" pitchFamily="49" charset="0"/>
                 <a:cs typeface="Consolas" panose="020B0609020204030204" pitchFamily="49" charset="0"/>
               </a:rPr>
-              <a:t>qid</a:t>
-            </a:r>
-            <a:r>
-              <a:rPr lang="en-US" sz="1600" dirty="0">
-                <a:solidFill>
-                  <a:srgbClr val="569CD6"/>
-                </a:solidFill>
-                <a:latin typeface="Consolas" panose="020B0609020204030204" pitchFamily="49" charset="0"/>
-                <a:cs typeface="Consolas" panose="020B0609020204030204" pitchFamily="49" charset="0"/>
-              </a:rPr>
-              <a:t>}</a:t>
-            </a:r>
-            <a:r>
-              <a:rPr lang="en-US" sz="1600" dirty="0">
-                <a:solidFill>
-                  <a:srgbClr val="CE9178"/>
-                </a:solidFill>
-                <a:latin typeface="Consolas" panose="020B0609020204030204" pitchFamily="49" charset="0"/>
-                <a:cs typeface="Consolas" panose="020B0609020204030204" pitchFamily="49" charset="0"/>
-              </a:rPr>
-              <a:t>?username=</a:t>
-            </a:r>
-            <a:r>
-              <a:rPr lang="en-US" sz="1600" dirty="0">
-                <a:solidFill>
-                  <a:srgbClr val="569CD6"/>
-                </a:solidFill>
-                <a:latin typeface="Consolas" panose="020B0609020204030204" pitchFamily="49" charset="0"/>
-                <a:cs typeface="Consolas" panose="020B0609020204030204" pitchFamily="49" charset="0"/>
-              </a:rPr>
-              <a:t>${</a:t>
-            </a:r>
-            <a:r>
-              <a:rPr lang="en-US" sz="1600" dirty="0">
-                <a:solidFill>
-                  <a:srgbClr val="9CDCFE"/>
-                </a:solidFill>
-                <a:latin typeface="Consolas" panose="020B0609020204030204" pitchFamily="49" charset="0"/>
-                <a:cs typeface="Consolas" panose="020B0609020204030204" pitchFamily="49" charset="0"/>
-              </a:rPr>
-              <a:t>username</a:t>
-            </a:r>
-            <a:r>
-              <a:rPr lang="en-US" sz="1600" dirty="0">
-                <a:solidFill>
-                  <a:srgbClr val="569CD6"/>
-                </a:solidFill>
-                <a:latin typeface="Consolas" panose="020B0609020204030204" pitchFamily="49" charset="0"/>
-                <a:cs typeface="Consolas" panose="020B0609020204030204" pitchFamily="49" charset="0"/>
-              </a:rPr>
-              <a:t>}</a:t>
-            </a:r>
-            <a:r>
-              <a:rPr lang="en-US" sz="1600" dirty="0">
-                <a:solidFill>
-                  <a:srgbClr val="CE9178"/>
-                </a:solidFill>
-                <a:latin typeface="Consolas" panose="020B0609020204030204" pitchFamily="49" charset="0"/>
-                <a:cs typeface="Consolas" panose="020B0609020204030204" pitchFamily="49" charset="0"/>
-              </a:rPr>
-              <a:t>`</a:t>
-            </a:r>
-            <a:r>
-              <a:rPr lang="en-US" sz="1600" dirty="0">
-                <a:solidFill>
-                  <a:srgbClr val="CCCCCC"/>
-                </a:solidFill>
-                <a:latin typeface="Consolas" panose="020B0609020204030204" pitchFamily="49" charset="0"/>
-                <a:cs typeface="Consolas" panose="020B0609020204030204" pitchFamily="49" charset="0"/>
-              </a:rPr>
-              <a:t>);</a:t>
+              <a:t>`);</a:t>
             </a:r>
           </a:p>
           <a:p>
@@ -35123,7 +34515,7 @@
                 <a:latin typeface="Consolas" panose="020B0609020204030204" pitchFamily="49" charset="0"/>
                 <a:cs typeface="Consolas" panose="020B0609020204030204" pitchFamily="49" charset="0"/>
               </a:rPr>
-              <a:t>if</a:t>
+              <a:t> if</a:t>
             </a:r>
             <a:r>
               <a:rPr lang="en-US" sz="1600" dirty="0">
@@ -35133,10 +34525,20 @@
                 <a:latin typeface="Consolas" panose="020B0609020204030204" pitchFamily="49" charset="0"/>
                 <a:cs typeface="Consolas" panose="020B0609020204030204" pitchFamily="49" charset="0"/>
               </a:rPr>
-              <a:t> (</a:t>
-            </a:r>
-            <a:r>
-              <a:rPr lang="en-US" sz="1600" dirty="0" err="1">
+              <a:t> </a:t>
+            </a:r>
+            <a:r>
+              <a:rPr lang="en-US" sz="1600" dirty="0">
+                <a:solidFill>
+                  <a:schemeClr val="tx1"/>
+                </a:solidFill>
+                <a:latin typeface="Consolas" panose="020B0609020204030204" pitchFamily="49" charset="0"/>
+                <a:cs typeface="Consolas" panose="020B0609020204030204" pitchFamily="49" charset="0"/>
+              </a:rPr>
+              <a:t>(</a:t>
+            </a:r>
+            <a:r>
+              <a:rPr lang="en-US" sz="1600" dirty="0">
                 <a:solidFill>
                   <a:srgbClr val="4FC1FF"/>
                 </a:solidFill>
@@ -35146,7 +34548,7 @@
               <a:t>res</a:t>
             </a:r>
             <a:r>
-              <a:rPr lang="en-US" sz="1600" dirty="0" err="1">
+              <a:rPr lang="en-US" sz="1600" dirty="0">
                 <a:solidFill>
                   <a:srgbClr val="CCCCCC"/>
                 </a:solidFill>
@@ -35156,7 +34558,7 @@
               <a:t>.</a:t>
             </a:r>
             <a:r>
-              <a:rPr lang="en-US" sz="1600" dirty="0" err="1">
+              <a:rPr lang="en-US" sz="1600" dirty="0">
                 <a:solidFill>
                   <a:srgbClr val="9CDCFE"/>
                 </a:solidFill>
@@ -35178,42 +34580,12 @@
             <a:r>
               <a:rPr lang="en-US" sz="1600" dirty="0">
                 <a:solidFill>
-                  <a:srgbClr val="D4D4D4"/>
+                  <a:schemeClr val="tx1"/>
                 </a:solidFill>
                 <a:latin typeface="Consolas" panose="020B0609020204030204" pitchFamily="49" charset="0"/>
                 <a:cs typeface="Consolas" panose="020B0609020204030204" pitchFamily="49" charset="0"/>
               </a:rPr>
-              <a:t>!==</a:t>
-            </a:r>
-            <a:r>
-              <a:rPr lang="en-US" sz="1600" dirty="0">
-                <a:solidFill>
-                  <a:srgbClr val="CCCCCC"/>
-                </a:solidFill>
-                <a:latin typeface="Consolas" panose="020B0609020204030204" pitchFamily="49" charset="0"/>
-                <a:cs typeface="Consolas" panose="020B0609020204030204" pitchFamily="49" charset="0"/>
-              </a:rPr>
-              <a:t> </a:t>
-            </a:r>
-            <a:r>
-              <a:rPr lang="en-US" sz="1600" dirty="0">
-                <a:solidFill>
-                  <a:srgbClr val="B5CEA8"/>
-                </a:solidFill>
-                <a:latin typeface="Consolas" panose="020B0609020204030204" pitchFamily="49" charset="0"/>
-                <a:cs typeface="Consolas" panose="020B0609020204030204" pitchFamily="49" charset="0"/>
-              </a:rPr>
-              <a:t>200</a:t>
-            </a:r>
-            <a:r>
-              <a:rPr lang="en-US" sz="1600" dirty="0">
-                <a:solidFill>
-                  <a:srgbClr val="CCCCCC"/>
-                </a:solidFill>
-                <a:latin typeface="Consolas" panose="020B0609020204030204" pitchFamily="49" charset="0"/>
-                <a:cs typeface="Consolas" panose="020B0609020204030204" pitchFamily="49" charset="0"/>
-              </a:rPr>
-              <a:t>) {</a:t>
+              <a:t>!== 200) {</a:t>
             </a:r>
           </a:p>
           <a:p>
@@ -35231,7 +34603,7 @@
                 <a:latin typeface="Consolas" panose="020B0609020204030204" pitchFamily="49" charset="0"/>
                 <a:cs typeface="Consolas" panose="020B0609020204030204" pitchFamily="49" charset="0"/>
               </a:rPr>
-              <a:t>	throw</a:t>
+              <a:t> 	throw</a:t>
             </a:r>
             <a:r>
               <a:rPr lang="en-US" sz="1600" dirty="0">
@@ -35276,7 +34648,7 @@
             <a:r>
               <a:rPr lang="en-US" sz="1600" dirty="0">
                 <a:solidFill>
-                  <a:srgbClr val="CCCCCC"/>
+                  <a:schemeClr val="tx1"/>
                 </a:solidFill>
                 <a:latin typeface="Consolas" panose="020B0609020204030204" pitchFamily="49" charset="0"/>
                 <a:cs typeface="Consolas" panose="020B0609020204030204" pitchFamily="49" charset="0"/>
@@ -35291,12 +34663,12 @@
                 <a:latin typeface="Consolas" panose="020B0609020204030204" pitchFamily="49" charset="0"/>
                 <a:cs typeface="Consolas" panose="020B0609020204030204" pitchFamily="49" charset="0"/>
               </a:rPr>
-              <a:t>'Error when fetching question by id'</a:t>
+              <a:t>'Error when fetching question by id’</a:t>
             </a:r>
             <a:r>
               <a:rPr lang="en-US" sz="1600" dirty="0">
                 <a:solidFill>
-                  <a:srgbClr val="CCCCCC"/>
+                  <a:schemeClr val="tx1"/>
                 </a:solidFill>
                 <a:latin typeface="Consolas" panose="020B0609020204030204" pitchFamily="49" charset="0"/>
                 <a:cs typeface="Consolas" panose="020B0609020204030204" pitchFamily="49" charset="0"/>
@@ -35314,12 +34686,12 @@
             <a:r>
               <a:rPr lang="en-US" sz="1600" dirty="0">
                 <a:solidFill>
-                  <a:srgbClr val="CCCCCC"/>
+                  <a:schemeClr val="tx1"/>
                 </a:solidFill>
                 <a:latin typeface="Consolas" panose="020B0609020204030204" pitchFamily="49" charset="0"/>
                 <a:cs typeface="Consolas" panose="020B0609020204030204" pitchFamily="49" charset="0"/>
               </a:rPr>
-              <a:t>}</a:t>
+              <a:t> }</a:t>
             </a:r>
           </a:p>
           <a:p>
@@ -35337,7 +34709,7 @@
                 <a:latin typeface="Consolas" panose="020B0609020204030204" pitchFamily="49" charset="0"/>
                 <a:cs typeface="Consolas" panose="020B0609020204030204" pitchFamily="49" charset="0"/>
               </a:rPr>
-              <a:t>return</a:t>
+              <a:t> return</a:t>
             </a:r>
             <a:r>
               <a:rPr lang="en-US" sz="1600" dirty="0">
@@ -35350,7 +34722,7 @@
               <a:t> </a:t>
             </a:r>
             <a:r>
-              <a:rPr lang="en-US" sz="1600" dirty="0" err="1">
+              <a:rPr lang="en-US" sz="1600" dirty="0">
                 <a:solidFill>
                   <a:srgbClr val="4FC1FF"/>
                 </a:solidFill>
@@ -35360,7 +34732,7 @@
               <a:t>res</a:t>
             </a:r>
             <a:r>
-              <a:rPr lang="en-US" sz="1600" dirty="0" err="1">
+              <a:rPr lang="en-US" sz="1600" dirty="0">
                 <a:solidFill>
                   <a:srgbClr val="CCCCCC"/>
                 </a:solidFill>
@@ -35370,7 +34742,7 @@
               <a:t>.</a:t>
             </a:r>
             <a:r>
-              <a:rPr lang="en-US" sz="1600" dirty="0" err="1">
+              <a:rPr lang="en-US" sz="1600" dirty="0">
                 <a:solidFill>
                   <a:srgbClr val="9CDCFE"/>
                 </a:solidFill>
@@ -35400,7 +34772,7 @@
             <a:r>
               <a:rPr lang="en-US" sz="1600" dirty="0">
                 <a:solidFill>
-                  <a:srgbClr val="CCCCCC"/>
+                  <a:schemeClr val="tx1"/>
                 </a:solidFill>
                 <a:latin typeface="Consolas" panose="020B0609020204030204" pitchFamily="49" charset="0"/>
                 <a:cs typeface="Consolas" panose="020B0609020204030204" pitchFamily="49" charset="0"/>
@@ -35538,7 +34910,7 @@
         </p:nvSpPr>
         <p:spPr>
           <a:xfrm>
-            <a:off x="838200" y="1500159"/>
+            <a:off x="838200" y="1489142"/>
             <a:ext cx="10256976" cy="4351339"/>
           </a:xfrm>
         </p:spPr>
@@ -35590,29 +34962,7 @@
                 <a:latin typeface="Consolas" panose="020B0609020204030204" pitchFamily="49" charset="0"/>
                 <a:cs typeface="Consolas" panose="020B0609020204030204" pitchFamily="49" charset="0"/>
               </a:rPr>
-              <a:t>* </a:t>
-            </a:r>
-            <a:r>
-              <a:rPr lang="en-US" sz="1600" b="0" dirty="0" err="1">
-                <a:solidFill>
-                  <a:srgbClr val="6A9955"/>
-                </a:solidFill>
-                <a:effectLst/>
-                <a:latin typeface="Consolas" panose="020B0609020204030204" pitchFamily="49" charset="0"/>
-                <a:cs typeface="Consolas" panose="020B0609020204030204" pitchFamily="49" charset="0"/>
-              </a:rPr>
-              <a:t>AnswerPage</a:t>
-            </a:r>
-            <a:r>
-              <a:rPr lang="en-US" sz="1600" b="0" dirty="0">
-                <a:solidFill>
-                  <a:srgbClr val="6A9955"/>
-                </a:solidFill>
-                <a:effectLst/>
-                <a:latin typeface="Consolas" panose="020B0609020204030204" pitchFamily="49" charset="0"/>
-                <a:cs typeface="Consolas" panose="020B0609020204030204" pitchFamily="49" charset="0"/>
-              </a:rPr>
-              <a:t> component that displays the full content of a question along with its answers.</a:t>
+              <a:t>* AnswerPage component that displays the full content of a question along with its answers.</a:t>
             </a:r>
             <a:endParaRPr lang="en-US" sz="1600" b="0" dirty="0">
               <a:solidFill>
@@ -35707,70 +35057,15 @@
               <a:t> </a:t>
             </a:r>
             <a:r>
-              <a:rPr lang="en-US" sz="1600" b="0" dirty="0" err="1">
-                <a:solidFill>
-                  <a:srgbClr val="DCDCAA"/>
+              <a:rPr lang="en-US" sz="1600" b="0" dirty="0">
+                <a:solidFill>
+                  <a:schemeClr val="tx1"/>
                 </a:solidFill>
                 <a:effectLst/>
                 <a:latin typeface="Consolas" panose="020B0609020204030204" pitchFamily="49" charset="0"/>
                 <a:cs typeface="Consolas" panose="020B0609020204030204" pitchFamily="49" charset="0"/>
               </a:rPr>
-              <a:t>AnswerPage</a:t>
-            </a:r>
-            <a:r>
-              <a:rPr lang="en-US" sz="1600" b="0" dirty="0">
-                <a:solidFill>
-                  <a:srgbClr val="CCCCCC"/>
-                </a:solidFill>
-                <a:effectLst/>
-                <a:latin typeface="Consolas" panose="020B0609020204030204" pitchFamily="49" charset="0"/>
-                <a:cs typeface="Consolas" panose="020B0609020204030204" pitchFamily="49" charset="0"/>
-              </a:rPr>
-              <a:t> </a:t>
-            </a:r>
-            <a:r>
-              <a:rPr lang="en-US" sz="1600" b="0" dirty="0">
-                <a:solidFill>
-                  <a:srgbClr val="D4D4D4"/>
-                </a:solidFill>
-                <a:effectLst/>
-                <a:latin typeface="Consolas" panose="020B0609020204030204" pitchFamily="49" charset="0"/>
-                <a:cs typeface="Consolas" panose="020B0609020204030204" pitchFamily="49" charset="0"/>
-              </a:rPr>
-              <a:t>=</a:t>
-            </a:r>
-            <a:r>
-              <a:rPr lang="en-US" sz="1600" b="0" dirty="0">
-                <a:solidFill>
-                  <a:srgbClr val="CCCCCC"/>
-                </a:solidFill>
-                <a:effectLst/>
-                <a:latin typeface="Consolas" panose="020B0609020204030204" pitchFamily="49" charset="0"/>
-                <a:cs typeface="Consolas" panose="020B0609020204030204" pitchFamily="49" charset="0"/>
-              </a:rPr>
-              <a:t> () </a:t>
-            </a:r>
-            <a:r>
-              <a:rPr lang="en-US" sz="1600" b="0" dirty="0">
-                <a:solidFill>
-                  <a:srgbClr val="569CD6"/>
-                </a:solidFill>
-                <a:effectLst/>
-                <a:latin typeface="Consolas" panose="020B0609020204030204" pitchFamily="49" charset="0"/>
-                <a:cs typeface="Consolas" panose="020B0609020204030204" pitchFamily="49" charset="0"/>
-              </a:rPr>
-              <a:t>=&gt;</a:t>
-            </a:r>
-            <a:r>
-              <a:rPr lang="en-US" sz="1600" b="0" dirty="0">
-                <a:solidFill>
-                  <a:srgbClr val="CCCCCC"/>
-                </a:solidFill>
-                <a:effectLst/>
-                <a:latin typeface="Consolas" panose="020B0609020204030204" pitchFamily="49" charset="0"/>
-                <a:cs typeface="Consolas" panose="020B0609020204030204" pitchFamily="49" charset="0"/>
-              </a:rPr>
-              <a:t> {</a:t>
+              <a:t>AnswerPage = () =&gt; {</a:t>
             </a:r>
           </a:p>
           <a:p>
@@ -35789,7 +35084,7 @@
                 <a:latin typeface="Consolas" panose="020B0609020204030204" pitchFamily="49" charset="0"/>
                 <a:cs typeface="Consolas" panose="020B0609020204030204" pitchFamily="49" charset="0"/>
               </a:rPr>
-              <a:t>const</a:t>
+              <a:t> const</a:t>
             </a:r>
             <a:r>
               <a:rPr lang="en-US" sz="1600" b="0" dirty="0">
@@ -35800,10 +35095,32 @@
                 <a:latin typeface="Consolas" panose="020B0609020204030204" pitchFamily="49" charset="0"/>
                 <a:cs typeface="Consolas" panose="020B0609020204030204" pitchFamily="49" charset="0"/>
               </a:rPr>
-              <a:t> { </a:t>
-            </a:r>
-            <a:r>
-              <a:rPr lang="en-US" sz="1600" b="0" dirty="0" err="1">
+              <a:t> </a:t>
+            </a:r>
+            <a:r>
+              <a:rPr lang="en-US" sz="1600" b="0" dirty="0">
+                <a:solidFill>
+                  <a:schemeClr val="tx1"/>
+                </a:solidFill>
+                <a:effectLst/>
+                <a:latin typeface="Consolas" panose="020B0609020204030204" pitchFamily="49" charset="0"/>
+                <a:cs typeface="Consolas" panose="020B0609020204030204" pitchFamily="49" charset="0"/>
+              </a:rPr>
+              <a:t>{</a:t>
+            </a:r>
+            <a:r>
+              <a:rPr lang="en-US" sz="1600" b="0" dirty="0">
+                <a:solidFill>
+                  <a:srgbClr val="CCCCCC"/>
+                </a:solidFill>
+                <a:effectLst/>
+                <a:latin typeface="Consolas" panose="020B0609020204030204" pitchFamily="49" charset="0"/>
+                <a:cs typeface="Consolas" panose="020B0609020204030204" pitchFamily="49" charset="0"/>
+              </a:rPr>
+              <a:t> </a:t>
+            </a:r>
+            <a:r>
+              <a:rPr lang="en-US" sz="1600" b="0" dirty="0">
                 <a:solidFill>
                   <a:srgbClr val="4FC1FF"/>
                 </a:solidFill>
@@ -35847,59 +35164,135 @@
               <a:t>, </a:t>
             </a:r>
             <a:r>
-              <a:rPr lang="en-US" sz="1600" b="0" dirty="0" err="1">
-                <a:solidFill>
-                  <a:srgbClr val="DCDCAA"/>
+              <a:rPr lang="en-US" sz="1600" b="0" dirty="0">
+                <a:solidFill>
+                  <a:schemeClr val="tx1"/>
                 </a:solidFill>
                 <a:effectLst/>
                 <a:latin typeface="Consolas" panose="020B0609020204030204" pitchFamily="49" charset="0"/>
                 <a:cs typeface="Consolas" panose="020B0609020204030204" pitchFamily="49" charset="0"/>
               </a:rPr>
-              <a:t>handleNewComment</a:t>
-            </a:r>
+              <a:t>handleNewComment, handleNewAnswer } = useAnswerPage();</a:t>
+            </a:r>
+          </a:p>
+          <a:p>
+            <a:pPr>
+              <a:lnSpc>
+                <a:spcPts val="1350"/>
+              </a:lnSpc>
+              <a:buNone/>
+            </a:pPr>
+            <a:endParaRPr lang="en-US" sz="1600" b="0" dirty="0">
+              <a:solidFill>
+                <a:srgbClr val="CCCCCC"/>
+              </a:solidFill>
+              <a:effectLst/>
+              <a:latin typeface="Consolas" panose="020B0609020204030204" pitchFamily="49" charset="0"/>
+              <a:cs typeface="Consolas" panose="020B0609020204030204" pitchFamily="49" charset="0"/>
+            </a:endParaRPr>
+          </a:p>
+          <a:p>
+            <a:pPr>
+              <a:lnSpc>
+                <a:spcPts val="1350"/>
+              </a:lnSpc>
+              <a:buNone/>
+            </a:pPr>
             <a:r>
               <a:rPr lang="en-US" sz="1600" b="0" dirty="0">
                 <a:solidFill>
+                  <a:srgbClr val="C586C0"/>
+                </a:solidFill>
+                <a:effectLst/>
+                <a:latin typeface="Consolas" panose="020B0609020204030204" pitchFamily="49" charset="0"/>
+                <a:cs typeface="Consolas" panose="020B0609020204030204" pitchFamily="49" charset="0"/>
+              </a:rPr>
+              <a:t> if</a:t>
+            </a:r>
+            <a:r>
+              <a:rPr lang="en-US" sz="1600" b="0" dirty="0">
+                <a:solidFill>
                   <a:srgbClr val="CCCCCC"/>
                 </a:solidFill>
                 <a:effectLst/>
                 <a:latin typeface="Consolas" panose="020B0609020204030204" pitchFamily="49" charset="0"/>
                 <a:cs typeface="Consolas" panose="020B0609020204030204" pitchFamily="49" charset="0"/>
               </a:rPr>
-              <a:t>, </a:t>
-            </a:r>
-            <a:r>
-              <a:rPr lang="en-US" sz="1600" b="0" dirty="0" err="1">
-                <a:solidFill>
-                  <a:srgbClr val="DCDCAA"/>
+              <a:t> </a:t>
+            </a:r>
+            <a:r>
+              <a:rPr lang="en-US" sz="1600" b="0" dirty="0">
+                <a:solidFill>
+                  <a:schemeClr val="tx1"/>
                 </a:solidFill>
                 <a:effectLst/>
                 <a:latin typeface="Consolas" panose="020B0609020204030204" pitchFamily="49" charset="0"/>
                 <a:cs typeface="Consolas" panose="020B0609020204030204" pitchFamily="49" charset="0"/>
               </a:rPr>
-              <a:t>handleNewAnswer</a:t>
+              <a:t>(!</a:t>
             </a:r>
             <a:r>
               <a:rPr lang="en-US" sz="1600" b="0" dirty="0">
                 <a:solidFill>
+                  <a:srgbClr val="4FC1FF"/>
+                </a:solidFill>
+                <a:effectLst/>
+                <a:latin typeface="Consolas" panose="020B0609020204030204" pitchFamily="49" charset="0"/>
+                <a:cs typeface="Consolas" panose="020B0609020204030204" pitchFamily="49" charset="0"/>
+              </a:rPr>
+              <a:t>question</a:t>
+            </a:r>
+            <a:r>
+              <a:rPr lang="en-US" sz="1600" b="0" dirty="0">
+                <a:solidFill>
+                  <a:schemeClr val="tx1"/>
+                </a:solidFill>
+                <a:effectLst/>
+                <a:latin typeface="Consolas" panose="020B0609020204030204" pitchFamily="49" charset="0"/>
+                <a:cs typeface="Consolas" panose="020B0609020204030204" pitchFamily="49" charset="0"/>
+              </a:rPr>
+              <a:t>) {</a:t>
+            </a:r>
+          </a:p>
+          <a:p>
+            <a:pPr>
+              <a:lnSpc>
+                <a:spcPts val="1350"/>
+              </a:lnSpc>
+              <a:buNone/>
+            </a:pPr>
+            <a:r>
+              <a:rPr lang="en-US" sz="1600" b="0" dirty="0">
+                <a:solidFill>
+                  <a:srgbClr val="C586C0"/>
+                </a:solidFill>
+                <a:effectLst/>
+                <a:latin typeface="Consolas" panose="020B0609020204030204" pitchFamily="49" charset="0"/>
+                <a:cs typeface="Consolas" panose="020B0609020204030204" pitchFamily="49" charset="0"/>
+              </a:rPr>
+              <a:t>	return</a:t>
+            </a:r>
+            <a:r>
+              <a:rPr lang="en-US" sz="1600" b="0" dirty="0">
+                <a:solidFill>
                   <a:srgbClr val="CCCCCC"/>
                 </a:solidFill>
                 <a:effectLst/>
                 <a:latin typeface="Consolas" panose="020B0609020204030204" pitchFamily="49" charset="0"/>
                 <a:cs typeface="Consolas" panose="020B0609020204030204" pitchFamily="49" charset="0"/>
               </a:rPr>
-              <a:t> } </a:t>
+              <a:t> </a:t>
             </a:r>
             <a:r>
               <a:rPr lang="en-US" sz="1600" b="0" dirty="0">
                 <a:solidFill>
-                  <a:srgbClr val="D4D4D4"/>
+                  <a:srgbClr val="569CD6"/>
                 </a:solidFill>
                 <a:effectLst/>
                 <a:latin typeface="Consolas" panose="020B0609020204030204" pitchFamily="49" charset="0"/>
                 <a:cs typeface="Consolas" panose="020B0609020204030204" pitchFamily="49" charset="0"/>
               </a:rPr>
-              <a:t>=</a:t>
+              <a:t>null</a:t>
             </a:r>
             <a:r>
               <a:rPr lang="en-US" sz="1600" b="0" dirty="0">
@@ -35910,29 +35303,26 @@
                 <a:latin typeface="Consolas" panose="020B0609020204030204" pitchFamily="49" charset="0"/>
                 <a:cs typeface="Consolas" panose="020B0609020204030204" pitchFamily="49" charset="0"/>
               </a:rPr>
-              <a:t> </a:t>
-            </a:r>
-            <a:r>
-              <a:rPr lang="en-US" sz="1600" b="0" dirty="0" err="1">
-                <a:solidFill>
-                  <a:srgbClr val="DCDCAA"/>
+              <a:t>;</a:t>
+            </a:r>
+          </a:p>
+          <a:p>
+            <a:pPr>
+              <a:lnSpc>
+                <a:spcPts val="1350"/>
+              </a:lnSpc>
+              <a:buNone/>
+            </a:pPr>
+            <a:r>
+              <a:rPr lang="en-US" sz="1600" b="0" dirty="0">
+                <a:solidFill>
+                  <a:schemeClr val="tx1"/>
                 </a:solidFill>
                 <a:effectLst/>
                 <a:latin typeface="Consolas" panose="020B0609020204030204" pitchFamily="49" charset="0"/>
                 <a:cs typeface="Consolas" panose="020B0609020204030204" pitchFamily="49" charset="0"/>
               </a:rPr>
-              <a:t>useAnswerPage</a:t>
-            </a:r>
-            <a:r>
-              <a:rPr lang="en-US" sz="1600" b="0" dirty="0">
-                <a:solidFill>
-                  <a:srgbClr val="CCCCCC"/>
-                </a:solidFill>
-                <a:effectLst/>
-                <a:latin typeface="Consolas" panose="020B0609020204030204" pitchFamily="49" charset="0"/>
-                <a:cs typeface="Consolas" panose="020B0609020204030204" pitchFamily="49" charset="0"/>
-              </a:rPr>
-              <a:t>();</a:t>
+              <a:t> }</a:t>
             </a:r>
           </a:p>
           <a:p>
@@ -35952,14 +35342,39 @@
                 <a:cs typeface="Consolas" panose="020B0609020204030204" pitchFamily="49" charset="0"/>
               </a:rPr>
             </a:br>
-            <a:endParaRPr lang="en-US" sz="1600" b="0" dirty="0">
-              <a:solidFill>
-                <a:srgbClr val="CCCCCC"/>
-              </a:solidFill>
-              <a:effectLst/>
-              <a:latin typeface="Consolas" panose="020B0609020204030204" pitchFamily="49" charset="0"/>
-              <a:cs typeface="Consolas" panose="020B0609020204030204" pitchFamily="49" charset="0"/>
-            </a:endParaRPr>
+            <a:r>
+              <a:rPr lang="en-US" sz="1600" b="0" dirty="0">
+                <a:solidFill>
+                  <a:srgbClr val="C586C0"/>
+                </a:solidFill>
+                <a:effectLst/>
+                <a:latin typeface="Consolas" panose="020B0609020204030204" pitchFamily="49" charset="0"/>
+                <a:cs typeface="Consolas" panose="020B0609020204030204" pitchFamily="49" charset="0"/>
+              </a:rPr>
+              <a:t>return</a:t>
+            </a:r>
+            <a:r>
+              <a:rPr lang="en-US" sz="1600" b="0" dirty="0">
+                <a:solidFill>
+                  <a:srgbClr val="CCCCCC"/>
+                </a:solidFill>
+                <a:effectLst/>
+                <a:latin typeface="Consolas" panose="020B0609020204030204" pitchFamily="49" charset="0"/>
+                <a:cs typeface="Consolas" panose="020B0609020204030204" pitchFamily="49" charset="0"/>
+              </a:rPr>
+              <a:t> </a:t>
+            </a:r>
+            <a:r>
+              <a:rPr lang="en-US" sz="1600" b="0" dirty="0">
+                <a:solidFill>
+                  <a:schemeClr val="tx1"/>
+                </a:solidFill>
+                <a:effectLst/>
+                <a:latin typeface="Consolas" panose="020B0609020204030204" pitchFamily="49" charset="0"/>
+                <a:cs typeface="Consolas" panose="020B0609020204030204" pitchFamily="49" charset="0"/>
+              </a:rPr>
+              <a:t>(</a:t>
+            </a:r>
           </a:p>
           <a:p>
             <a:pPr>
@@ -35971,57 +35386,13 @@
             <a:r>
               <a:rPr lang="en-US" sz="1600" b="0" dirty="0">
                 <a:solidFill>
-                  <a:srgbClr val="C586C0"/>
+                  <a:schemeClr val="tx1"/>
                 </a:solidFill>
                 <a:effectLst/>
                 <a:latin typeface="Consolas" panose="020B0609020204030204" pitchFamily="49" charset="0"/>
                 <a:cs typeface="Consolas" panose="020B0609020204030204" pitchFamily="49" charset="0"/>
               </a:rPr>
-              <a:t>if</a:t>
-            </a:r>
-            <a:r>
-              <a:rPr lang="en-US" sz="1600" b="0" dirty="0">
-                <a:solidFill>
-                  <a:srgbClr val="CCCCCC"/>
-                </a:solidFill>
-                <a:effectLst/>
-                <a:latin typeface="Consolas" panose="020B0609020204030204" pitchFamily="49" charset="0"/>
-                <a:cs typeface="Consolas" panose="020B0609020204030204" pitchFamily="49" charset="0"/>
-              </a:rPr>
-              <a:t> (</a:t>
-            </a:r>
-            <a:r>
-              <a:rPr lang="en-US" sz="1600" b="0" dirty="0">
-                <a:solidFill>
-                  <a:srgbClr val="D4D4D4"/>
-                </a:solidFill>
-                <a:effectLst/>
-                <a:latin typeface="Consolas" panose="020B0609020204030204" pitchFamily="49" charset="0"/>
-                <a:cs typeface="Consolas" panose="020B0609020204030204" pitchFamily="49" charset="0"/>
-              </a:rPr>
-              <a:t>!</a:t>
-            </a:r>
-            <a:r>
-              <a:rPr lang="en-US" sz="1600" b="0" dirty="0">
-                <a:solidFill>
-                  <a:srgbClr val="4FC1FF"/>
-                </a:solidFill>
-                <a:effectLst/>
-                <a:latin typeface="Consolas" panose="020B0609020204030204" pitchFamily="49" charset="0"/>
-                <a:cs typeface="Consolas" panose="020B0609020204030204" pitchFamily="49" charset="0"/>
-              </a:rPr>
-              <a:t>question</a:t>
-            </a:r>
-            <a:r>
-              <a:rPr lang="en-US" sz="1600" b="0" dirty="0">
-                <a:solidFill>
-                  <a:srgbClr val="CCCCCC"/>
-                </a:solidFill>
-                <a:effectLst/>
-                <a:latin typeface="Consolas" panose="020B0609020204030204" pitchFamily="49" charset="0"/>
-                <a:cs typeface="Consolas" panose="020B0609020204030204" pitchFamily="49" charset="0"/>
-              </a:rPr>
-              <a:t>) {</a:t>
+              <a:t>&lt;&gt;</a:t>
             </a:r>
           </a:p>
           <a:p>
@@ -36034,17 +35405,28 @@
             <a:r>
               <a:rPr lang="en-US" sz="1600" b="0" dirty="0">
                 <a:solidFill>
-                  <a:srgbClr val="C586C0"/>
+                  <a:schemeClr val="tx1"/>
                 </a:solidFill>
                 <a:effectLst/>
                 <a:latin typeface="Consolas" panose="020B0609020204030204" pitchFamily="49" charset="0"/>
                 <a:cs typeface="Consolas" panose="020B0609020204030204" pitchFamily="49" charset="0"/>
               </a:rPr>
-              <a:t>	return</a:t>
+              <a:t> &lt;</a:t>
             </a:r>
             <a:r>
               <a:rPr lang="en-US" sz="1600" b="0" dirty="0">
                 <a:solidFill>
+                  <a:srgbClr val="4EC9B0"/>
+                </a:solidFill>
+                <a:effectLst/>
+                <a:latin typeface="Consolas" panose="020B0609020204030204" pitchFamily="49" charset="0"/>
+                <a:cs typeface="Consolas" panose="020B0609020204030204" pitchFamily="49" charset="0"/>
+              </a:rPr>
+              <a:t>VoteComponent</a:t>
+            </a:r>
+            <a:r>
+              <a:rPr lang="en-US" sz="1600" b="0" dirty="0">
+                <a:solidFill>
                   <a:srgbClr val="CCCCCC"/>
                 </a:solidFill>
                 <a:effectLst/>
@@ -36056,24 +35438,79 @@
             <a:r>
               <a:rPr lang="en-US" sz="1600" b="0" dirty="0">
                 <a:solidFill>
+                  <a:srgbClr val="9CDCFE"/>
+                </a:solidFill>
+                <a:effectLst/>
+                <a:latin typeface="Consolas" panose="020B0609020204030204" pitchFamily="49" charset="0"/>
+                <a:cs typeface="Consolas" panose="020B0609020204030204" pitchFamily="49" charset="0"/>
+              </a:rPr>
+              <a:t>question</a:t>
+            </a:r>
+            <a:r>
+              <a:rPr lang="en-US" sz="1600" b="0" dirty="0">
+                <a:solidFill>
+                  <a:srgbClr val="D4D4D4"/>
+                </a:solidFill>
+                <a:effectLst/>
+                <a:latin typeface="Consolas" panose="020B0609020204030204" pitchFamily="49" charset="0"/>
+                <a:cs typeface="Consolas" panose="020B0609020204030204" pitchFamily="49" charset="0"/>
+              </a:rPr>
+              <a:t>=</a:t>
+            </a:r>
+            <a:r>
+              <a:rPr lang="en-US" sz="1600" b="0" dirty="0">
+                <a:solidFill>
                   <a:srgbClr val="569CD6"/>
                 </a:solidFill>
                 <a:effectLst/>
                 <a:latin typeface="Consolas" panose="020B0609020204030204" pitchFamily="49" charset="0"/>
                 <a:cs typeface="Consolas" panose="020B0609020204030204" pitchFamily="49" charset="0"/>
               </a:rPr>
-              <a:t>null</a:t>
+              <a:t>{</a:t>
             </a:r>
             <a:r>
               <a:rPr lang="en-US" sz="1600" b="0" dirty="0">
                 <a:solidFill>
+                  <a:srgbClr val="4FC1FF"/>
+                </a:solidFill>
+                <a:effectLst/>
+                <a:latin typeface="Consolas" panose="020B0609020204030204" pitchFamily="49" charset="0"/>
+                <a:cs typeface="Consolas" panose="020B0609020204030204" pitchFamily="49" charset="0"/>
+              </a:rPr>
+              <a:t>question</a:t>
+            </a:r>
+            <a:r>
+              <a:rPr lang="en-US" sz="1600" b="0" dirty="0">
+                <a:solidFill>
+                  <a:srgbClr val="569CD6"/>
+                </a:solidFill>
+                <a:effectLst/>
+                <a:latin typeface="Consolas" panose="020B0609020204030204" pitchFamily="49" charset="0"/>
+                <a:cs typeface="Consolas" panose="020B0609020204030204" pitchFamily="49" charset="0"/>
+              </a:rPr>
+              <a:t>}</a:t>
+            </a:r>
+            <a:r>
+              <a:rPr lang="en-US" sz="1600" b="0" dirty="0">
+                <a:solidFill>
                   <a:srgbClr val="CCCCCC"/>
                 </a:solidFill>
                 <a:effectLst/>
                 <a:latin typeface="Consolas" panose="020B0609020204030204" pitchFamily="49" charset="0"/>
                 <a:cs typeface="Consolas" panose="020B0609020204030204" pitchFamily="49" charset="0"/>
               </a:rPr>
-              <a:t>;</a:t>
+              <a:t> </a:t>
+            </a:r>
+            <a:r>
+              <a:rPr lang="en-US" sz="1600" b="0" dirty="0">
+                <a:solidFill>
+                  <a:schemeClr val="tx1"/>
+                </a:solidFill>
+                <a:effectLst/>
+                <a:latin typeface="Consolas" panose="020B0609020204030204" pitchFamily="49" charset="0"/>
+                <a:cs typeface="Consolas" panose="020B0609020204030204" pitchFamily="49" charset="0"/>
+              </a:rPr>
+              <a:t>/&gt;</a:t>
             </a:r>
           </a:p>
           <a:p>
@@ -36086,496 +35523,244 @@
             <a:r>
               <a:rPr lang="en-US" sz="1600" b="0" dirty="0">
                 <a:solidFill>
+                  <a:schemeClr val="tx1"/>
+                </a:solidFill>
+                <a:effectLst/>
+                <a:latin typeface="Consolas" panose="020B0609020204030204" pitchFamily="49" charset="0"/>
+                <a:cs typeface="Consolas" panose="020B0609020204030204" pitchFamily="49" charset="0"/>
+              </a:rPr>
+              <a:t> &lt;</a:t>
+            </a:r>
+            <a:r>
+              <a:rPr lang="en-US" sz="1600" b="0" dirty="0">
+                <a:solidFill>
+                  <a:srgbClr val="4EC9B0"/>
+                </a:solidFill>
+                <a:effectLst/>
+                <a:latin typeface="Consolas" panose="020B0609020204030204" pitchFamily="49" charset="0"/>
+                <a:cs typeface="Consolas" panose="020B0609020204030204" pitchFamily="49" charset="0"/>
+              </a:rPr>
+              <a:t>AnswerHeader</a:t>
+            </a:r>
+            <a:r>
+              <a:rPr lang="en-US" sz="1600" b="0" dirty="0">
+                <a:solidFill>
                   <a:srgbClr val="CCCCCC"/>
                 </a:solidFill>
                 <a:effectLst/>
                 <a:latin typeface="Consolas" panose="020B0609020204030204" pitchFamily="49" charset="0"/>
                 <a:cs typeface="Consolas" panose="020B0609020204030204" pitchFamily="49" charset="0"/>
               </a:rPr>
+              <a:t> </a:t>
+            </a:r>
+            <a:r>
+              <a:rPr lang="en-US" sz="1600" b="0" dirty="0">
+                <a:solidFill>
+                  <a:srgbClr val="9CDCFE"/>
+                </a:solidFill>
+                <a:effectLst/>
+                <a:latin typeface="Consolas" panose="020B0609020204030204" pitchFamily="49" charset="0"/>
+                <a:cs typeface="Consolas" panose="020B0609020204030204" pitchFamily="49" charset="0"/>
+              </a:rPr>
+              <a:t>ansCount</a:t>
+            </a:r>
+            <a:r>
+              <a:rPr lang="en-US" sz="1600" b="0" dirty="0">
+                <a:solidFill>
+                  <a:srgbClr val="D4D4D4"/>
+                </a:solidFill>
+                <a:effectLst/>
+                <a:latin typeface="Consolas" panose="020B0609020204030204" pitchFamily="49" charset="0"/>
+                <a:cs typeface="Consolas" panose="020B0609020204030204" pitchFamily="49" charset="0"/>
+              </a:rPr>
+              <a:t>=</a:t>
+            </a:r>
+            <a:r>
+              <a:rPr lang="en-US" sz="1600" b="0" dirty="0">
+                <a:solidFill>
+                  <a:srgbClr val="569CD6"/>
+                </a:solidFill>
+                <a:effectLst/>
+                <a:latin typeface="Consolas" panose="020B0609020204030204" pitchFamily="49" charset="0"/>
+                <a:cs typeface="Consolas" panose="020B0609020204030204" pitchFamily="49" charset="0"/>
+              </a:rPr>
+              <a:t>{</a:t>
+            </a:r>
+            <a:r>
+              <a:rPr lang="en-US" sz="1600" b="0" dirty="0">
+                <a:solidFill>
+                  <a:srgbClr val="4FC1FF"/>
+                </a:solidFill>
+                <a:effectLst/>
+                <a:latin typeface="Consolas" panose="020B0609020204030204" pitchFamily="49" charset="0"/>
+                <a:cs typeface="Consolas" panose="020B0609020204030204" pitchFamily="49" charset="0"/>
+              </a:rPr>
+              <a:t>question</a:t>
+            </a:r>
+            <a:r>
+              <a:rPr lang="en-US" sz="1600" b="0" dirty="0">
+                <a:solidFill>
+                  <a:srgbClr val="D4D4D4"/>
+                </a:solidFill>
+                <a:effectLst/>
+                <a:latin typeface="Consolas" panose="020B0609020204030204" pitchFamily="49" charset="0"/>
+                <a:cs typeface="Consolas" panose="020B0609020204030204" pitchFamily="49" charset="0"/>
+              </a:rPr>
+              <a:t>.</a:t>
+            </a:r>
+            <a:r>
+              <a:rPr lang="en-US" sz="1600" b="0" dirty="0">
+                <a:solidFill>
+                  <a:srgbClr val="9CDCFE"/>
+                </a:solidFill>
+                <a:effectLst/>
+                <a:latin typeface="Consolas" panose="020B0609020204030204" pitchFamily="49" charset="0"/>
+                <a:cs typeface="Consolas" panose="020B0609020204030204" pitchFamily="49" charset="0"/>
+              </a:rPr>
+              <a:t>answers</a:t>
+            </a:r>
+            <a:r>
+              <a:rPr lang="en-US" sz="1600" b="0" dirty="0">
+                <a:solidFill>
+                  <a:srgbClr val="D4D4D4"/>
+                </a:solidFill>
+                <a:effectLst/>
+                <a:latin typeface="Consolas" panose="020B0609020204030204" pitchFamily="49" charset="0"/>
+                <a:cs typeface="Consolas" panose="020B0609020204030204" pitchFamily="49" charset="0"/>
+              </a:rPr>
+              <a:t>.</a:t>
+            </a:r>
+            <a:r>
+              <a:rPr lang="en-US" sz="1600" b="0" dirty="0">
+                <a:solidFill>
+                  <a:srgbClr val="9CDCFE"/>
+                </a:solidFill>
+                <a:effectLst/>
+                <a:latin typeface="Consolas" panose="020B0609020204030204" pitchFamily="49" charset="0"/>
+                <a:cs typeface="Consolas" panose="020B0609020204030204" pitchFamily="49" charset="0"/>
+              </a:rPr>
+              <a:t>length</a:t>
+            </a:r>
+            <a:r>
+              <a:rPr lang="en-US" sz="1600" b="0" dirty="0">
+                <a:solidFill>
+                  <a:srgbClr val="569CD6"/>
+                </a:solidFill>
+                <a:effectLst/>
+                <a:latin typeface="Consolas" panose="020B0609020204030204" pitchFamily="49" charset="0"/>
+                <a:cs typeface="Consolas" panose="020B0609020204030204" pitchFamily="49" charset="0"/>
+              </a:rPr>
               <a:t>}</a:t>
             </a:r>
-          </a:p>
-          <a:p>
-            <a:pPr>
-              <a:lnSpc>
-                <a:spcPts val="1350"/>
-              </a:lnSpc>
-              <a:buNone/>
-            </a:pPr>
+            <a:r>
+              <a:rPr lang="en-US" sz="1600" b="0" dirty="0">
+                <a:solidFill>
+                  <a:srgbClr val="CCCCCC"/>
+                </a:solidFill>
+                <a:effectLst/>
+                <a:latin typeface="Consolas" panose="020B0609020204030204" pitchFamily="49" charset="0"/>
+                <a:cs typeface="Consolas" panose="020B0609020204030204" pitchFamily="49" charset="0"/>
+              </a:rPr>
+              <a:t> </a:t>
+            </a:r>
+            <a:r>
+              <a:rPr lang="en-US" sz="1600" b="0" dirty="0">
+                <a:solidFill>
+                  <a:srgbClr val="9CDCFE"/>
+                </a:solidFill>
+                <a:effectLst/>
+                <a:latin typeface="Consolas" panose="020B0609020204030204" pitchFamily="49" charset="0"/>
+                <a:cs typeface="Consolas" panose="020B0609020204030204" pitchFamily="49" charset="0"/>
+              </a:rPr>
+              <a:t>title</a:t>
+            </a:r>
+            <a:r>
+              <a:rPr lang="en-US" sz="1600" b="0" dirty="0">
+                <a:solidFill>
+                  <a:srgbClr val="D4D4D4"/>
+                </a:solidFill>
+                <a:effectLst/>
+                <a:latin typeface="Consolas" panose="020B0609020204030204" pitchFamily="49" charset="0"/>
+                <a:cs typeface="Consolas" panose="020B0609020204030204" pitchFamily="49" charset="0"/>
+              </a:rPr>
+              <a:t>=</a:t>
+            </a:r>
+            <a:r>
+              <a:rPr lang="en-US" sz="1600" b="0" dirty="0">
+                <a:solidFill>
+                  <a:srgbClr val="569CD6"/>
+                </a:solidFill>
+                <a:effectLst/>
+                <a:latin typeface="Consolas" panose="020B0609020204030204" pitchFamily="49" charset="0"/>
+                <a:cs typeface="Consolas" panose="020B0609020204030204" pitchFamily="49" charset="0"/>
+              </a:rPr>
+              <a:t>{</a:t>
+            </a:r>
+            <a:r>
+              <a:rPr lang="en-US" sz="1600" b="0" dirty="0">
+                <a:solidFill>
+                  <a:srgbClr val="4FC1FF"/>
+                </a:solidFill>
+                <a:effectLst/>
+                <a:latin typeface="Consolas" panose="020B0609020204030204" pitchFamily="49" charset="0"/>
+                <a:cs typeface="Consolas" panose="020B0609020204030204" pitchFamily="49" charset="0"/>
+              </a:rPr>
+              <a:t>question</a:t>
+            </a:r>
+            <a:r>
+              <a:rPr lang="en-US" sz="1600" b="0" dirty="0">
+                <a:solidFill>
+                  <a:srgbClr val="D4D4D4"/>
+                </a:solidFill>
+                <a:effectLst/>
+                <a:latin typeface="Consolas" panose="020B0609020204030204" pitchFamily="49" charset="0"/>
+                <a:cs typeface="Consolas" panose="020B0609020204030204" pitchFamily="49" charset="0"/>
+              </a:rPr>
+              <a:t>.</a:t>
+            </a:r>
+            <a:r>
+              <a:rPr lang="en-US" sz="1600" b="0" dirty="0">
+                <a:solidFill>
+                  <a:srgbClr val="9CDCFE"/>
+                </a:solidFill>
+                <a:effectLst/>
+                <a:latin typeface="Consolas" panose="020B0609020204030204" pitchFamily="49" charset="0"/>
+                <a:cs typeface="Consolas" panose="020B0609020204030204" pitchFamily="49" charset="0"/>
+              </a:rPr>
+              <a:t>title</a:t>
+            </a:r>
+            <a:r>
+              <a:rPr lang="en-US" sz="1600" b="0" dirty="0">
+                <a:solidFill>
+                  <a:srgbClr val="569CD6"/>
+                </a:solidFill>
+                <a:effectLst/>
+                <a:latin typeface="Consolas" panose="020B0609020204030204" pitchFamily="49" charset="0"/>
+                <a:cs typeface="Consolas" panose="020B0609020204030204" pitchFamily="49" charset="0"/>
+              </a:rPr>
+              <a:t>}</a:t>
+            </a:r>
+            <a:r>
+              <a:rPr lang="en-US" sz="1600" b="0" dirty="0">
+                <a:solidFill>
+                  <a:schemeClr val="tx1"/>
+                </a:solidFill>
+                <a:effectLst/>
+                <a:latin typeface="Consolas" panose="020B0609020204030204" pitchFamily="49" charset="0"/>
+                <a:cs typeface="Consolas" panose="020B0609020204030204" pitchFamily="49" charset="0"/>
+              </a:rPr>
+              <a:t> /&gt;</a:t>
+            </a:r>
             <a:br>
               <a:rPr lang="en-US" sz="1600" b="0" dirty="0">
                 <a:solidFill>
-                  <a:srgbClr val="CCCCCC"/>
+                  <a:srgbClr val="808080"/>
                 </a:solidFill>
                 <a:effectLst/>
                 <a:latin typeface="Consolas" panose="020B0609020204030204" pitchFamily="49" charset="0"/>
                 <a:cs typeface="Consolas" panose="020B0609020204030204" pitchFamily="49" charset="0"/>
               </a:rPr>
             </a:br>
-            <a:endParaRPr lang="en-US" sz="1600" b="0" dirty="0">
-              <a:solidFill>
-                <a:srgbClr val="CCCCCC"/>
-              </a:solidFill>
-              <a:effectLst/>
-              <a:latin typeface="Consolas" panose="020B0609020204030204" pitchFamily="49" charset="0"/>
-              <a:cs typeface="Consolas" panose="020B0609020204030204" pitchFamily="49" charset="0"/>
-            </a:endParaRPr>
-          </a:p>
-          <a:p>
-            <a:pPr>
-              <a:lnSpc>
-                <a:spcPts val="1350"/>
-              </a:lnSpc>
-              <a:buNone/>
-            </a:pPr>
-            <a:r>
-              <a:rPr lang="en-US" sz="1600" b="0" dirty="0">
-                <a:solidFill>
-                  <a:srgbClr val="C586C0"/>
-                </a:solidFill>
-                <a:effectLst/>
-                <a:latin typeface="Consolas" panose="020B0609020204030204" pitchFamily="49" charset="0"/>
-                <a:cs typeface="Consolas" panose="020B0609020204030204" pitchFamily="49" charset="0"/>
-              </a:rPr>
-              <a:t>return</a:t>
-            </a:r>
-            <a:r>
-              <a:rPr lang="en-US" sz="1600" b="0" dirty="0">
-                <a:solidFill>
-                  <a:srgbClr val="CCCCCC"/>
-                </a:solidFill>
-                <a:effectLst/>
-                <a:latin typeface="Consolas" panose="020B0609020204030204" pitchFamily="49" charset="0"/>
-                <a:cs typeface="Consolas" panose="020B0609020204030204" pitchFamily="49" charset="0"/>
-              </a:rPr>
-              <a:t> (</a:t>
-            </a:r>
-          </a:p>
-          <a:p>
-            <a:pPr>
-              <a:lnSpc>
-                <a:spcPts val="1350"/>
-              </a:lnSpc>
-              <a:buNone/>
-            </a:pPr>
-            <a:r>
-              <a:rPr lang="en-US" sz="1600" b="0" dirty="0">
-                <a:solidFill>
-                  <a:srgbClr val="808080"/>
-                </a:solidFill>
-                <a:effectLst/>
-                <a:latin typeface="Consolas" panose="020B0609020204030204" pitchFamily="49" charset="0"/>
-                <a:cs typeface="Consolas" panose="020B0609020204030204" pitchFamily="49" charset="0"/>
-              </a:rPr>
-              <a:t>&lt;&gt;</a:t>
-            </a:r>
-            <a:endParaRPr lang="en-US" sz="1600" b="0" dirty="0">
-              <a:solidFill>
-                <a:srgbClr val="CCCCCC"/>
-              </a:solidFill>
-              <a:effectLst/>
-              <a:latin typeface="Consolas" panose="020B0609020204030204" pitchFamily="49" charset="0"/>
-              <a:cs typeface="Consolas" panose="020B0609020204030204" pitchFamily="49" charset="0"/>
-            </a:endParaRPr>
-          </a:p>
-          <a:p>
-            <a:pPr>
-              <a:lnSpc>
-                <a:spcPts val="1350"/>
-              </a:lnSpc>
-              <a:buNone/>
-            </a:pPr>
-            <a:r>
-              <a:rPr lang="en-US" sz="1600" b="0" dirty="0">
-                <a:solidFill>
-                  <a:srgbClr val="808080"/>
-                </a:solidFill>
-                <a:effectLst/>
-                <a:latin typeface="Consolas" panose="020B0609020204030204" pitchFamily="49" charset="0"/>
-                <a:cs typeface="Consolas" panose="020B0609020204030204" pitchFamily="49" charset="0"/>
-              </a:rPr>
-              <a:t>&lt;</a:t>
-            </a:r>
-            <a:r>
-              <a:rPr lang="en-US" sz="1600" b="0" dirty="0" err="1">
-                <a:solidFill>
-                  <a:srgbClr val="4EC9B0"/>
-                </a:solidFill>
-                <a:effectLst/>
-                <a:latin typeface="Consolas" panose="020B0609020204030204" pitchFamily="49" charset="0"/>
-                <a:cs typeface="Consolas" panose="020B0609020204030204" pitchFamily="49" charset="0"/>
-              </a:rPr>
-              <a:t>VoteComponent</a:t>
-            </a:r>
-            <a:r>
-              <a:rPr lang="en-US" sz="1600" b="0" dirty="0">
-                <a:solidFill>
-                  <a:srgbClr val="CCCCCC"/>
-                </a:solidFill>
-                <a:effectLst/>
-                <a:latin typeface="Consolas" panose="020B0609020204030204" pitchFamily="49" charset="0"/>
-                <a:cs typeface="Consolas" panose="020B0609020204030204" pitchFamily="49" charset="0"/>
-              </a:rPr>
-              <a:t> </a:t>
-            </a:r>
-            <a:r>
-              <a:rPr lang="en-US" sz="1600" b="0" dirty="0">
-                <a:solidFill>
-                  <a:srgbClr val="9CDCFE"/>
-                </a:solidFill>
-                <a:effectLst/>
-                <a:latin typeface="Consolas" panose="020B0609020204030204" pitchFamily="49" charset="0"/>
-                <a:cs typeface="Consolas" panose="020B0609020204030204" pitchFamily="49" charset="0"/>
-              </a:rPr>
-              <a:t>question</a:t>
-            </a:r>
-            <a:r>
-              <a:rPr lang="en-US" sz="1600" b="0" dirty="0">
-                <a:solidFill>
-                  <a:srgbClr val="D4D4D4"/>
-                </a:solidFill>
-                <a:effectLst/>
-                <a:latin typeface="Consolas" panose="020B0609020204030204" pitchFamily="49" charset="0"/>
-                <a:cs typeface="Consolas" panose="020B0609020204030204" pitchFamily="49" charset="0"/>
-              </a:rPr>
-              <a:t>=</a:t>
-            </a:r>
-            <a:r>
-              <a:rPr lang="en-US" sz="1600" b="0" dirty="0">
-                <a:solidFill>
-                  <a:srgbClr val="569CD6"/>
-                </a:solidFill>
-                <a:effectLst/>
-                <a:latin typeface="Consolas" panose="020B0609020204030204" pitchFamily="49" charset="0"/>
-                <a:cs typeface="Consolas" panose="020B0609020204030204" pitchFamily="49" charset="0"/>
-              </a:rPr>
-              <a:t>{</a:t>
-            </a:r>
-            <a:r>
-              <a:rPr lang="en-US" sz="1600" b="0" dirty="0">
-                <a:solidFill>
-                  <a:srgbClr val="4FC1FF"/>
-                </a:solidFill>
-                <a:effectLst/>
-                <a:latin typeface="Consolas" panose="020B0609020204030204" pitchFamily="49" charset="0"/>
-                <a:cs typeface="Consolas" panose="020B0609020204030204" pitchFamily="49" charset="0"/>
-              </a:rPr>
-              <a:t>question</a:t>
-            </a:r>
-            <a:r>
-              <a:rPr lang="en-US" sz="1600" b="0" dirty="0">
-                <a:solidFill>
-                  <a:srgbClr val="569CD6"/>
-                </a:solidFill>
-                <a:effectLst/>
-                <a:latin typeface="Consolas" panose="020B0609020204030204" pitchFamily="49" charset="0"/>
-                <a:cs typeface="Consolas" panose="020B0609020204030204" pitchFamily="49" charset="0"/>
-              </a:rPr>
-              <a:t>}</a:t>
-            </a:r>
-            <a:r>
-              <a:rPr lang="en-US" sz="1600" b="0" dirty="0">
-                <a:solidFill>
-                  <a:srgbClr val="CCCCCC"/>
-                </a:solidFill>
-                <a:effectLst/>
-                <a:latin typeface="Consolas" panose="020B0609020204030204" pitchFamily="49" charset="0"/>
-                <a:cs typeface="Consolas" panose="020B0609020204030204" pitchFamily="49" charset="0"/>
-              </a:rPr>
-              <a:t> </a:t>
-            </a:r>
-            <a:r>
-              <a:rPr lang="en-US" sz="1600" b="0" dirty="0">
-                <a:solidFill>
-                  <a:srgbClr val="808080"/>
-                </a:solidFill>
-                <a:effectLst/>
-                <a:latin typeface="Consolas" panose="020B0609020204030204" pitchFamily="49" charset="0"/>
-                <a:cs typeface="Consolas" panose="020B0609020204030204" pitchFamily="49" charset="0"/>
-              </a:rPr>
-              <a:t>/&gt;</a:t>
-            </a:r>
-            <a:endParaRPr lang="en-US" sz="1600" b="0" dirty="0">
-              <a:solidFill>
-                <a:srgbClr val="CCCCCC"/>
-              </a:solidFill>
-              <a:effectLst/>
-              <a:latin typeface="Consolas" panose="020B0609020204030204" pitchFamily="49" charset="0"/>
-              <a:cs typeface="Consolas" panose="020B0609020204030204" pitchFamily="49" charset="0"/>
-            </a:endParaRPr>
-          </a:p>
-          <a:p>
-            <a:pPr>
-              <a:lnSpc>
-                <a:spcPts val="1350"/>
-              </a:lnSpc>
-              <a:buNone/>
-            </a:pPr>
-            <a:r>
-              <a:rPr lang="en-US" sz="1600" b="0" dirty="0">
-                <a:solidFill>
-                  <a:srgbClr val="808080"/>
-                </a:solidFill>
-                <a:effectLst/>
-                <a:latin typeface="Consolas" panose="020B0609020204030204" pitchFamily="49" charset="0"/>
-                <a:cs typeface="Consolas" panose="020B0609020204030204" pitchFamily="49" charset="0"/>
-              </a:rPr>
-              <a:t>&lt;</a:t>
-            </a:r>
-            <a:r>
-              <a:rPr lang="en-US" sz="1600" b="0" dirty="0" err="1">
-                <a:solidFill>
-                  <a:srgbClr val="4EC9B0"/>
-                </a:solidFill>
-                <a:effectLst/>
-                <a:latin typeface="Consolas" panose="020B0609020204030204" pitchFamily="49" charset="0"/>
-                <a:cs typeface="Consolas" panose="020B0609020204030204" pitchFamily="49" charset="0"/>
-              </a:rPr>
-              <a:t>AnswerHeader</a:t>
-            </a:r>
-            <a:r>
-              <a:rPr lang="en-US" sz="1600" b="0" dirty="0">
-                <a:solidFill>
-                  <a:srgbClr val="CCCCCC"/>
-                </a:solidFill>
-                <a:effectLst/>
-                <a:latin typeface="Consolas" panose="020B0609020204030204" pitchFamily="49" charset="0"/>
-                <a:cs typeface="Consolas" panose="020B0609020204030204" pitchFamily="49" charset="0"/>
-              </a:rPr>
-              <a:t> </a:t>
-            </a:r>
-            <a:r>
-              <a:rPr lang="en-US" sz="1600" b="0" dirty="0" err="1">
-                <a:solidFill>
-                  <a:srgbClr val="9CDCFE"/>
-                </a:solidFill>
-                <a:effectLst/>
-                <a:latin typeface="Consolas" panose="020B0609020204030204" pitchFamily="49" charset="0"/>
-                <a:cs typeface="Consolas" panose="020B0609020204030204" pitchFamily="49" charset="0"/>
-              </a:rPr>
-              <a:t>ansCount</a:t>
-            </a:r>
-            <a:r>
-              <a:rPr lang="en-US" sz="1600" b="0" dirty="0">
-                <a:solidFill>
-                  <a:srgbClr val="D4D4D4"/>
-                </a:solidFill>
-                <a:effectLst/>
-                <a:latin typeface="Consolas" panose="020B0609020204030204" pitchFamily="49" charset="0"/>
-                <a:cs typeface="Consolas" panose="020B0609020204030204" pitchFamily="49" charset="0"/>
-              </a:rPr>
-              <a:t>=</a:t>
-            </a:r>
-            <a:r>
-              <a:rPr lang="en-US" sz="1600" b="0" dirty="0">
-                <a:solidFill>
-                  <a:srgbClr val="569CD6"/>
-                </a:solidFill>
-                <a:effectLst/>
-                <a:latin typeface="Consolas" panose="020B0609020204030204" pitchFamily="49" charset="0"/>
-                <a:cs typeface="Consolas" panose="020B0609020204030204" pitchFamily="49" charset="0"/>
-              </a:rPr>
-              <a:t>{</a:t>
-            </a:r>
-            <a:r>
-              <a:rPr lang="en-US" sz="1600" b="0" dirty="0" err="1">
-                <a:solidFill>
-                  <a:srgbClr val="4FC1FF"/>
-                </a:solidFill>
-                <a:effectLst/>
-                <a:latin typeface="Consolas" panose="020B0609020204030204" pitchFamily="49" charset="0"/>
-                <a:cs typeface="Consolas" panose="020B0609020204030204" pitchFamily="49" charset="0"/>
-              </a:rPr>
-              <a:t>question</a:t>
-            </a:r>
-            <a:r>
-              <a:rPr lang="en-US" sz="1600" b="0" dirty="0" err="1">
-                <a:solidFill>
-                  <a:srgbClr val="D4D4D4"/>
-                </a:solidFill>
-                <a:effectLst/>
-                <a:latin typeface="Consolas" panose="020B0609020204030204" pitchFamily="49" charset="0"/>
-                <a:cs typeface="Consolas" panose="020B0609020204030204" pitchFamily="49" charset="0"/>
-              </a:rPr>
-              <a:t>.</a:t>
-            </a:r>
-            <a:r>
-              <a:rPr lang="en-US" sz="1600" b="0" dirty="0" err="1">
-                <a:solidFill>
-                  <a:srgbClr val="9CDCFE"/>
-                </a:solidFill>
-                <a:effectLst/>
-                <a:latin typeface="Consolas" panose="020B0609020204030204" pitchFamily="49" charset="0"/>
-                <a:cs typeface="Consolas" panose="020B0609020204030204" pitchFamily="49" charset="0"/>
-              </a:rPr>
-              <a:t>answers</a:t>
-            </a:r>
-            <a:r>
-              <a:rPr lang="en-US" sz="1600" b="0" dirty="0" err="1">
-                <a:solidFill>
-                  <a:srgbClr val="D4D4D4"/>
-                </a:solidFill>
-                <a:effectLst/>
-                <a:latin typeface="Consolas" panose="020B0609020204030204" pitchFamily="49" charset="0"/>
-                <a:cs typeface="Consolas" panose="020B0609020204030204" pitchFamily="49" charset="0"/>
-              </a:rPr>
-              <a:t>.</a:t>
-            </a:r>
-            <a:r>
-              <a:rPr lang="en-US" sz="1600" b="0" dirty="0" err="1">
-                <a:solidFill>
-                  <a:srgbClr val="9CDCFE"/>
-                </a:solidFill>
-                <a:effectLst/>
-                <a:latin typeface="Consolas" panose="020B0609020204030204" pitchFamily="49" charset="0"/>
-                <a:cs typeface="Consolas" panose="020B0609020204030204" pitchFamily="49" charset="0"/>
-              </a:rPr>
-              <a:t>length</a:t>
-            </a:r>
-            <a:r>
-              <a:rPr lang="en-US" sz="1600" b="0" dirty="0">
-                <a:solidFill>
-                  <a:srgbClr val="569CD6"/>
-                </a:solidFill>
-                <a:effectLst/>
-                <a:latin typeface="Consolas" panose="020B0609020204030204" pitchFamily="49" charset="0"/>
-                <a:cs typeface="Consolas" panose="020B0609020204030204" pitchFamily="49" charset="0"/>
-              </a:rPr>
-              <a:t>}</a:t>
-            </a:r>
-            <a:r>
-              <a:rPr lang="en-US" sz="1600" b="0" dirty="0">
-                <a:solidFill>
-                  <a:srgbClr val="CCCCCC"/>
-                </a:solidFill>
-                <a:effectLst/>
-                <a:latin typeface="Consolas" panose="020B0609020204030204" pitchFamily="49" charset="0"/>
-                <a:cs typeface="Consolas" panose="020B0609020204030204" pitchFamily="49" charset="0"/>
-              </a:rPr>
-              <a:t> </a:t>
-            </a:r>
-            <a:r>
-              <a:rPr lang="en-US" sz="1600" b="0" dirty="0">
-                <a:solidFill>
-                  <a:srgbClr val="9CDCFE"/>
-                </a:solidFill>
-                <a:effectLst/>
-                <a:latin typeface="Consolas" panose="020B0609020204030204" pitchFamily="49" charset="0"/>
-                <a:cs typeface="Consolas" panose="020B0609020204030204" pitchFamily="49" charset="0"/>
-              </a:rPr>
-              <a:t>title</a:t>
-            </a:r>
-            <a:r>
-              <a:rPr lang="en-US" sz="1600" b="0" dirty="0">
-                <a:solidFill>
-                  <a:srgbClr val="D4D4D4"/>
-                </a:solidFill>
-                <a:effectLst/>
-                <a:latin typeface="Consolas" panose="020B0609020204030204" pitchFamily="49" charset="0"/>
-                <a:cs typeface="Consolas" panose="020B0609020204030204" pitchFamily="49" charset="0"/>
-              </a:rPr>
-              <a:t>=</a:t>
-            </a:r>
-            <a:r>
-              <a:rPr lang="en-US" sz="1600" b="0" dirty="0">
-                <a:solidFill>
-                  <a:srgbClr val="569CD6"/>
-                </a:solidFill>
-                <a:effectLst/>
-                <a:latin typeface="Consolas" panose="020B0609020204030204" pitchFamily="49" charset="0"/>
-                <a:cs typeface="Consolas" panose="020B0609020204030204" pitchFamily="49" charset="0"/>
-              </a:rPr>
-              <a:t>{</a:t>
-            </a:r>
-            <a:r>
-              <a:rPr lang="en-US" sz="1600" b="0" dirty="0" err="1">
-                <a:solidFill>
-                  <a:srgbClr val="4FC1FF"/>
-                </a:solidFill>
-                <a:effectLst/>
-                <a:latin typeface="Consolas" panose="020B0609020204030204" pitchFamily="49" charset="0"/>
-                <a:cs typeface="Consolas" panose="020B0609020204030204" pitchFamily="49" charset="0"/>
-              </a:rPr>
-              <a:t>question</a:t>
-            </a:r>
-            <a:r>
-              <a:rPr lang="en-US" sz="1600" b="0" dirty="0" err="1">
-                <a:solidFill>
-                  <a:srgbClr val="D4D4D4"/>
-                </a:solidFill>
-                <a:effectLst/>
-                <a:latin typeface="Consolas" panose="020B0609020204030204" pitchFamily="49" charset="0"/>
-                <a:cs typeface="Consolas" panose="020B0609020204030204" pitchFamily="49" charset="0"/>
-              </a:rPr>
-              <a:t>.</a:t>
-            </a:r>
-            <a:r>
-              <a:rPr lang="en-US" sz="1600" b="0" dirty="0" err="1">
-                <a:solidFill>
-                  <a:srgbClr val="9CDCFE"/>
-                </a:solidFill>
-                <a:effectLst/>
-                <a:latin typeface="Consolas" panose="020B0609020204030204" pitchFamily="49" charset="0"/>
-                <a:cs typeface="Consolas" panose="020B0609020204030204" pitchFamily="49" charset="0"/>
-              </a:rPr>
-              <a:t>title</a:t>
-            </a:r>
-            <a:r>
-              <a:rPr lang="en-US" sz="1600" b="0" dirty="0">
-                <a:solidFill>
-                  <a:srgbClr val="569CD6"/>
-                </a:solidFill>
-                <a:effectLst/>
-                <a:latin typeface="Consolas" panose="020B0609020204030204" pitchFamily="49" charset="0"/>
-                <a:cs typeface="Consolas" panose="020B0609020204030204" pitchFamily="49" charset="0"/>
-              </a:rPr>
-              <a:t>}</a:t>
-            </a:r>
-            <a:r>
-              <a:rPr lang="en-US" sz="1600" b="0" dirty="0">
-                <a:solidFill>
-                  <a:srgbClr val="CCCCCC"/>
-                </a:solidFill>
-                <a:effectLst/>
-                <a:latin typeface="Consolas" panose="020B0609020204030204" pitchFamily="49" charset="0"/>
-                <a:cs typeface="Consolas" panose="020B0609020204030204" pitchFamily="49" charset="0"/>
-              </a:rPr>
-              <a:t> </a:t>
-            </a:r>
-            <a:r>
-              <a:rPr lang="en-US" sz="1600" b="0" dirty="0">
-                <a:solidFill>
-                  <a:srgbClr val="808080"/>
-                </a:solidFill>
-                <a:effectLst/>
-                <a:latin typeface="Consolas" panose="020B0609020204030204" pitchFamily="49" charset="0"/>
-                <a:cs typeface="Consolas" panose="020B0609020204030204" pitchFamily="49" charset="0"/>
-              </a:rPr>
-              <a:t>/&gt;</a:t>
-            </a:r>
-            <a:br>
-              <a:rPr lang="en-US" sz="1600" b="0" dirty="0">
-                <a:solidFill>
-                  <a:srgbClr val="808080"/>
-                </a:solidFill>
-                <a:effectLst/>
-                <a:latin typeface="Consolas" panose="020B0609020204030204" pitchFamily="49" charset="0"/>
-                <a:cs typeface="Consolas" panose="020B0609020204030204" pitchFamily="49" charset="0"/>
-              </a:rPr>
-            </a:br>
-            <a:r>
-              <a:rPr lang="en-US" sz="1600" b="1" dirty="0">
-                <a:solidFill>
-                  <a:srgbClr val="FF0000"/>
-                </a:solidFill>
-                <a:effectLst/>
-                <a:latin typeface="Consolas" panose="020B0609020204030204" pitchFamily="49" charset="0"/>
-                <a:cs typeface="Consolas" panose="020B0609020204030204" pitchFamily="49" charset="0"/>
-              </a:rPr>
-              <a:t>. . .</a:t>
-            </a:r>
-          </a:p>
-          <a:p>
             <a:endParaRPr lang="en-US" sz="1600" dirty="0">
               <a:latin typeface="Consolas" panose="020B0609020204030204" pitchFamily="49" charset="0"/>
               <a:cs typeface="Consolas" panose="020B0609020204030204" pitchFamily="49" charset="0"/>
@@ -37084,7 +36269,7 @@
           </a:prstGeom>
           <a:extLst>
             <a:ext uri="{C572A759-6A51-4108-AA02-DFA0A04FC94B}">
-              <ma14:wrappingTextBoxFlag xmlns="" xmlns:m="http://schemas.openxmlformats.org/officeDocument/2006/math" xmlns:a14="http://schemas.microsoft.com/office/drawing/2010/main" xmlns:ma14="http://schemas.microsoft.com/office/mac/drawingml/2011/main" val="1"/>
+              <ma14:wrappingTextBoxFlag xmlns:ma14="http://schemas.microsoft.com/office/mac/drawingml/2011/main" xmlns:a14="http://schemas.microsoft.com/office/drawing/2010/main" xmlns:m="http://schemas.openxmlformats.org/officeDocument/2006/math" xmlns="" val="1"/>
             </a:ext>
           </a:extLst>
         </p:spPr>
@@ -37128,7 +36313,7 @@
           </a:ln>
           <a:extLst>
             <a:ext uri="{C572A759-6A51-4108-AA02-DFA0A04FC94B}">
-              <ma14:wrappingTextBoxFlag xmlns="" xmlns:m="http://schemas.openxmlformats.org/officeDocument/2006/math" xmlns:a14="http://schemas.microsoft.com/office/drawing/2010/main" xmlns:ma14="http://schemas.microsoft.com/office/mac/drawingml/2011/main" val="1"/>
+              <ma14:wrappingTextBoxFlag xmlns:ma14="http://schemas.microsoft.com/office/mac/drawingml/2011/main" xmlns:a14="http://schemas.microsoft.com/office/drawing/2010/main" xmlns:m="http://schemas.openxmlformats.org/officeDocument/2006/math" xmlns="" val="1"/>
             </a:ext>
           </a:extLst>
         </p:spPr>
@@ -37508,7 +36693,7 @@
               <a:t>  </a:t>
             </a:r>
             <a:r>
-              <a:rPr lang="en-US" b="0" dirty="0" err="1">
+              <a:rPr lang="en-US" b="0" dirty="0">
                 <a:solidFill>
                   <a:srgbClr val="795E26"/>
                 </a:solidFill>
@@ -37894,12 +37079,8 @@
           <a:lstStyle/>
           <a:p>
             <a:r>
-              <a:rPr lang="en-US" dirty="0" err="1"/>
-              <a:t>useEffect</a:t>
-            </a:r>
-            <a:r>
               <a:rPr lang="en-US" dirty="0"/>
-              <a:t> is a mechanism for synchronizing a component with an external system</a:t>
+              <a:t>useEffect is a mechanism for synchronizing a component with an external system</a:t>
             </a:r>
           </a:p>
         </p:txBody>
@@ -42870,13 +42051,8 @@
             </a:pPr>
             <a:r>
               <a:rPr lang="en-US" dirty="0"/>
-              <a:t>Explain the basic use cases for </a:t>
-            </a:r>
-            <a:r>
-              <a:rPr lang="en-US" dirty="0" err="1"/>
-              <a:t>useEffect</a:t>
-            </a:r>
-            <a:endParaRPr lang="en-US" dirty="0"/>
+              <a:t>Explain the basic use cases for useEffect</a:t>
+            </a:r>
           </a:p>
           <a:p>
             <a:pPr marL="685800" lvl="1" indent="-228600">
@@ -42887,15 +42063,7 @@
             </a:pPr>
             <a:r>
               <a:rPr lang="en-US" dirty="0"/>
-              <a:t>Explain when a </a:t>
-            </a:r>
-            <a:r>
-              <a:rPr lang="en-US" dirty="0" err="1"/>
-              <a:t>useEffect</a:t>
-            </a:r>
-            <a:r>
-              <a:rPr lang="en-US" dirty="0"/>
-              <a:t> is executed, and when its return value is executed</a:t>
+              <a:t>Explain when a useEffect is executed, and when its return value is executed</a:t>
             </a:r>
           </a:p>
           <a:p>
@@ -43080,13 +42248,13 @@
           <a:p>
             <a:r>
               <a:rPr lang="en-US" dirty="0"/>
-              <a:t>An event subscription like a chat server</a:t>
+              <a:t>An event subscription like a chat server (sockets?)</a:t>
             </a:r>
           </a:p>
           <a:p>
             <a:r>
               <a:rPr lang="en-US" dirty="0"/>
-              <a:t>A call to fetch data from an external web site</a:t>
+              <a:t>A call to fetch data from an external API or web site</a:t>
             </a:r>
           </a:p>
           <a:p>
@@ -43594,27 +42762,7 @@
                 <a:effectLst/>
                 <a:latin typeface="Consolas" panose="020B0609020204030204" pitchFamily="49" charset="0"/>
               </a:rPr>
-              <a:t>] = </a:t>
-            </a:r>
-            <a:r>
-              <a:rPr lang="en-US" b="0" dirty="0" err="1">
-                <a:solidFill>
-                  <a:srgbClr val="000000"/>
-                </a:solidFill>
-                <a:effectLst/>
-                <a:latin typeface="Consolas" panose="020B0609020204030204" pitchFamily="49" charset="0"/>
-              </a:rPr>
-              <a:t>useState</a:t>
-            </a:r>
-            <a:r>
-              <a:rPr lang="en-US" b="0" dirty="0">
-                <a:solidFill>
-                  <a:srgbClr val="000000"/>
-                </a:solidFill>
-                <a:effectLst/>
-                <a:latin typeface="Consolas" panose="020B0609020204030204" pitchFamily="49" charset="0"/>
-              </a:rPr>
-              <a:t>(</a:t>
+              <a:t>] = useState(</a:t>
             </a:r>
             <a:r>
               <a:rPr lang="en-US" b="0" dirty="0">
@@ -43925,27 +43073,7 @@
                 <a:effectLst/>
                 <a:latin typeface="Consolas" panose="020B0609020204030204" pitchFamily="49" charset="0"/>
               </a:rPr>
-              <a:t>    </a:t>
-            </a:r>
-            <a:r>
-              <a:rPr lang="en-US" b="0" dirty="0" err="1">
-                <a:solidFill>
-                  <a:srgbClr val="000000"/>
-                </a:solidFill>
-                <a:effectLst/>
-                <a:latin typeface="Consolas" panose="020B0609020204030204" pitchFamily="49" charset="0"/>
-              </a:rPr>
-              <a:t>useEffect</a:t>
-            </a:r>
-            <a:r>
-              <a:rPr lang="en-US" b="0" dirty="0">
-                <a:solidFill>
-                  <a:srgbClr val="000000"/>
-                </a:solidFill>
-                <a:effectLst/>
-                <a:latin typeface="Consolas" panose="020B0609020204030204" pitchFamily="49" charset="0"/>
-              </a:rPr>
-              <a:t>(() </a:t>
+              <a:t>    useEffect(() </a:t>
             </a:r>
             <a:r>
               <a:rPr lang="en-US" b="0" dirty="0">
@@ -45125,27 +44253,7 @@
                 <a:effectLst/>
                 <a:latin typeface="Consolas" panose="020B0609020204030204" pitchFamily="49" charset="0"/>
               </a:rPr>
-              <a:t> { </a:t>
-            </a:r>
-            <a:r>
-              <a:rPr lang="en-US" sz="1600" b="0" dirty="0" err="1">
-                <a:solidFill>
-                  <a:srgbClr val="000000"/>
-                </a:solidFill>
-                <a:effectLst/>
-                <a:latin typeface="Consolas" panose="020B0609020204030204" pitchFamily="49" charset="0"/>
-              </a:rPr>
-              <a:t>useState</a:t>
-            </a:r>
-            <a:r>
-              <a:rPr lang="en-US" sz="1600" b="0" dirty="0">
-                <a:solidFill>
-                  <a:srgbClr val="000000"/>
-                </a:solidFill>
-                <a:effectLst/>
-                <a:latin typeface="Consolas" panose="020B0609020204030204" pitchFamily="49" charset="0"/>
-              </a:rPr>
-              <a:t> } </a:t>
+              <a:t> { useState } </a:t>
             </a:r>
             <a:r>
               <a:rPr lang="en-US" sz="1600" b="0" dirty="0">
@@ -45545,7 +44653,7 @@
               <a:t> [clock, _] = </a:t>
             </a:r>
             <a:r>
-              <a:rPr lang="en-US" sz="1600" b="0" dirty="0" err="1">
+              <a:rPr lang="en-US" sz="1600" b="0" dirty="0">
                 <a:solidFill>
                   <a:srgbClr val="000000"/>
                 </a:solidFill>
@@ -45555,20 +44663,7 @@
                 </a:highlight>
                 <a:latin typeface="Consolas" panose="020B0609020204030204" pitchFamily="49" charset="0"/>
               </a:rPr>
-              <a:t>useState</a:t>
-            </a:r>
-            <a:r>
-              <a:rPr lang="en-US" sz="1600" b="0" dirty="0">
-                <a:solidFill>
-                  <a:srgbClr val="000000"/>
-                </a:solidFill>
-                <a:effectLst/>
-                <a:highlight>
-                  <a:srgbClr val="FFFF00"/>
-                </a:highlight>
-                <a:latin typeface="Consolas" panose="020B0609020204030204" pitchFamily="49" charset="0"/>
-              </a:rPr>
-              <a:t>(</a:t>
+              <a:t>useState(</a:t>
             </a:r>
             <a:r>
               <a:rPr lang="en-US" sz="1600" b="0" dirty="0" err="1">
